--- a/Superscrapers_Introduction.pptx
+++ b/Superscrapers_Introduction.pptx
@@ -5,7 +5,8 @@
     <p:sldMasterId id="2147483648" r:id="rId1"/>
   </p:sldMasterIdLst>
   <p:sldIdLst>
-    <p:sldId id="257" r:id="rId2"/>
+    <p:sldId id="258" r:id="rId2"/>
+    <p:sldId id="257" r:id="rId3"/>
   </p:sldIdLst>
   <p:sldSz cx="12192000" cy="6858000"/>
   <p:notesSz cx="6858000" cy="9144000"/>
@@ -104,7 +105,3255 @@
       </a:defRPr>
     </a:lvl9pPr>
   </p:defaultTextStyle>
+  <p:extLst>
+    <p:ext uri="{EFAFB233-063F-42B5-8137-9DF3F51BA10A}">
+      <p15:sldGuideLst xmlns:p15="http://schemas.microsoft.com/office/powerpoint/2012/main"/>
+    </p:ext>
+  </p:extLst>
 </p:presentation>
+</file>
+
+<file path=ppt/revisionInfo.xml><?xml version="1.0" encoding="utf-8"?>
+<p1510:revInfo xmlns:a="http://schemas.openxmlformats.org/drawingml/2006/main" xmlns:r="http://schemas.openxmlformats.org/officeDocument/2006/relationships" xmlns:p1510="http://schemas.microsoft.com/office/powerpoint/2015/10/main"/>
+</file>
+
+<file path=ppt/diagrams/colors1.xml><?xml version="1.0" encoding="utf-8"?>
+<dgm:colorsDef xmlns:dgm="http://schemas.openxmlformats.org/drawingml/2006/diagram" xmlns:a="http://schemas.openxmlformats.org/drawingml/2006/main" uniqueId="urn:microsoft.com/office/officeart/2005/8/colors/accent1_3">
+  <dgm:title val=""/>
+  <dgm:desc val=""/>
+  <dgm:catLst>
+    <dgm:cat type="accent1" pri="11300"/>
+  </dgm:catLst>
+  <dgm:styleLbl name="node0">
+    <dgm:fillClrLst meth="repeat">
+      <a:schemeClr val="accent1">
+        <a:shade val="80000"/>
+      </a:schemeClr>
+    </dgm:fillClrLst>
+    <dgm:linClrLst meth="repeat">
+      <a:schemeClr val="lt1"/>
+    </dgm:linClrLst>
+    <dgm:effectClrLst/>
+    <dgm:txLinClrLst/>
+    <dgm:txFillClrLst/>
+    <dgm:txEffectClrLst/>
+  </dgm:styleLbl>
+  <dgm:styleLbl name="alignNode1">
+    <dgm:fillClrLst>
+      <a:schemeClr val="accent1">
+        <a:shade val="80000"/>
+      </a:schemeClr>
+      <a:schemeClr val="accent1">
+        <a:tint val="70000"/>
+      </a:schemeClr>
+    </dgm:fillClrLst>
+    <dgm:linClrLst>
+      <a:schemeClr val="accent1">
+        <a:shade val="80000"/>
+      </a:schemeClr>
+      <a:schemeClr val="accent1">
+        <a:tint val="70000"/>
+      </a:schemeClr>
+    </dgm:linClrLst>
+    <dgm:effectClrLst/>
+    <dgm:txLinClrLst/>
+    <dgm:txFillClrLst/>
+    <dgm:txEffectClrLst/>
+  </dgm:styleLbl>
+  <dgm:styleLbl name="node1">
+    <dgm:fillClrLst>
+      <a:schemeClr val="accent1">
+        <a:shade val="80000"/>
+      </a:schemeClr>
+      <a:schemeClr val="accent1">
+        <a:tint val="70000"/>
+      </a:schemeClr>
+    </dgm:fillClrLst>
+    <dgm:linClrLst meth="repeat">
+      <a:schemeClr val="lt1"/>
+    </dgm:linClrLst>
+    <dgm:effectClrLst/>
+    <dgm:txLinClrLst/>
+    <dgm:txFillClrLst/>
+    <dgm:txEffectClrLst/>
+  </dgm:styleLbl>
+  <dgm:styleLbl name="lnNode1">
+    <dgm:fillClrLst>
+      <a:schemeClr val="accent1">
+        <a:shade val="80000"/>
+      </a:schemeClr>
+      <a:schemeClr val="accent1">
+        <a:tint val="70000"/>
+      </a:schemeClr>
+    </dgm:fillClrLst>
+    <dgm:linClrLst meth="repeat">
+      <a:schemeClr val="lt1"/>
+    </dgm:linClrLst>
+    <dgm:effectClrLst/>
+    <dgm:txLinClrLst/>
+    <dgm:txFillClrLst/>
+    <dgm:txEffectClrLst/>
+  </dgm:styleLbl>
+  <dgm:styleLbl name="vennNode1">
+    <dgm:fillClrLst>
+      <a:schemeClr val="accent1">
+        <a:shade val="80000"/>
+        <a:alpha val="50000"/>
+      </a:schemeClr>
+      <a:schemeClr val="accent1">
+        <a:tint val="70000"/>
+        <a:alpha val="50000"/>
+      </a:schemeClr>
+    </dgm:fillClrLst>
+    <dgm:linClrLst meth="repeat">
+      <a:schemeClr val="lt1"/>
+    </dgm:linClrLst>
+    <dgm:effectClrLst/>
+    <dgm:txLinClrLst/>
+    <dgm:txFillClrLst/>
+    <dgm:txEffectClrLst/>
+  </dgm:styleLbl>
+  <dgm:styleLbl name="node2">
+    <dgm:fillClrLst>
+      <a:schemeClr val="accent1">
+        <a:tint val="99000"/>
+      </a:schemeClr>
+    </dgm:fillClrLst>
+    <dgm:linClrLst meth="repeat">
+      <a:schemeClr val="lt1"/>
+    </dgm:linClrLst>
+    <dgm:effectClrLst/>
+    <dgm:txLinClrLst/>
+    <dgm:txFillClrLst/>
+    <dgm:txEffectClrLst/>
+  </dgm:styleLbl>
+  <dgm:styleLbl name="node3">
+    <dgm:fillClrLst>
+      <a:schemeClr val="accent1">
+        <a:tint val="80000"/>
+      </a:schemeClr>
+    </dgm:fillClrLst>
+    <dgm:linClrLst meth="repeat">
+      <a:schemeClr val="lt1"/>
+    </dgm:linClrLst>
+    <dgm:effectClrLst/>
+    <dgm:txLinClrLst/>
+    <dgm:txFillClrLst/>
+    <dgm:txEffectClrLst/>
+  </dgm:styleLbl>
+  <dgm:styleLbl name="node4">
+    <dgm:fillClrLst>
+      <a:schemeClr val="accent1">
+        <a:tint val="70000"/>
+      </a:schemeClr>
+    </dgm:fillClrLst>
+    <dgm:linClrLst meth="repeat">
+      <a:schemeClr val="lt1"/>
+    </dgm:linClrLst>
+    <dgm:effectClrLst/>
+    <dgm:txLinClrLst/>
+    <dgm:txFillClrLst/>
+    <dgm:txEffectClrLst/>
+  </dgm:styleLbl>
+  <dgm:styleLbl name="fgImgPlace1">
+    <dgm:fillClrLst>
+      <a:schemeClr val="accent1">
+        <a:tint val="50000"/>
+      </a:schemeClr>
+      <a:schemeClr val="accent1">
+        <a:tint val="20000"/>
+      </a:schemeClr>
+    </dgm:fillClrLst>
+    <dgm:linClrLst meth="repeat">
+      <a:schemeClr val="lt1"/>
+    </dgm:linClrLst>
+    <dgm:effectClrLst/>
+    <dgm:txLinClrLst/>
+    <dgm:txFillClrLst meth="repeat">
+      <a:schemeClr val="lt1"/>
+    </dgm:txFillClrLst>
+    <dgm:txEffectClrLst/>
+  </dgm:styleLbl>
+  <dgm:styleLbl name="alignImgPlace1">
+    <dgm:fillClrLst>
+      <a:schemeClr val="accent1">
+        <a:tint val="50000"/>
+      </a:schemeClr>
+      <a:schemeClr val="accent1">
+        <a:tint val="20000"/>
+      </a:schemeClr>
+    </dgm:fillClrLst>
+    <dgm:linClrLst meth="repeat">
+      <a:schemeClr val="lt1"/>
+    </dgm:linClrLst>
+    <dgm:effectClrLst/>
+    <dgm:txLinClrLst/>
+    <dgm:txFillClrLst meth="repeat">
+      <a:schemeClr val="lt1"/>
+    </dgm:txFillClrLst>
+    <dgm:txEffectClrLst/>
+  </dgm:styleLbl>
+  <dgm:styleLbl name="bgImgPlace1">
+    <dgm:fillClrLst>
+      <a:schemeClr val="accent1">
+        <a:tint val="50000"/>
+      </a:schemeClr>
+      <a:schemeClr val="accent1">
+        <a:tint val="20000"/>
+      </a:schemeClr>
+    </dgm:fillClrLst>
+    <dgm:linClrLst meth="repeat">
+      <a:schemeClr val="lt1"/>
+    </dgm:linClrLst>
+    <dgm:effectClrLst/>
+    <dgm:txLinClrLst/>
+    <dgm:txFillClrLst meth="repeat">
+      <a:schemeClr val="lt1"/>
+    </dgm:txFillClrLst>
+    <dgm:txEffectClrLst/>
+  </dgm:styleLbl>
+  <dgm:styleLbl name="sibTrans2D1">
+    <dgm:fillClrLst>
+      <a:schemeClr val="accent1">
+        <a:shade val="90000"/>
+      </a:schemeClr>
+      <a:schemeClr val="accent1">
+        <a:tint val="70000"/>
+      </a:schemeClr>
+    </dgm:fillClrLst>
+    <dgm:linClrLst>
+      <a:schemeClr val="accent1">
+        <a:shade val="90000"/>
+      </a:schemeClr>
+      <a:schemeClr val="accent1">
+        <a:tint val="70000"/>
+      </a:schemeClr>
+    </dgm:linClrLst>
+    <dgm:effectClrLst/>
+    <dgm:txLinClrLst/>
+    <dgm:txFillClrLst/>
+    <dgm:txEffectClrLst/>
+  </dgm:styleLbl>
+  <dgm:styleLbl name="fgSibTrans2D1">
+    <dgm:fillClrLst>
+      <a:schemeClr val="accent1">
+        <a:shade val="90000"/>
+      </a:schemeClr>
+      <a:schemeClr val="accent1">
+        <a:tint val="70000"/>
+      </a:schemeClr>
+    </dgm:fillClrLst>
+    <dgm:linClrLst>
+      <a:schemeClr val="accent1">
+        <a:shade val="90000"/>
+      </a:schemeClr>
+      <a:schemeClr val="accent1">
+        <a:tint val="70000"/>
+      </a:schemeClr>
+    </dgm:linClrLst>
+    <dgm:effectClrLst/>
+    <dgm:txLinClrLst/>
+    <dgm:txFillClrLst meth="repeat">
+      <a:schemeClr val="lt1"/>
+    </dgm:txFillClrLst>
+    <dgm:txEffectClrLst/>
+  </dgm:styleLbl>
+  <dgm:styleLbl name="bgSibTrans2D1">
+    <dgm:fillClrLst>
+      <a:schemeClr val="accent1">
+        <a:shade val="90000"/>
+      </a:schemeClr>
+      <a:schemeClr val="accent1">
+        <a:tint val="70000"/>
+      </a:schemeClr>
+    </dgm:fillClrLst>
+    <dgm:linClrLst>
+      <a:schemeClr val="accent1">
+        <a:shade val="90000"/>
+      </a:schemeClr>
+      <a:schemeClr val="accent1">
+        <a:tint val="70000"/>
+      </a:schemeClr>
+    </dgm:linClrLst>
+    <dgm:effectClrLst/>
+    <dgm:txLinClrLst/>
+    <dgm:txFillClrLst meth="repeat">
+      <a:schemeClr val="lt1"/>
+    </dgm:txFillClrLst>
+    <dgm:txEffectClrLst/>
+  </dgm:styleLbl>
+  <dgm:styleLbl name="sibTrans1D1">
+    <dgm:fillClrLst>
+      <a:schemeClr val="accent1">
+        <a:shade val="90000"/>
+      </a:schemeClr>
+      <a:schemeClr val="accent1">
+        <a:tint val="70000"/>
+      </a:schemeClr>
+    </dgm:fillClrLst>
+    <dgm:linClrLst>
+      <a:schemeClr val="accent1">
+        <a:shade val="90000"/>
+      </a:schemeClr>
+      <a:schemeClr val="accent1">
+        <a:tint val="70000"/>
+      </a:schemeClr>
+    </dgm:linClrLst>
+    <dgm:effectClrLst/>
+    <dgm:txLinClrLst/>
+    <dgm:txFillClrLst meth="repeat">
+      <a:schemeClr val="tx1"/>
+    </dgm:txFillClrLst>
+    <dgm:txEffectClrLst/>
+  </dgm:styleLbl>
+  <dgm:styleLbl name="callout">
+    <dgm:fillClrLst meth="repeat">
+      <a:schemeClr val="accent1"/>
+    </dgm:fillClrLst>
+    <dgm:linClrLst meth="repeat">
+      <a:schemeClr val="accent1"/>
+    </dgm:linClrLst>
+    <dgm:effectClrLst/>
+    <dgm:txLinClrLst/>
+    <dgm:txFillClrLst meth="repeat">
+      <a:schemeClr val="tx1"/>
+    </dgm:txFillClrLst>
+    <dgm:txEffectClrLst/>
+  </dgm:styleLbl>
+  <dgm:styleLbl name="asst0">
+    <dgm:fillClrLst meth="repeat">
+      <a:schemeClr val="accent1">
+        <a:shade val="80000"/>
+      </a:schemeClr>
+    </dgm:fillClrLst>
+    <dgm:linClrLst meth="repeat">
+      <a:schemeClr val="lt1"/>
+    </dgm:linClrLst>
+    <dgm:effectClrLst/>
+    <dgm:txLinClrLst/>
+    <dgm:txFillClrLst/>
+    <dgm:txEffectClrLst/>
+  </dgm:styleLbl>
+  <dgm:styleLbl name="asst1">
+    <dgm:fillClrLst meth="repeat">
+      <a:schemeClr val="accent1">
+        <a:shade val="80000"/>
+      </a:schemeClr>
+    </dgm:fillClrLst>
+    <dgm:linClrLst meth="repeat">
+      <a:schemeClr val="lt1"/>
+    </dgm:linClrLst>
+    <dgm:effectClrLst/>
+    <dgm:txLinClrLst/>
+    <dgm:txFillClrLst/>
+    <dgm:txEffectClrLst/>
+  </dgm:styleLbl>
+  <dgm:styleLbl name="asst2">
+    <dgm:fillClrLst>
+      <a:schemeClr val="accent1">
+        <a:tint val="99000"/>
+      </a:schemeClr>
+    </dgm:fillClrLst>
+    <dgm:linClrLst meth="repeat">
+      <a:schemeClr val="lt1"/>
+    </dgm:linClrLst>
+    <dgm:effectClrLst/>
+    <dgm:txLinClrLst/>
+    <dgm:txFillClrLst/>
+    <dgm:txEffectClrLst/>
+  </dgm:styleLbl>
+  <dgm:styleLbl name="asst3">
+    <dgm:fillClrLst>
+      <a:schemeClr val="accent1">
+        <a:tint val="80000"/>
+      </a:schemeClr>
+    </dgm:fillClrLst>
+    <dgm:linClrLst meth="repeat">
+      <a:schemeClr val="lt1"/>
+    </dgm:linClrLst>
+    <dgm:effectClrLst/>
+    <dgm:txLinClrLst/>
+    <dgm:txFillClrLst/>
+    <dgm:txEffectClrLst/>
+  </dgm:styleLbl>
+  <dgm:styleLbl name="asst4">
+    <dgm:fillClrLst>
+      <a:schemeClr val="accent1">
+        <a:tint val="70000"/>
+      </a:schemeClr>
+    </dgm:fillClrLst>
+    <dgm:linClrLst meth="repeat">
+      <a:schemeClr val="lt1"/>
+    </dgm:linClrLst>
+    <dgm:effectClrLst/>
+    <dgm:txLinClrLst/>
+    <dgm:txFillClrLst/>
+    <dgm:txEffectClrLst/>
+  </dgm:styleLbl>
+  <dgm:styleLbl name="parChTrans2D1">
+    <dgm:fillClrLst meth="repeat">
+      <a:schemeClr val="accent1">
+        <a:tint val="60000"/>
+      </a:schemeClr>
+    </dgm:fillClrLst>
+    <dgm:linClrLst meth="repeat">
+      <a:schemeClr val="accent1">
+        <a:tint val="60000"/>
+      </a:schemeClr>
+    </dgm:linClrLst>
+    <dgm:effectClrLst/>
+    <dgm:txLinClrLst/>
+    <dgm:txFillClrLst meth="repeat">
+      <a:schemeClr val="lt1"/>
+    </dgm:txFillClrLst>
+    <dgm:txEffectClrLst/>
+  </dgm:styleLbl>
+  <dgm:styleLbl name="parChTrans2D2">
+    <dgm:fillClrLst meth="repeat">
+      <a:schemeClr val="accent1">
+        <a:tint val="90000"/>
+      </a:schemeClr>
+    </dgm:fillClrLst>
+    <dgm:linClrLst meth="repeat">
+      <a:schemeClr val="accent1">
+        <a:tint val="90000"/>
+      </a:schemeClr>
+    </dgm:linClrLst>
+    <dgm:effectClrLst/>
+    <dgm:txLinClrLst/>
+    <dgm:txFillClrLst/>
+    <dgm:txEffectClrLst/>
+  </dgm:styleLbl>
+  <dgm:styleLbl name="parChTrans2D3">
+    <dgm:fillClrLst meth="repeat">
+      <a:schemeClr val="accent1">
+        <a:tint val="70000"/>
+      </a:schemeClr>
+    </dgm:fillClrLst>
+    <dgm:linClrLst meth="repeat">
+      <a:schemeClr val="accent1">
+        <a:tint val="70000"/>
+      </a:schemeClr>
+    </dgm:linClrLst>
+    <dgm:effectClrLst/>
+    <dgm:txLinClrLst/>
+    <dgm:txFillClrLst/>
+    <dgm:txEffectClrLst/>
+  </dgm:styleLbl>
+  <dgm:styleLbl name="parChTrans2D4">
+    <dgm:fillClrLst meth="repeat">
+      <a:schemeClr val="accent1">
+        <a:tint val="50000"/>
+      </a:schemeClr>
+    </dgm:fillClrLst>
+    <dgm:linClrLst meth="repeat">
+      <a:schemeClr val="accent1">
+        <a:tint val="50000"/>
+      </a:schemeClr>
+    </dgm:linClrLst>
+    <dgm:effectClrLst/>
+    <dgm:txLinClrLst/>
+    <dgm:txFillClrLst meth="repeat">
+      <a:schemeClr val="lt1"/>
+    </dgm:txFillClrLst>
+    <dgm:txEffectClrLst/>
+  </dgm:styleLbl>
+  <dgm:styleLbl name="parChTrans1D1">
+    <dgm:fillClrLst meth="repeat">
+      <a:schemeClr val="accent1">
+        <a:shade val="80000"/>
+      </a:schemeClr>
+    </dgm:fillClrLst>
+    <dgm:linClrLst meth="repeat">
+      <a:schemeClr val="accent1">
+        <a:shade val="80000"/>
+      </a:schemeClr>
+    </dgm:linClrLst>
+    <dgm:effectClrLst/>
+    <dgm:txLinClrLst/>
+    <dgm:txFillClrLst meth="repeat">
+      <a:schemeClr val="tx1"/>
+    </dgm:txFillClrLst>
+    <dgm:txEffectClrLst/>
+  </dgm:styleLbl>
+  <dgm:styleLbl name="parChTrans1D2">
+    <dgm:fillClrLst meth="repeat">
+      <a:schemeClr val="accent1">
+        <a:tint val="99000"/>
+      </a:schemeClr>
+    </dgm:fillClrLst>
+    <dgm:linClrLst meth="repeat">
+      <a:schemeClr val="accent1">
+        <a:tint val="99000"/>
+      </a:schemeClr>
+    </dgm:linClrLst>
+    <dgm:effectClrLst/>
+    <dgm:txLinClrLst/>
+    <dgm:txFillClrLst meth="repeat">
+      <a:schemeClr val="tx1"/>
+    </dgm:txFillClrLst>
+    <dgm:txEffectClrLst/>
+  </dgm:styleLbl>
+  <dgm:styleLbl name="parChTrans1D3">
+    <dgm:fillClrLst meth="repeat">
+      <a:schemeClr val="accent1">
+        <a:tint val="80000"/>
+      </a:schemeClr>
+    </dgm:fillClrLst>
+    <dgm:linClrLst meth="repeat">
+      <a:schemeClr val="accent1">
+        <a:tint val="80000"/>
+      </a:schemeClr>
+    </dgm:linClrLst>
+    <dgm:effectClrLst/>
+    <dgm:txLinClrLst/>
+    <dgm:txFillClrLst meth="repeat">
+      <a:schemeClr val="tx1"/>
+    </dgm:txFillClrLst>
+    <dgm:txEffectClrLst/>
+  </dgm:styleLbl>
+  <dgm:styleLbl name="parChTrans1D4">
+    <dgm:fillClrLst meth="repeat">
+      <a:schemeClr val="accent1">
+        <a:tint val="70000"/>
+      </a:schemeClr>
+    </dgm:fillClrLst>
+    <dgm:linClrLst meth="repeat">
+      <a:schemeClr val="accent1">
+        <a:tint val="70000"/>
+      </a:schemeClr>
+    </dgm:linClrLst>
+    <dgm:effectClrLst/>
+    <dgm:txLinClrLst/>
+    <dgm:txFillClrLst meth="repeat">
+      <a:schemeClr val="tx1"/>
+    </dgm:txFillClrLst>
+    <dgm:txEffectClrLst/>
+  </dgm:styleLbl>
+  <dgm:styleLbl name="fgAcc1">
+    <dgm:fillClrLst meth="repeat">
+      <a:schemeClr val="lt1">
+        <a:alpha val="90000"/>
+      </a:schemeClr>
+    </dgm:fillClrLst>
+    <dgm:linClrLst>
+      <a:schemeClr val="accent1">
+        <a:shade val="80000"/>
+      </a:schemeClr>
+      <a:schemeClr val="accent1">
+        <a:tint val="70000"/>
+      </a:schemeClr>
+    </dgm:linClrLst>
+    <dgm:effectClrLst/>
+    <dgm:txLinClrLst/>
+    <dgm:txFillClrLst meth="repeat">
+      <a:schemeClr val="dk1"/>
+    </dgm:txFillClrLst>
+    <dgm:txEffectClrLst/>
+  </dgm:styleLbl>
+  <dgm:styleLbl name="conFgAcc1">
+    <dgm:fillClrLst meth="repeat">
+      <a:schemeClr val="lt1">
+        <a:alpha val="90000"/>
+      </a:schemeClr>
+    </dgm:fillClrLst>
+    <dgm:linClrLst>
+      <a:schemeClr val="accent1">
+        <a:shade val="80000"/>
+      </a:schemeClr>
+      <a:schemeClr val="accent1">
+        <a:tint val="70000"/>
+      </a:schemeClr>
+    </dgm:linClrLst>
+    <dgm:effectClrLst/>
+    <dgm:txLinClrLst/>
+    <dgm:txFillClrLst meth="repeat">
+      <a:schemeClr val="dk1"/>
+    </dgm:txFillClrLst>
+    <dgm:txEffectClrLst/>
+  </dgm:styleLbl>
+  <dgm:styleLbl name="alignAcc1">
+    <dgm:fillClrLst meth="repeat">
+      <a:schemeClr val="lt1">
+        <a:alpha val="90000"/>
+      </a:schemeClr>
+    </dgm:fillClrLst>
+    <dgm:linClrLst>
+      <a:schemeClr val="accent1">
+        <a:shade val="80000"/>
+      </a:schemeClr>
+      <a:schemeClr val="accent1">
+        <a:tint val="70000"/>
+      </a:schemeClr>
+    </dgm:linClrLst>
+    <dgm:effectClrLst/>
+    <dgm:txLinClrLst/>
+    <dgm:txFillClrLst meth="repeat">
+      <a:schemeClr val="dk1"/>
+    </dgm:txFillClrLst>
+    <dgm:txEffectClrLst/>
+  </dgm:styleLbl>
+  <dgm:styleLbl name="trAlignAcc1">
+    <dgm:fillClrLst meth="repeat">
+      <a:schemeClr val="lt1">
+        <a:alpha val="40000"/>
+      </a:schemeClr>
+    </dgm:fillClrLst>
+    <dgm:linClrLst meth="repeat">
+      <a:schemeClr val="accent1"/>
+    </dgm:linClrLst>
+    <dgm:effectClrLst/>
+    <dgm:txLinClrLst/>
+    <dgm:txFillClrLst meth="repeat">
+      <a:schemeClr val="dk1"/>
+    </dgm:txFillClrLst>
+    <dgm:txEffectClrLst/>
+  </dgm:styleLbl>
+  <dgm:styleLbl name="bgAcc1">
+    <dgm:fillClrLst meth="repeat">
+      <a:schemeClr val="lt1">
+        <a:alpha val="90000"/>
+      </a:schemeClr>
+    </dgm:fillClrLst>
+    <dgm:linClrLst>
+      <a:schemeClr val="accent1">
+        <a:shade val="80000"/>
+      </a:schemeClr>
+      <a:schemeClr val="accent1">
+        <a:tint val="70000"/>
+      </a:schemeClr>
+    </dgm:linClrLst>
+    <dgm:effectClrLst/>
+    <dgm:txLinClrLst/>
+    <dgm:txFillClrLst meth="repeat">
+      <a:schemeClr val="dk1"/>
+    </dgm:txFillClrLst>
+    <dgm:txEffectClrLst/>
+  </dgm:styleLbl>
+  <dgm:styleLbl name="solidFgAcc1">
+    <dgm:fillClrLst meth="repeat">
+      <a:schemeClr val="lt1"/>
+    </dgm:fillClrLst>
+    <dgm:linClrLst>
+      <a:schemeClr val="accent1">
+        <a:shade val="80000"/>
+      </a:schemeClr>
+      <a:schemeClr val="accent1">
+        <a:tint val="70000"/>
+      </a:schemeClr>
+    </dgm:linClrLst>
+    <dgm:effectClrLst/>
+    <dgm:txLinClrLst/>
+    <dgm:txFillClrLst meth="repeat">
+      <a:schemeClr val="dk1"/>
+    </dgm:txFillClrLst>
+    <dgm:txEffectClrLst/>
+  </dgm:styleLbl>
+  <dgm:styleLbl name="solidAlignAcc1">
+    <dgm:fillClrLst meth="repeat">
+      <a:schemeClr val="lt1"/>
+    </dgm:fillClrLst>
+    <dgm:linClrLst meth="repeat">
+      <a:schemeClr val="accent1"/>
+    </dgm:linClrLst>
+    <dgm:effectClrLst/>
+    <dgm:txLinClrLst/>
+    <dgm:txFillClrLst meth="repeat">
+      <a:schemeClr val="dk1"/>
+    </dgm:txFillClrLst>
+    <dgm:txEffectClrLst/>
+  </dgm:styleLbl>
+  <dgm:styleLbl name="solidBgAcc1">
+    <dgm:fillClrLst meth="repeat">
+      <a:schemeClr val="lt1"/>
+    </dgm:fillClrLst>
+    <dgm:linClrLst meth="repeat">
+      <a:schemeClr val="accent1"/>
+    </dgm:linClrLst>
+    <dgm:effectClrLst/>
+    <dgm:txLinClrLst/>
+    <dgm:txFillClrLst meth="repeat">
+      <a:schemeClr val="dk1"/>
+    </dgm:txFillClrLst>
+    <dgm:txEffectClrLst/>
+  </dgm:styleLbl>
+  <dgm:styleLbl name="fgAccFollowNode1">
+    <dgm:fillClrLst meth="repeat">
+      <a:schemeClr val="accent1">
+        <a:alpha val="90000"/>
+        <a:tint val="40000"/>
+      </a:schemeClr>
+    </dgm:fillClrLst>
+    <dgm:linClrLst meth="repeat">
+      <a:schemeClr val="accent1">
+        <a:alpha val="90000"/>
+        <a:tint val="40000"/>
+      </a:schemeClr>
+    </dgm:linClrLst>
+    <dgm:effectClrLst/>
+    <dgm:txLinClrLst/>
+    <dgm:txFillClrLst meth="repeat">
+      <a:schemeClr val="dk1"/>
+    </dgm:txFillClrLst>
+    <dgm:txEffectClrLst/>
+  </dgm:styleLbl>
+  <dgm:styleLbl name="alignAccFollowNode1">
+    <dgm:fillClrLst meth="repeat">
+      <a:schemeClr val="accent1">
+        <a:alpha val="90000"/>
+        <a:tint val="40000"/>
+      </a:schemeClr>
+    </dgm:fillClrLst>
+    <dgm:linClrLst meth="repeat">
+      <a:schemeClr val="accent1">
+        <a:alpha val="90000"/>
+        <a:tint val="40000"/>
+      </a:schemeClr>
+    </dgm:linClrLst>
+    <dgm:effectClrLst/>
+    <dgm:txLinClrLst/>
+    <dgm:txFillClrLst meth="repeat">
+      <a:schemeClr val="dk1"/>
+    </dgm:txFillClrLst>
+    <dgm:txEffectClrLst/>
+  </dgm:styleLbl>
+  <dgm:styleLbl name="bgAccFollowNode1">
+    <dgm:fillClrLst meth="repeat">
+      <a:schemeClr val="accent1">
+        <a:alpha val="90000"/>
+        <a:tint val="40000"/>
+      </a:schemeClr>
+    </dgm:fillClrLst>
+    <dgm:linClrLst meth="repeat">
+      <a:schemeClr val="lt1"/>
+    </dgm:linClrLst>
+    <dgm:effectClrLst/>
+    <dgm:txLinClrLst/>
+    <dgm:txFillClrLst meth="repeat">
+      <a:schemeClr val="dk1"/>
+    </dgm:txFillClrLst>
+    <dgm:txEffectClrLst/>
+  </dgm:styleLbl>
+  <dgm:styleLbl name="fgAcc0">
+    <dgm:fillClrLst meth="repeat">
+      <a:schemeClr val="lt1">
+        <a:alpha val="90000"/>
+      </a:schemeClr>
+    </dgm:fillClrLst>
+    <dgm:linClrLst meth="repeat">
+      <a:schemeClr val="accent1">
+        <a:shade val="80000"/>
+      </a:schemeClr>
+    </dgm:linClrLst>
+    <dgm:effectClrLst/>
+    <dgm:txLinClrLst/>
+    <dgm:txFillClrLst meth="repeat">
+      <a:schemeClr val="dk1"/>
+    </dgm:txFillClrLst>
+    <dgm:txEffectClrLst/>
+  </dgm:styleLbl>
+  <dgm:styleLbl name="fgAcc2">
+    <dgm:fillClrLst meth="repeat">
+      <a:schemeClr val="lt1">
+        <a:alpha val="90000"/>
+      </a:schemeClr>
+    </dgm:fillClrLst>
+    <dgm:linClrLst meth="repeat">
+      <a:schemeClr val="accent1">
+        <a:tint val="99000"/>
+      </a:schemeClr>
+    </dgm:linClrLst>
+    <dgm:effectClrLst/>
+    <dgm:txLinClrLst/>
+    <dgm:txFillClrLst meth="repeat">
+      <a:schemeClr val="dk1"/>
+    </dgm:txFillClrLst>
+    <dgm:txEffectClrLst/>
+  </dgm:styleLbl>
+  <dgm:styleLbl name="fgAcc3">
+    <dgm:fillClrLst meth="repeat">
+      <a:schemeClr val="lt1">
+        <a:alpha val="90000"/>
+      </a:schemeClr>
+    </dgm:fillClrLst>
+    <dgm:linClrLst meth="repeat">
+      <a:schemeClr val="accent1">
+        <a:tint val="80000"/>
+      </a:schemeClr>
+    </dgm:linClrLst>
+    <dgm:effectClrLst/>
+    <dgm:txLinClrLst/>
+    <dgm:txFillClrLst meth="repeat">
+      <a:schemeClr val="dk1"/>
+    </dgm:txFillClrLst>
+    <dgm:txEffectClrLst/>
+  </dgm:styleLbl>
+  <dgm:styleLbl name="fgAcc4">
+    <dgm:fillClrLst meth="repeat">
+      <a:schemeClr val="lt1">
+        <a:alpha val="90000"/>
+      </a:schemeClr>
+    </dgm:fillClrLst>
+    <dgm:linClrLst meth="repeat">
+      <a:schemeClr val="accent1">
+        <a:tint val="70000"/>
+      </a:schemeClr>
+    </dgm:linClrLst>
+    <dgm:effectClrLst/>
+    <dgm:txLinClrLst/>
+    <dgm:txFillClrLst meth="repeat">
+      <a:schemeClr val="dk1"/>
+    </dgm:txFillClrLst>
+    <dgm:txEffectClrLst/>
+  </dgm:styleLbl>
+  <dgm:styleLbl name="bgShp">
+    <dgm:fillClrLst meth="repeat">
+      <a:schemeClr val="accent1">
+        <a:tint val="40000"/>
+      </a:schemeClr>
+    </dgm:fillClrLst>
+    <dgm:linClrLst meth="repeat">
+      <a:schemeClr val="dk1"/>
+    </dgm:linClrLst>
+    <dgm:effectClrLst/>
+    <dgm:txLinClrLst/>
+    <dgm:txFillClrLst meth="repeat">
+      <a:schemeClr val="dk1"/>
+    </dgm:txFillClrLst>
+    <dgm:txEffectClrLst/>
+  </dgm:styleLbl>
+  <dgm:styleLbl name="dkBgShp">
+    <dgm:fillClrLst meth="repeat">
+      <a:schemeClr val="accent1">
+        <a:shade val="90000"/>
+      </a:schemeClr>
+    </dgm:fillClrLst>
+    <dgm:linClrLst meth="repeat">
+      <a:schemeClr val="dk1"/>
+    </dgm:linClrLst>
+    <dgm:effectClrLst/>
+    <dgm:txLinClrLst/>
+    <dgm:txFillClrLst meth="repeat">
+      <a:schemeClr val="lt1"/>
+    </dgm:txFillClrLst>
+    <dgm:txEffectClrLst/>
+  </dgm:styleLbl>
+  <dgm:styleLbl name="trBgShp">
+    <dgm:fillClrLst meth="repeat">
+      <a:schemeClr val="accent1">
+        <a:tint val="50000"/>
+        <a:alpha val="40000"/>
+      </a:schemeClr>
+    </dgm:fillClrLst>
+    <dgm:linClrLst meth="repeat">
+      <a:schemeClr val="accent1"/>
+    </dgm:linClrLst>
+    <dgm:effectClrLst/>
+    <dgm:txLinClrLst/>
+    <dgm:txFillClrLst meth="repeat">
+      <a:schemeClr val="lt1"/>
+    </dgm:txFillClrLst>
+    <dgm:txEffectClrLst/>
+  </dgm:styleLbl>
+  <dgm:styleLbl name="fgShp">
+    <dgm:fillClrLst meth="repeat">
+      <a:schemeClr val="accent1">
+        <a:tint val="40000"/>
+      </a:schemeClr>
+    </dgm:fillClrLst>
+    <dgm:linClrLst meth="repeat">
+      <a:schemeClr val="lt1"/>
+    </dgm:linClrLst>
+    <dgm:effectClrLst/>
+    <dgm:txLinClrLst/>
+    <dgm:txFillClrLst meth="repeat">
+      <a:schemeClr val="dk1"/>
+    </dgm:txFillClrLst>
+    <dgm:txEffectClrLst/>
+  </dgm:styleLbl>
+  <dgm:styleLbl name="revTx">
+    <dgm:fillClrLst meth="repeat">
+      <a:schemeClr val="lt1">
+        <a:alpha val="0"/>
+      </a:schemeClr>
+    </dgm:fillClrLst>
+    <dgm:linClrLst meth="repeat">
+      <a:schemeClr val="dk1">
+        <a:alpha val="0"/>
+      </a:schemeClr>
+    </dgm:linClrLst>
+    <dgm:effectClrLst/>
+    <dgm:txLinClrLst/>
+    <dgm:txFillClrLst meth="repeat">
+      <a:schemeClr val="tx1"/>
+    </dgm:txFillClrLst>
+    <dgm:txEffectClrLst/>
+  </dgm:styleLbl>
+</dgm:colorsDef>
+</file>
+
+<file path=ppt/diagrams/data1.xml><?xml version="1.0" encoding="utf-8"?>
+<dgm:dataModel xmlns:dgm="http://schemas.openxmlformats.org/drawingml/2006/diagram" xmlns:a="http://schemas.openxmlformats.org/drawingml/2006/main">
+  <dgm:ptLst>
+    <dgm:pt modelId="{ECCDD144-CBD6-4DAE-B8CF-CA51D696295D}" type="doc">
+      <dgm:prSet loTypeId="urn:microsoft.com/office/officeart/2005/8/layout/matrix3" loCatId="matrix" qsTypeId="urn:microsoft.com/office/officeart/2005/8/quickstyle/3d2" qsCatId="3D" csTypeId="urn:microsoft.com/office/officeart/2005/8/colors/accent1_3" csCatId="accent1" phldr="1"/>
+      <dgm:spPr/>
+      <dgm:t>
+        <a:bodyPr/>
+        <a:lstStyle/>
+        <a:p>
+          <a:endParaRPr lang="en-US"/>
+        </a:p>
+      </dgm:t>
+    </dgm:pt>
+    <dgm:pt modelId="{3FB2A52A-7645-4462-A007-80712FD9052E}">
+      <dgm:prSet phldrT="[Text]"/>
+      <dgm:spPr/>
+      <dgm:t>
+        <a:bodyPr/>
+        <a:lstStyle/>
+        <a:p>
+          <a:r>
+            <a:rPr lang="en-US" dirty="0" err="1" smtClean="0"/>
+            <a:t>Sharal</a:t>
+          </a:r>
+          <a:r>
+            <a:rPr lang="en-US" dirty="0" smtClean="0"/>
+            <a:t> Stanley</a:t>
+          </a:r>
+          <a:endParaRPr lang="en-US" dirty="0"/>
+        </a:p>
+      </dgm:t>
+    </dgm:pt>
+    <dgm:pt modelId="{05FF2C49-63A8-414C-90EA-05E789C1F8E2}" type="parTrans" cxnId="{954DE989-AEEF-4760-A446-B11AB09D18DB}">
+      <dgm:prSet/>
+      <dgm:spPr/>
+      <dgm:t>
+        <a:bodyPr/>
+        <a:lstStyle/>
+        <a:p>
+          <a:endParaRPr lang="en-US">
+            <a:solidFill>
+              <a:schemeClr val="tx1"/>
+            </a:solidFill>
+          </a:endParaRPr>
+        </a:p>
+      </dgm:t>
+    </dgm:pt>
+    <dgm:pt modelId="{E472D055-4F6A-459C-9511-FB3493C20CF2}" type="sibTrans" cxnId="{954DE989-AEEF-4760-A446-B11AB09D18DB}">
+      <dgm:prSet/>
+      <dgm:spPr/>
+      <dgm:t>
+        <a:bodyPr/>
+        <a:lstStyle/>
+        <a:p>
+          <a:endParaRPr lang="en-US">
+            <a:solidFill>
+              <a:schemeClr val="tx1"/>
+            </a:solidFill>
+          </a:endParaRPr>
+        </a:p>
+      </dgm:t>
+    </dgm:pt>
+    <dgm:pt modelId="{B1EAC0DD-DAA7-46EB-938C-541523F64993}">
+      <dgm:prSet phldrT="[Text]"/>
+      <dgm:spPr/>
+      <dgm:t>
+        <a:bodyPr/>
+        <a:lstStyle/>
+        <a:p>
+          <a:r>
+            <a:rPr lang="en-US" dirty="0" smtClean="0"/>
+            <a:t>Jessie </a:t>
+          </a:r>
+          <a:r>
+            <a:rPr lang="en-US" dirty="0" err="1" smtClean="0"/>
+            <a:t>Luk</a:t>
+          </a:r>
+          <a:endParaRPr lang="en-US" dirty="0"/>
+        </a:p>
+      </dgm:t>
+    </dgm:pt>
+    <dgm:pt modelId="{E1DA3F65-7BC5-4B7C-8A47-F5BF0172F445}" type="parTrans" cxnId="{5BAB6B55-F3F2-429A-8310-903F98C3CB8E}">
+      <dgm:prSet/>
+      <dgm:spPr/>
+      <dgm:t>
+        <a:bodyPr/>
+        <a:lstStyle/>
+        <a:p>
+          <a:endParaRPr lang="en-US">
+            <a:solidFill>
+              <a:schemeClr val="tx1"/>
+            </a:solidFill>
+          </a:endParaRPr>
+        </a:p>
+      </dgm:t>
+    </dgm:pt>
+    <dgm:pt modelId="{B098C1B5-466E-4D0B-8AE6-B3A33F26B5E6}" type="sibTrans" cxnId="{5BAB6B55-F3F2-429A-8310-903F98C3CB8E}">
+      <dgm:prSet/>
+      <dgm:spPr/>
+      <dgm:t>
+        <a:bodyPr/>
+        <a:lstStyle/>
+        <a:p>
+          <a:endParaRPr lang="en-US">
+            <a:solidFill>
+              <a:schemeClr val="tx1"/>
+            </a:solidFill>
+          </a:endParaRPr>
+        </a:p>
+      </dgm:t>
+    </dgm:pt>
+    <dgm:pt modelId="{651434D2-571E-4104-8577-C9B4423F8FDF}">
+      <dgm:prSet phldrT="[Text]"/>
+      <dgm:spPr/>
+      <dgm:t>
+        <a:bodyPr/>
+        <a:lstStyle/>
+        <a:p>
+          <a:r>
+            <a:rPr lang="en-US" smtClean="0"/>
+            <a:t>Ronald Martis</a:t>
+          </a:r>
+          <a:endParaRPr lang="en-US" dirty="0"/>
+        </a:p>
+      </dgm:t>
+    </dgm:pt>
+    <dgm:pt modelId="{093B0C0D-79C6-463C-B826-A86AD15FADA4}" type="parTrans" cxnId="{BF57A6C9-929C-45C7-BB59-E5FC02279A4F}">
+      <dgm:prSet/>
+      <dgm:spPr/>
+      <dgm:t>
+        <a:bodyPr/>
+        <a:lstStyle/>
+        <a:p>
+          <a:endParaRPr lang="en-US">
+            <a:solidFill>
+              <a:schemeClr val="tx1"/>
+            </a:solidFill>
+          </a:endParaRPr>
+        </a:p>
+      </dgm:t>
+    </dgm:pt>
+    <dgm:pt modelId="{D8D3FC9A-14FE-48F5-9F2F-7084F1919FD9}" type="sibTrans" cxnId="{BF57A6C9-929C-45C7-BB59-E5FC02279A4F}">
+      <dgm:prSet/>
+      <dgm:spPr/>
+      <dgm:t>
+        <a:bodyPr/>
+        <a:lstStyle/>
+        <a:p>
+          <a:endParaRPr lang="en-US">
+            <a:solidFill>
+              <a:schemeClr val="tx1"/>
+            </a:solidFill>
+          </a:endParaRPr>
+        </a:p>
+      </dgm:t>
+    </dgm:pt>
+    <dgm:pt modelId="{F4849B43-E138-43DE-B8A7-8C9926E7E471}">
+      <dgm:prSet phldrT="[Text]"/>
+      <dgm:spPr/>
+      <dgm:t>
+        <a:bodyPr/>
+        <a:lstStyle/>
+        <a:p>
+          <a:r>
+            <a:rPr lang="en-US" dirty="0" smtClean="0">
+              <a:solidFill>
+                <a:schemeClr val="bg2">
+                  <a:lumMod val="50000"/>
+                </a:schemeClr>
+              </a:solidFill>
+            </a:rPr>
+            <a:t>Satya Madakshira</a:t>
+          </a:r>
+          <a:endParaRPr lang="en-US" dirty="0">
+            <a:solidFill>
+              <a:schemeClr val="bg2">
+                <a:lumMod val="50000"/>
+              </a:schemeClr>
+            </a:solidFill>
+          </a:endParaRPr>
+        </a:p>
+      </dgm:t>
+    </dgm:pt>
+    <dgm:pt modelId="{C6842C1B-8AD9-41CD-8C49-57EAC36274D6}" type="parTrans" cxnId="{207E2C55-59AA-4D8B-905A-EE5695DFE46D}">
+      <dgm:prSet/>
+      <dgm:spPr/>
+      <dgm:t>
+        <a:bodyPr/>
+        <a:lstStyle/>
+        <a:p>
+          <a:endParaRPr lang="en-US">
+            <a:solidFill>
+              <a:schemeClr val="tx1"/>
+            </a:solidFill>
+          </a:endParaRPr>
+        </a:p>
+      </dgm:t>
+    </dgm:pt>
+    <dgm:pt modelId="{BA0C2486-EF9C-4D22-AC3C-03C260871371}" type="sibTrans" cxnId="{207E2C55-59AA-4D8B-905A-EE5695DFE46D}">
+      <dgm:prSet/>
+      <dgm:spPr/>
+      <dgm:t>
+        <a:bodyPr/>
+        <a:lstStyle/>
+        <a:p>
+          <a:endParaRPr lang="en-US">
+            <a:solidFill>
+              <a:schemeClr val="tx1"/>
+            </a:solidFill>
+          </a:endParaRPr>
+        </a:p>
+      </dgm:t>
+    </dgm:pt>
+    <dgm:pt modelId="{188583CA-8E3F-4B15-A05C-FDCB9649CF88}" type="pres">
+      <dgm:prSet presAssocID="{ECCDD144-CBD6-4DAE-B8CF-CA51D696295D}" presName="matrix" presStyleCnt="0">
+        <dgm:presLayoutVars>
+          <dgm:chMax val="1"/>
+          <dgm:dir/>
+          <dgm:resizeHandles val="exact"/>
+        </dgm:presLayoutVars>
+      </dgm:prSet>
+      <dgm:spPr/>
+    </dgm:pt>
+    <dgm:pt modelId="{94D9CDE7-45C0-403F-A47A-2D228188C564}" type="pres">
+      <dgm:prSet presAssocID="{ECCDD144-CBD6-4DAE-B8CF-CA51D696295D}" presName="diamond" presStyleLbl="bgShp" presStyleIdx="0" presStyleCnt="1"/>
+      <dgm:spPr/>
+    </dgm:pt>
+    <dgm:pt modelId="{4B89F086-2361-4AA9-9B8F-31FB5F8B211B}" type="pres">
+      <dgm:prSet presAssocID="{ECCDD144-CBD6-4DAE-B8CF-CA51D696295D}" presName="quad1" presStyleLbl="node1" presStyleIdx="0" presStyleCnt="4">
+        <dgm:presLayoutVars>
+          <dgm:chMax val="0"/>
+          <dgm:chPref val="0"/>
+          <dgm:bulletEnabled val="1"/>
+        </dgm:presLayoutVars>
+      </dgm:prSet>
+      <dgm:spPr/>
+      <dgm:t>
+        <a:bodyPr/>
+        <a:lstStyle/>
+        <a:p>
+          <a:endParaRPr lang="en-US"/>
+        </a:p>
+      </dgm:t>
+    </dgm:pt>
+    <dgm:pt modelId="{10E59667-F926-4CEA-A8F5-8713F741AB48}" type="pres">
+      <dgm:prSet presAssocID="{ECCDD144-CBD6-4DAE-B8CF-CA51D696295D}" presName="quad2" presStyleLbl="node1" presStyleIdx="1" presStyleCnt="4">
+        <dgm:presLayoutVars>
+          <dgm:chMax val="0"/>
+          <dgm:chPref val="0"/>
+          <dgm:bulletEnabled val="1"/>
+        </dgm:presLayoutVars>
+      </dgm:prSet>
+      <dgm:spPr/>
+      <dgm:t>
+        <a:bodyPr/>
+        <a:lstStyle/>
+        <a:p>
+          <a:endParaRPr lang="en-US"/>
+        </a:p>
+      </dgm:t>
+    </dgm:pt>
+    <dgm:pt modelId="{2300D6E6-2E3D-47EC-AD5C-9C505552E434}" type="pres">
+      <dgm:prSet presAssocID="{ECCDD144-CBD6-4DAE-B8CF-CA51D696295D}" presName="quad3" presStyleLbl="node1" presStyleIdx="2" presStyleCnt="4">
+        <dgm:presLayoutVars>
+          <dgm:chMax val="0"/>
+          <dgm:chPref val="0"/>
+          <dgm:bulletEnabled val="1"/>
+        </dgm:presLayoutVars>
+      </dgm:prSet>
+      <dgm:spPr/>
+      <dgm:t>
+        <a:bodyPr/>
+        <a:lstStyle/>
+        <a:p>
+          <a:endParaRPr lang="en-US"/>
+        </a:p>
+      </dgm:t>
+    </dgm:pt>
+    <dgm:pt modelId="{1CF73CA2-37E6-49A1-A9CA-1672E5B779C7}" type="pres">
+      <dgm:prSet presAssocID="{ECCDD144-CBD6-4DAE-B8CF-CA51D696295D}" presName="quad4" presStyleLbl="node1" presStyleIdx="3" presStyleCnt="4">
+        <dgm:presLayoutVars>
+          <dgm:chMax val="0"/>
+          <dgm:chPref val="0"/>
+          <dgm:bulletEnabled val="1"/>
+        </dgm:presLayoutVars>
+      </dgm:prSet>
+      <dgm:spPr/>
+      <dgm:t>
+        <a:bodyPr/>
+        <a:lstStyle/>
+        <a:p>
+          <a:endParaRPr lang="en-US"/>
+        </a:p>
+      </dgm:t>
+    </dgm:pt>
+  </dgm:ptLst>
+  <dgm:cxnLst>
+    <dgm:cxn modelId="{29AF1B10-7ADE-4EF9-8479-E2971E942014}" type="presOf" srcId="{B1EAC0DD-DAA7-46EB-938C-541523F64993}" destId="{10E59667-F926-4CEA-A8F5-8713F741AB48}" srcOrd="0" destOrd="0" presId="urn:microsoft.com/office/officeart/2005/8/layout/matrix3"/>
+    <dgm:cxn modelId="{207E2C55-59AA-4D8B-905A-EE5695DFE46D}" srcId="{ECCDD144-CBD6-4DAE-B8CF-CA51D696295D}" destId="{F4849B43-E138-43DE-B8A7-8C9926E7E471}" srcOrd="3" destOrd="0" parTransId="{C6842C1B-8AD9-41CD-8C49-57EAC36274D6}" sibTransId="{BA0C2486-EF9C-4D22-AC3C-03C260871371}"/>
+    <dgm:cxn modelId="{BF57A6C9-929C-45C7-BB59-E5FC02279A4F}" srcId="{ECCDD144-CBD6-4DAE-B8CF-CA51D696295D}" destId="{651434D2-571E-4104-8577-C9B4423F8FDF}" srcOrd="2" destOrd="0" parTransId="{093B0C0D-79C6-463C-B826-A86AD15FADA4}" sibTransId="{D8D3FC9A-14FE-48F5-9F2F-7084F1919FD9}"/>
+    <dgm:cxn modelId="{51EAB7D5-B1F0-46BD-A625-3061D925833B}" type="presOf" srcId="{F4849B43-E138-43DE-B8A7-8C9926E7E471}" destId="{1CF73CA2-37E6-49A1-A9CA-1672E5B779C7}" srcOrd="0" destOrd="0" presId="urn:microsoft.com/office/officeart/2005/8/layout/matrix3"/>
+    <dgm:cxn modelId="{07B1B561-B11A-4480-B71F-47EA621E6ED1}" type="presOf" srcId="{ECCDD144-CBD6-4DAE-B8CF-CA51D696295D}" destId="{188583CA-8E3F-4B15-A05C-FDCB9649CF88}" srcOrd="0" destOrd="0" presId="urn:microsoft.com/office/officeart/2005/8/layout/matrix3"/>
+    <dgm:cxn modelId="{88C87ABA-90AD-4457-A614-28529B9523D3}" type="presOf" srcId="{651434D2-571E-4104-8577-C9B4423F8FDF}" destId="{2300D6E6-2E3D-47EC-AD5C-9C505552E434}" srcOrd="0" destOrd="0" presId="urn:microsoft.com/office/officeart/2005/8/layout/matrix3"/>
+    <dgm:cxn modelId="{5BAB6B55-F3F2-429A-8310-903F98C3CB8E}" srcId="{ECCDD144-CBD6-4DAE-B8CF-CA51D696295D}" destId="{B1EAC0DD-DAA7-46EB-938C-541523F64993}" srcOrd="1" destOrd="0" parTransId="{E1DA3F65-7BC5-4B7C-8A47-F5BF0172F445}" sibTransId="{B098C1B5-466E-4D0B-8AE6-B3A33F26B5E6}"/>
+    <dgm:cxn modelId="{0AB872FF-6FFE-46FE-A940-82EF39C02F05}" type="presOf" srcId="{3FB2A52A-7645-4462-A007-80712FD9052E}" destId="{4B89F086-2361-4AA9-9B8F-31FB5F8B211B}" srcOrd="0" destOrd="0" presId="urn:microsoft.com/office/officeart/2005/8/layout/matrix3"/>
+    <dgm:cxn modelId="{954DE989-AEEF-4760-A446-B11AB09D18DB}" srcId="{ECCDD144-CBD6-4DAE-B8CF-CA51D696295D}" destId="{3FB2A52A-7645-4462-A007-80712FD9052E}" srcOrd="0" destOrd="0" parTransId="{05FF2C49-63A8-414C-90EA-05E789C1F8E2}" sibTransId="{E472D055-4F6A-459C-9511-FB3493C20CF2}"/>
+    <dgm:cxn modelId="{B81006D6-DD7C-42F6-B7D3-8E5ACF0B939A}" type="presParOf" srcId="{188583CA-8E3F-4B15-A05C-FDCB9649CF88}" destId="{94D9CDE7-45C0-403F-A47A-2D228188C564}" srcOrd="0" destOrd="0" presId="urn:microsoft.com/office/officeart/2005/8/layout/matrix3"/>
+    <dgm:cxn modelId="{61276C50-D3A4-41F2-B80F-52C636716B0D}" type="presParOf" srcId="{188583CA-8E3F-4B15-A05C-FDCB9649CF88}" destId="{4B89F086-2361-4AA9-9B8F-31FB5F8B211B}" srcOrd="1" destOrd="0" presId="urn:microsoft.com/office/officeart/2005/8/layout/matrix3"/>
+    <dgm:cxn modelId="{4E4D0DBD-F577-4500-9F74-40DE95D0D2CD}" type="presParOf" srcId="{188583CA-8E3F-4B15-A05C-FDCB9649CF88}" destId="{10E59667-F926-4CEA-A8F5-8713F741AB48}" srcOrd="2" destOrd="0" presId="urn:microsoft.com/office/officeart/2005/8/layout/matrix3"/>
+    <dgm:cxn modelId="{0141B64D-6F1C-4AED-ADA8-7D9C4430277B}" type="presParOf" srcId="{188583CA-8E3F-4B15-A05C-FDCB9649CF88}" destId="{2300D6E6-2E3D-47EC-AD5C-9C505552E434}" srcOrd="3" destOrd="0" presId="urn:microsoft.com/office/officeart/2005/8/layout/matrix3"/>
+    <dgm:cxn modelId="{10865CA0-6C02-45CD-B75C-F306AB61E771}" type="presParOf" srcId="{188583CA-8E3F-4B15-A05C-FDCB9649CF88}" destId="{1CF73CA2-37E6-49A1-A9CA-1672E5B779C7}" srcOrd="4" destOrd="0" presId="urn:microsoft.com/office/officeart/2005/8/layout/matrix3"/>
+  </dgm:cxnLst>
+  <dgm:bg/>
+  <dgm:whole/>
+  <dgm:extLst>
+    <a:ext uri="http://schemas.microsoft.com/office/drawing/2008/diagram">
+      <dsp:dataModelExt xmlns:dsp="http://schemas.microsoft.com/office/drawing/2008/diagram" relId="rId6" minVer="http://schemas.openxmlformats.org/drawingml/2006/diagram"/>
+    </a:ext>
+  </dgm:extLst>
+</dgm:dataModel>
+</file>
+
+<file path=ppt/diagrams/drawing1.xml><?xml version="1.0" encoding="utf-8"?>
+<dsp:drawing xmlns:dgm="http://schemas.openxmlformats.org/drawingml/2006/diagram" xmlns:dsp="http://schemas.microsoft.com/office/drawing/2008/diagram" xmlns:a="http://schemas.openxmlformats.org/drawingml/2006/main">
+  <dsp:spTree>
+    <dsp:nvGrpSpPr>
+      <dsp:cNvPr id="0" name=""/>
+      <dsp:cNvGrpSpPr/>
+    </dsp:nvGrpSpPr>
+    <dsp:grpSpPr/>
+    <dsp:sp modelId="{94D9CDE7-45C0-403F-A47A-2D228188C564}">
+      <dsp:nvSpPr>
+        <dsp:cNvPr id="0" name=""/>
+        <dsp:cNvSpPr/>
+      </dsp:nvSpPr>
+      <dsp:spPr>
+        <a:xfrm>
+          <a:off x="3360660" y="0"/>
+          <a:ext cx="5470680" cy="5470680"/>
+        </a:xfrm>
+        <a:prstGeom prst="diamond">
+          <a:avLst/>
+        </a:prstGeom>
+        <a:gradFill rotWithShape="0">
+          <a:gsLst>
+            <a:gs pos="0">
+              <a:schemeClr val="accent1">
+                <a:tint val="40000"/>
+                <a:hueOff val="0"/>
+                <a:satOff val="0"/>
+                <a:lumOff val="0"/>
+                <a:alphaOff val="0"/>
+                <a:satMod val="103000"/>
+                <a:lumMod val="102000"/>
+                <a:tint val="94000"/>
+              </a:schemeClr>
+            </a:gs>
+            <a:gs pos="50000">
+              <a:schemeClr val="accent1">
+                <a:tint val="40000"/>
+                <a:hueOff val="0"/>
+                <a:satOff val="0"/>
+                <a:lumOff val="0"/>
+                <a:alphaOff val="0"/>
+                <a:satMod val="110000"/>
+                <a:lumMod val="100000"/>
+                <a:shade val="100000"/>
+              </a:schemeClr>
+            </a:gs>
+            <a:gs pos="100000">
+              <a:schemeClr val="accent1">
+                <a:tint val="40000"/>
+                <a:hueOff val="0"/>
+                <a:satOff val="0"/>
+                <a:lumOff val="0"/>
+                <a:alphaOff val="0"/>
+                <a:lumMod val="99000"/>
+                <a:satMod val="120000"/>
+                <a:shade val="78000"/>
+              </a:schemeClr>
+            </a:gs>
+          </a:gsLst>
+          <a:lin ang="5400000" scaled="0"/>
+        </a:gradFill>
+        <a:ln>
+          <a:noFill/>
+        </a:ln>
+        <a:effectLst/>
+        <a:scene3d>
+          <a:camera prst="orthographicFront"/>
+          <a:lightRig rig="threePt" dir="t">
+            <a:rot lat="0" lon="0" rev="7500000"/>
+          </a:lightRig>
+        </a:scene3d>
+        <a:sp3d z="-152400" extrusionH="63500" prstMaterial="matte">
+          <a:bevelT w="144450" h="6350" prst="relaxedInset"/>
+          <a:contourClr>
+            <a:schemeClr val="bg1"/>
+          </a:contourClr>
+        </a:sp3d>
+      </dsp:spPr>
+      <dsp:style>
+        <a:lnRef idx="0">
+          <a:scrgbClr r="0" g="0" b="0"/>
+        </a:lnRef>
+        <a:fillRef idx="3">
+          <a:scrgbClr r="0" g="0" b="0"/>
+        </a:fillRef>
+        <a:effectRef idx="0">
+          <a:scrgbClr r="0" g="0" b="0"/>
+        </a:effectRef>
+        <a:fontRef idx="minor"/>
+      </dsp:style>
+    </dsp:sp>
+    <dsp:sp modelId="{4B89F086-2361-4AA9-9B8F-31FB5F8B211B}">
+      <dsp:nvSpPr>
+        <dsp:cNvPr id="0" name=""/>
+        <dsp:cNvSpPr/>
+      </dsp:nvSpPr>
+      <dsp:spPr>
+        <a:xfrm>
+          <a:off x="3880374" y="519714"/>
+          <a:ext cx="2133565" cy="2133565"/>
+        </a:xfrm>
+        <a:prstGeom prst="roundRect">
+          <a:avLst/>
+        </a:prstGeom>
+        <a:gradFill rotWithShape="0">
+          <a:gsLst>
+            <a:gs pos="0">
+              <a:schemeClr val="accent1">
+                <a:shade val="80000"/>
+                <a:hueOff val="0"/>
+                <a:satOff val="0"/>
+                <a:lumOff val="0"/>
+                <a:alphaOff val="0"/>
+                <a:satMod val="103000"/>
+                <a:lumMod val="102000"/>
+                <a:tint val="94000"/>
+              </a:schemeClr>
+            </a:gs>
+            <a:gs pos="50000">
+              <a:schemeClr val="accent1">
+                <a:shade val="80000"/>
+                <a:hueOff val="0"/>
+                <a:satOff val="0"/>
+                <a:lumOff val="0"/>
+                <a:alphaOff val="0"/>
+                <a:satMod val="110000"/>
+                <a:lumMod val="100000"/>
+                <a:shade val="100000"/>
+              </a:schemeClr>
+            </a:gs>
+            <a:gs pos="100000">
+              <a:schemeClr val="accent1">
+                <a:shade val="80000"/>
+                <a:hueOff val="0"/>
+                <a:satOff val="0"/>
+                <a:lumOff val="0"/>
+                <a:alphaOff val="0"/>
+                <a:lumMod val="99000"/>
+                <a:satMod val="120000"/>
+                <a:shade val="78000"/>
+              </a:schemeClr>
+            </a:gs>
+          </a:gsLst>
+          <a:lin ang="5400000" scaled="0"/>
+        </a:gradFill>
+        <a:ln>
+          <a:noFill/>
+        </a:ln>
+        <a:effectLst/>
+        <a:scene3d>
+          <a:camera prst="orthographicFront"/>
+          <a:lightRig rig="threePt" dir="t">
+            <a:rot lat="0" lon="0" rev="7500000"/>
+          </a:lightRig>
+        </a:scene3d>
+        <a:sp3d prstMaterial="plastic">
+          <a:bevelT w="127000" h="25400" prst="relaxedInset"/>
+        </a:sp3d>
+      </dsp:spPr>
+      <dsp:style>
+        <a:lnRef idx="0">
+          <a:scrgbClr r="0" g="0" b="0"/>
+        </a:lnRef>
+        <a:fillRef idx="3">
+          <a:scrgbClr r="0" g="0" b="0"/>
+        </a:fillRef>
+        <a:effectRef idx="2">
+          <a:scrgbClr r="0" g="0" b="0"/>
+        </a:effectRef>
+        <a:fontRef idx="minor">
+          <a:schemeClr val="lt1"/>
+        </a:fontRef>
+      </dsp:style>
+      <dsp:txBody>
+        <a:bodyPr spcFirstLastPara="0" vert="horz" wrap="square" lIns="106680" tIns="106680" rIns="106680" bIns="106680" numCol="1" spcCol="1270" anchor="ctr" anchorCtr="0">
+          <a:noAutofit/>
+        </a:bodyPr>
+        <a:lstStyle/>
+        <a:p>
+          <a:pPr lvl="0" algn="ctr" defTabSz="1244600">
+            <a:lnSpc>
+              <a:spcPct val="90000"/>
+            </a:lnSpc>
+            <a:spcBef>
+              <a:spcPct val="0"/>
+            </a:spcBef>
+            <a:spcAft>
+              <a:spcPct val="35000"/>
+            </a:spcAft>
+          </a:pPr>
+          <a:r>
+            <a:rPr lang="en-US" sz="2800" kern="1200" dirty="0" err="1" smtClean="0"/>
+            <a:t>Sharal</a:t>
+          </a:r>
+          <a:r>
+            <a:rPr lang="en-US" sz="2800" kern="1200" dirty="0" smtClean="0"/>
+            <a:t> Stanley</a:t>
+          </a:r>
+          <a:endParaRPr lang="en-US" sz="2800" kern="1200" dirty="0"/>
+        </a:p>
+      </dsp:txBody>
+      <dsp:txXfrm>
+        <a:off x="3984526" y="623866"/>
+        <a:ext cx="1925261" cy="1925261"/>
+      </dsp:txXfrm>
+    </dsp:sp>
+    <dsp:sp modelId="{10E59667-F926-4CEA-A8F5-8713F741AB48}">
+      <dsp:nvSpPr>
+        <dsp:cNvPr id="0" name=""/>
+        <dsp:cNvSpPr/>
+      </dsp:nvSpPr>
+      <dsp:spPr>
+        <a:xfrm>
+          <a:off x="6178060" y="519714"/>
+          <a:ext cx="2133565" cy="2133565"/>
+        </a:xfrm>
+        <a:prstGeom prst="roundRect">
+          <a:avLst/>
+        </a:prstGeom>
+        <a:gradFill rotWithShape="0">
+          <a:gsLst>
+            <a:gs pos="0">
+              <a:schemeClr val="accent1">
+                <a:shade val="80000"/>
+                <a:hueOff val="90421"/>
+                <a:satOff val="1725"/>
+                <a:lumOff val="7618"/>
+                <a:alphaOff val="0"/>
+                <a:satMod val="103000"/>
+                <a:lumMod val="102000"/>
+                <a:tint val="94000"/>
+              </a:schemeClr>
+            </a:gs>
+            <a:gs pos="50000">
+              <a:schemeClr val="accent1">
+                <a:shade val="80000"/>
+                <a:hueOff val="90421"/>
+                <a:satOff val="1725"/>
+                <a:lumOff val="7618"/>
+                <a:alphaOff val="0"/>
+                <a:satMod val="110000"/>
+                <a:lumMod val="100000"/>
+                <a:shade val="100000"/>
+              </a:schemeClr>
+            </a:gs>
+            <a:gs pos="100000">
+              <a:schemeClr val="accent1">
+                <a:shade val="80000"/>
+                <a:hueOff val="90421"/>
+                <a:satOff val="1725"/>
+                <a:lumOff val="7618"/>
+                <a:alphaOff val="0"/>
+                <a:lumMod val="99000"/>
+                <a:satMod val="120000"/>
+                <a:shade val="78000"/>
+              </a:schemeClr>
+            </a:gs>
+          </a:gsLst>
+          <a:lin ang="5400000" scaled="0"/>
+        </a:gradFill>
+        <a:ln>
+          <a:noFill/>
+        </a:ln>
+        <a:effectLst/>
+        <a:scene3d>
+          <a:camera prst="orthographicFront"/>
+          <a:lightRig rig="threePt" dir="t">
+            <a:rot lat="0" lon="0" rev="7500000"/>
+          </a:lightRig>
+        </a:scene3d>
+        <a:sp3d prstMaterial="plastic">
+          <a:bevelT w="127000" h="25400" prst="relaxedInset"/>
+        </a:sp3d>
+      </dsp:spPr>
+      <dsp:style>
+        <a:lnRef idx="0">
+          <a:scrgbClr r="0" g="0" b="0"/>
+        </a:lnRef>
+        <a:fillRef idx="3">
+          <a:scrgbClr r="0" g="0" b="0"/>
+        </a:fillRef>
+        <a:effectRef idx="2">
+          <a:scrgbClr r="0" g="0" b="0"/>
+        </a:effectRef>
+        <a:fontRef idx="minor">
+          <a:schemeClr val="lt1"/>
+        </a:fontRef>
+      </dsp:style>
+      <dsp:txBody>
+        <a:bodyPr spcFirstLastPara="0" vert="horz" wrap="square" lIns="106680" tIns="106680" rIns="106680" bIns="106680" numCol="1" spcCol="1270" anchor="ctr" anchorCtr="0">
+          <a:noAutofit/>
+        </a:bodyPr>
+        <a:lstStyle/>
+        <a:p>
+          <a:pPr lvl="0" algn="ctr" defTabSz="1244600">
+            <a:lnSpc>
+              <a:spcPct val="90000"/>
+            </a:lnSpc>
+            <a:spcBef>
+              <a:spcPct val="0"/>
+            </a:spcBef>
+            <a:spcAft>
+              <a:spcPct val="35000"/>
+            </a:spcAft>
+          </a:pPr>
+          <a:r>
+            <a:rPr lang="en-US" sz="2800" kern="1200" dirty="0" smtClean="0"/>
+            <a:t>Jessie </a:t>
+          </a:r>
+          <a:r>
+            <a:rPr lang="en-US" sz="2800" kern="1200" dirty="0" err="1" smtClean="0"/>
+            <a:t>Luk</a:t>
+          </a:r>
+          <a:endParaRPr lang="en-US" sz="2800" kern="1200" dirty="0"/>
+        </a:p>
+      </dsp:txBody>
+      <dsp:txXfrm>
+        <a:off x="6282212" y="623866"/>
+        <a:ext cx="1925261" cy="1925261"/>
+      </dsp:txXfrm>
+    </dsp:sp>
+    <dsp:sp modelId="{2300D6E6-2E3D-47EC-AD5C-9C505552E434}">
+      <dsp:nvSpPr>
+        <dsp:cNvPr id="0" name=""/>
+        <dsp:cNvSpPr/>
+      </dsp:nvSpPr>
+      <dsp:spPr>
+        <a:xfrm>
+          <a:off x="3880374" y="2817400"/>
+          <a:ext cx="2133565" cy="2133565"/>
+        </a:xfrm>
+        <a:prstGeom prst="roundRect">
+          <a:avLst/>
+        </a:prstGeom>
+        <a:gradFill rotWithShape="0">
+          <a:gsLst>
+            <a:gs pos="0">
+              <a:schemeClr val="accent1">
+                <a:shade val="80000"/>
+                <a:hueOff val="180842"/>
+                <a:satOff val="3450"/>
+                <a:lumOff val="15237"/>
+                <a:alphaOff val="0"/>
+                <a:satMod val="103000"/>
+                <a:lumMod val="102000"/>
+                <a:tint val="94000"/>
+              </a:schemeClr>
+            </a:gs>
+            <a:gs pos="50000">
+              <a:schemeClr val="accent1">
+                <a:shade val="80000"/>
+                <a:hueOff val="180842"/>
+                <a:satOff val="3450"/>
+                <a:lumOff val="15237"/>
+                <a:alphaOff val="0"/>
+                <a:satMod val="110000"/>
+                <a:lumMod val="100000"/>
+                <a:shade val="100000"/>
+              </a:schemeClr>
+            </a:gs>
+            <a:gs pos="100000">
+              <a:schemeClr val="accent1">
+                <a:shade val="80000"/>
+                <a:hueOff val="180842"/>
+                <a:satOff val="3450"/>
+                <a:lumOff val="15237"/>
+                <a:alphaOff val="0"/>
+                <a:lumMod val="99000"/>
+                <a:satMod val="120000"/>
+                <a:shade val="78000"/>
+              </a:schemeClr>
+            </a:gs>
+          </a:gsLst>
+          <a:lin ang="5400000" scaled="0"/>
+        </a:gradFill>
+        <a:ln>
+          <a:noFill/>
+        </a:ln>
+        <a:effectLst/>
+        <a:scene3d>
+          <a:camera prst="orthographicFront"/>
+          <a:lightRig rig="threePt" dir="t">
+            <a:rot lat="0" lon="0" rev="7500000"/>
+          </a:lightRig>
+        </a:scene3d>
+        <a:sp3d prstMaterial="plastic">
+          <a:bevelT w="127000" h="25400" prst="relaxedInset"/>
+        </a:sp3d>
+      </dsp:spPr>
+      <dsp:style>
+        <a:lnRef idx="0">
+          <a:scrgbClr r="0" g="0" b="0"/>
+        </a:lnRef>
+        <a:fillRef idx="3">
+          <a:scrgbClr r="0" g="0" b="0"/>
+        </a:fillRef>
+        <a:effectRef idx="2">
+          <a:scrgbClr r="0" g="0" b="0"/>
+        </a:effectRef>
+        <a:fontRef idx="minor">
+          <a:schemeClr val="lt1"/>
+        </a:fontRef>
+      </dsp:style>
+      <dsp:txBody>
+        <a:bodyPr spcFirstLastPara="0" vert="horz" wrap="square" lIns="106680" tIns="106680" rIns="106680" bIns="106680" numCol="1" spcCol="1270" anchor="ctr" anchorCtr="0">
+          <a:noAutofit/>
+        </a:bodyPr>
+        <a:lstStyle/>
+        <a:p>
+          <a:pPr lvl="0" algn="ctr" defTabSz="1244600">
+            <a:lnSpc>
+              <a:spcPct val="90000"/>
+            </a:lnSpc>
+            <a:spcBef>
+              <a:spcPct val="0"/>
+            </a:spcBef>
+            <a:spcAft>
+              <a:spcPct val="35000"/>
+            </a:spcAft>
+          </a:pPr>
+          <a:r>
+            <a:rPr lang="en-US" sz="2800" kern="1200" smtClean="0"/>
+            <a:t>Ronald Martis</a:t>
+          </a:r>
+          <a:endParaRPr lang="en-US" sz="2800" kern="1200" dirty="0"/>
+        </a:p>
+      </dsp:txBody>
+      <dsp:txXfrm>
+        <a:off x="3984526" y="2921552"/>
+        <a:ext cx="1925261" cy="1925261"/>
+      </dsp:txXfrm>
+    </dsp:sp>
+    <dsp:sp modelId="{1CF73CA2-37E6-49A1-A9CA-1672E5B779C7}">
+      <dsp:nvSpPr>
+        <dsp:cNvPr id="0" name=""/>
+        <dsp:cNvSpPr/>
+      </dsp:nvSpPr>
+      <dsp:spPr>
+        <a:xfrm>
+          <a:off x="6178060" y="2817400"/>
+          <a:ext cx="2133565" cy="2133565"/>
+        </a:xfrm>
+        <a:prstGeom prst="roundRect">
+          <a:avLst/>
+        </a:prstGeom>
+        <a:gradFill rotWithShape="0">
+          <a:gsLst>
+            <a:gs pos="0">
+              <a:schemeClr val="accent1">
+                <a:shade val="80000"/>
+                <a:hueOff val="271263"/>
+                <a:satOff val="5175"/>
+                <a:lumOff val="22855"/>
+                <a:alphaOff val="0"/>
+                <a:satMod val="103000"/>
+                <a:lumMod val="102000"/>
+                <a:tint val="94000"/>
+              </a:schemeClr>
+            </a:gs>
+            <a:gs pos="50000">
+              <a:schemeClr val="accent1">
+                <a:shade val="80000"/>
+                <a:hueOff val="271263"/>
+                <a:satOff val="5175"/>
+                <a:lumOff val="22855"/>
+                <a:alphaOff val="0"/>
+                <a:satMod val="110000"/>
+                <a:lumMod val="100000"/>
+                <a:shade val="100000"/>
+              </a:schemeClr>
+            </a:gs>
+            <a:gs pos="100000">
+              <a:schemeClr val="accent1">
+                <a:shade val="80000"/>
+                <a:hueOff val="271263"/>
+                <a:satOff val="5175"/>
+                <a:lumOff val="22855"/>
+                <a:alphaOff val="0"/>
+                <a:lumMod val="99000"/>
+                <a:satMod val="120000"/>
+                <a:shade val="78000"/>
+              </a:schemeClr>
+            </a:gs>
+          </a:gsLst>
+          <a:lin ang="5400000" scaled="0"/>
+        </a:gradFill>
+        <a:ln>
+          <a:noFill/>
+        </a:ln>
+        <a:effectLst/>
+        <a:scene3d>
+          <a:camera prst="orthographicFront"/>
+          <a:lightRig rig="threePt" dir="t">
+            <a:rot lat="0" lon="0" rev="7500000"/>
+          </a:lightRig>
+        </a:scene3d>
+        <a:sp3d prstMaterial="plastic">
+          <a:bevelT w="127000" h="25400" prst="relaxedInset"/>
+        </a:sp3d>
+      </dsp:spPr>
+      <dsp:style>
+        <a:lnRef idx="0">
+          <a:scrgbClr r="0" g="0" b="0"/>
+        </a:lnRef>
+        <a:fillRef idx="3">
+          <a:scrgbClr r="0" g="0" b="0"/>
+        </a:fillRef>
+        <a:effectRef idx="2">
+          <a:scrgbClr r="0" g="0" b="0"/>
+        </a:effectRef>
+        <a:fontRef idx="minor">
+          <a:schemeClr val="lt1"/>
+        </a:fontRef>
+      </dsp:style>
+      <dsp:txBody>
+        <a:bodyPr spcFirstLastPara="0" vert="horz" wrap="square" lIns="106680" tIns="106680" rIns="106680" bIns="106680" numCol="1" spcCol="1270" anchor="ctr" anchorCtr="0">
+          <a:noAutofit/>
+        </a:bodyPr>
+        <a:lstStyle/>
+        <a:p>
+          <a:pPr lvl="0" algn="ctr" defTabSz="1244600">
+            <a:lnSpc>
+              <a:spcPct val="90000"/>
+            </a:lnSpc>
+            <a:spcBef>
+              <a:spcPct val="0"/>
+            </a:spcBef>
+            <a:spcAft>
+              <a:spcPct val="35000"/>
+            </a:spcAft>
+          </a:pPr>
+          <a:r>
+            <a:rPr lang="en-US" sz="2800" kern="1200" dirty="0" smtClean="0">
+              <a:solidFill>
+                <a:schemeClr val="bg2">
+                  <a:lumMod val="50000"/>
+                </a:schemeClr>
+              </a:solidFill>
+            </a:rPr>
+            <a:t>Satya Madakshira</a:t>
+          </a:r>
+          <a:endParaRPr lang="en-US" sz="2800" kern="1200" dirty="0">
+            <a:solidFill>
+              <a:schemeClr val="bg2">
+                <a:lumMod val="50000"/>
+              </a:schemeClr>
+            </a:solidFill>
+          </a:endParaRPr>
+        </a:p>
+      </dsp:txBody>
+      <dsp:txXfrm>
+        <a:off x="6282212" y="2921552"/>
+        <a:ext cx="1925261" cy="1925261"/>
+      </dsp:txXfrm>
+    </dsp:sp>
+  </dsp:spTree>
+</dsp:drawing>
+</file>
+
+<file path=ppt/diagrams/layout1.xml><?xml version="1.0" encoding="utf-8"?>
+<dgm:layoutDef xmlns:dgm="http://schemas.openxmlformats.org/drawingml/2006/diagram" xmlns:a="http://schemas.openxmlformats.org/drawingml/2006/main" uniqueId="urn:microsoft.com/office/officeart/2005/8/layout/matrix3">
+  <dgm:title val=""/>
+  <dgm:desc val=""/>
+  <dgm:catLst>
+    <dgm:cat type="matrix" pri="1000"/>
+    <dgm:cat type="convert" pri="18000"/>
+  </dgm:catLst>
+  <dgm:sampData>
+    <dgm:dataModel>
+      <dgm:ptLst>
+        <dgm:pt modelId="0" type="doc"/>
+        <dgm:pt modelId="1">
+          <dgm:prSet phldr="1"/>
+        </dgm:pt>
+        <dgm:pt modelId="2">
+          <dgm:prSet phldr="1"/>
+        </dgm:pt>
+        <dgm:pt modelId="3">
+          <dgm:prSet phldr="1"/>
+        </dgm:pt>
+        <dgm:pt modelId="4">
+          <dgm:prSet phldr="1"/>
+        </dgm:pt>
+      </dgm:ptLst>
+      <dgm:cxnLst>
+        <dgm:cxn modelId="5" srcId="0" destId="1" srcOrd="0" destOrd="0"/>
+        <dgm:cxn modelId="6" srcId="0" destId="2" srcOrd="1" destOrd="0"/>
+        <dgm:cxn modelId="7" srcId="0" destId="3" srcOrd="0" destOrd="0"/>
+        <dgm:cxn modelId="8" srcId="0" destId="4" srcOrd="1" destOrd="0"/>
+      </dgm:cxnLst>
+      <dgm:bg/>
+      <dgm:whole/>
+    </dgm:dataModel>
+  </dgm:sampData>
+  <dgm:styleData useDef="1">
+    <dgm:dataModel>
+      <dgm:ptLst/>
+      <dgm:bg/>
+      <dgm:whole/>
+    </dgm:dataModel>
+  </dgm:styleData>
+  <dgm:clrData useDef="1">
+    <dgm:dataModel>
+      <dgm:ptLst/>
+      <dgm:bg/>
+      <dgm:whole/>
+    </dgm:dataModel>
+  </dgm:clrData>
+  <dgm:layoutNode name="matrix">
+    <dgm:varLst>
+      <dgm:chMax val="1"/>
+      <dgm:dir/>
+      <dgm:resizeHandles val="exact"/>
+    </dgm:varLst>
+    <dgm:alg type="composite">
+      <dgm:param type="ar" val="1"/>
+    </dgm:alg>
+    <dgm:shape xmlns:r="http://schemas.openxmlformats.org/officeDocument/2006/relationships" r:blip="">
+      <dgm:adjLst/>
+    </dgm:shape>
+    <dgm:presOf/>
+    <dgm:choose name="Name0">
+      <dgm:if name="Name1" func="var" arg="dir" op="equ" val="norm">
+        <dgm:constrLst>
+          <dgm:constr type="w" for="ch" forName="diamond" refType="w"/>
+          <dgm:constr type="h" for="ch" forName="diamond" refType="h"/>
+          <dgm:constr type="w" for="ch" forName="quad1" refType="w" fact="0.39"/>
+          <dgm:constr type="h" for="ch" forName="quad1" refType="h" fact="0.39"/>
+          <dgm:constr type="ctrX" for="ch" forName="quad1" refType="w" fact="0.29"/>
+          <dgm:constr type="ctrY" for="ch" forName="quad1" refType="h" fact="0.29"/>
+          <dgm:constr type="w" for="ch" forName="quad2" refType="w" fact="0.39"/>
+          <dgm:constr type="h" for="ch" forName="quad2" refType="h" fact="0.39"/>
+          <dgm:constr type="ctrX" for="ch" forName="quad2" refType="w" fact="0.71"/>
+          <dgm:constr type="ctrY" for="ch" forName="quad2" refType="h" fact="0.29"/>
+          <dgm:constr type="w" for="ch" forName="quad3" refType="w" fact="0.39"/>
+          <dgm:constr type="h" for="ch" forName="quad3" refType="h" fact="0.39"/>
+          <dgm:constr type="ctrX" for="ch" forName="quad3" refType="w" fact="0.29"/>
+          <dgm:constr type="ctrY" for="ch" forName="quad3" refType="h" fact="0.71"/>
+          <dgm:constr type="w" for="ch" forName="quad4" refType="w" fact="0.39"/>
+          <dgm:constr type="h" for="ch" forName="quad4" refType="h" fact="0.39"/>
+          <dgm:constr type="ctrX" for="ch" forName="quad4" refType="w" fact="0.71"/>
+          <dgm:constr type="ctrY" for="ch" forName="quad4" refType="h" fact="0.71"/>
+          <dgm:constr type="primFontSz" for="des" ptType="node" op="equ" val="65"/>
+        </dgm:constrLst>
+      </dgm:if>
+      <dgm:else name="Name2">
+        <dgm:constrLst>
+          <dgm:constr type="w" for="ch" forName="diamond" refType="w"/>
+          <dgm:constr type="h" for="ch" forName="diamond" refType="h"/>
+          <dgm:constr type="w" for="ch" forName="quad1" refType="w" fact="0.39"/>
+          <dgm:constr type="h" for="ch" forName="quad1" refType="h" fact="0.39"/>
+          <dgm:constr type="ctrX" for="ch" forName="quad1" refType="w" fact="0.71"/>
+          <dgm:constr type="ctrY" for="ch" forName="quad1" refType="h" fact="0.29"/>
+          <dgm:constr type="w" for="ch" forName="quad2" refType="w" fact="0.39"/>
+          <dgm:constr type="h" for="ch" forName="quad2" refType="h" fact="0.39"/>
+          <dgm:constr type="ctrX" for="ch" forName="quad2" refType="w" fact="0.29"/>
+          <dgm:constr type="ctrY" for="ch" forName="quad2" refType="h" fact="0.29"/>
+          <dgm:constr type="w" for="ch" forName="quad3" refType="w" fact="0.39"/>
+          <dgm:constr type="h" for="ch" forName="quad3" refType="h" fact="0.39"/>
+          <dgm:constr type="ctrX" for="ch" forName="quad3" refType="w" fact="0.71"/>
+          <dgm:constr type="ctrY" for="ch" forName="quad3" refType="h" fact="0.71"/>
+          <dgm:constr type="w" for="ch" forName="quad4" refType="w" fact="0.39"/>
+          <dgm:constr type="h" for="ch" forName="quad4" refType="h" fact="0.39"/>
+          <dgm:constr type="ctrX" for="ch" forName="quad4" refType="w" fact="0.29"/>
+          <dgm:constr type="ctrY" for="ch" forName="quad4" refType="h" fact="0.71"/>
+          <dgm:constr type="primFontSz" for="des" ptType="node" op="equ" val="65"/>
+        </dgm:constrLst>
+      </dgm:else>
+    </dgm:choose>
+    <dgm:ruleLst/>
+    <dgm:choose name="Name3">
+      <dgm:if name="Name4" axis="ch" ptType="node" func="cnt" op="gte" val="1">
+        <dgm:layoutNode name="diamond" styleLbl="bgShp">
+          <dgm:alg type="sp"/>
+          <dgm:shape xmlns:r="http://schemas.openxmlformats.org/officeDocument/2006/relationships" type="diamond" r:blip="">
+            <dgm:adjLst/>
+          </dgm:shape>
+          <dgm:presOf/>
+          <dgm:constrLst>
+            <dgm:constr type="w" refType="h" op="equ"/>
+          </dgm:constrLst>
+          <dgm:ruleLst/>
+        </dgm:layoutNode>
+        <dgm:layoutNode name="quad1">
+          <dgm:varLst>
+            <dgm:chMax val="0"/>
+            <dgm:chPref val="0"/>
+            <dgm:bulletEnabled val="1"/>
+          </dgm:varLst>
+          <dgm:alg type="tx"/>
+          <dgm:shape xmlns:r="http://schemas.openxmlformats.org/officeDocument/2006/relationships" type="roundRect" r:blip="">
+            <dgm:adjLst/>
+          </dgm:shape>
+          <dgm:presOf axis="ch desOrSelf" ptType="node node" st="1 1" cnt="1 0"/>
+          <dgm:constrLst>
+            <dgm:constr type="w" refType="h" op="equ"/>
+            <dgm:constr type="tMarg" refType="primFontSz" fact="0.3"/>
+            <dgm:constr type="bMarg" refType="primFontSz" fact="0.3"/>
+            <dgm:constr type="lMarg" refType="primFontSz" fact="0.3"/>
+            <dgm:constr type="rMarg" refType="primFontSz" fact="0.3"/>
+          </dgm:constrLst>
+          <dgm:ruleLst>
+            <dgm:rule type="primFontSz" val="5" fact="NaN" max="NaN"/>
+          </dgm:ruleLst>
+        </dgm:layoutNode>
+        <dgm:layoutNode name="quad2">
+          <dgm:varLst>
+            <dgm:chMax val="0"/>
+            <dgm:chPref val="0"/>
+            <dgm:bulletEnabled val="1"/>
+          </dgm:varLst>
+          <dgm:alg type="tx"/>
+          <dgm:shape xmlns:r="http://schemas.openxmlformats.org/officeDocument/2006/relationships" type="roundRect" r:blip="">
+            <dgm:adjLst/>
+          </dgm:shape>
+          <dgm:presOf axis="ch desOrSelf" ptType="node node" st="2 1" cnt="1 0"/>
+          <dgm:constrLst>
+            <dgm:constr type="w" refType="h" op="equ"/>
+            <dgm:constr type="tMarg" refType="primFontSz" fact="0.3"/>
+            <dgm:constr type="bMarg" refType="primFontSz" fact="0.3"/>
+            <dgm:constr type="lMarg" refType="primFontSz" fact="0.3"/>
+            <dgm:constr type="rMarg" refType="primFontSz" fact="0.3"/>
+          </dgm:constrLst>
+          <dgm:ruleLst>
+            <dgm:rule type="primFontSz" val="5" fact="NaN" max="NaN"/>
+          </dgm:ruleLst>
+        </dgm:layoutNode>
+        <dgm:layoutNode name="quad3">
+          <dgm:varLst>
+            <dgm:chMax val="0"/>
+            <dgm:chPref val="0"/>
+            <dgm:bulletEnabled val="1"/>
+          </dgm:varLst>
+          <dgm:alg type="tx"/>
+          <dgm:shape xmlns:r="http://schemas.openxmlformats.org/officeDocument/2006/relationships" type="roundRect" r:blip="">
+            <dgm:adjLst/>
+          </dgm:shape>
+          <dgm:presOf axis="ch desOrSelf" ptType="node node" st="3 1" cnt="1 0"/>
+          <dgm:constrLst>
+            <dgm:constr type="w" refType="h" op="equ"/>
+            <dgm:constr type="tMarg" refType="primFontSz" fact="0.3"/>
+            <dgm:constr type="bMarg" refType="primFontSz" fact="0.3"/>
+            <dgm:constr type="lMarg" refType="primFontSz" fact="0.3"/>
+            <dgm:constr type="rMarg" refType="primFontSz" fact="0.3"/>
+          </dgm:constrLst>
+          <dgm:ruleLst>
+            <dgm:rule type="primFontSz" val="5" fact="NaN" max="NaN"/>
+          </dgm:ruleLst>
+        </dgm:layoutNode>
+        <dgm:layoutNode name="quad4">
+          <dgm:varLst>
+            <dgm:chMax val="0"/>
+            <dgm:chPref val="0"/>
+            <dgm:bulletEnabled val="1"/>
+          </dgm:varLst>
+          <dgm:alg type="tx"/>
+          <dgm:shape xmlns:r="http://schemas.openxmlformats.org/officeDocument/2006/relationships" type="roundRect" r:blip="">
+            <dgm:adjLst/>
+          </dgm:shape>
+          <dgm:presOf axis="ch desOrSelf" ptType="node node" st="4 1" cnt="1 0"/>
+          <dgm:constrLst>
+            <dgm:constr type="w" refType="h" op="equ"/>
+            <dgm:constr type="tMarg" refType="primFontSz" fact="0.3"/>
+            <dgm:constr type="bMarg" refType="primFontSz" fact="0.3"/>
+            <dgm:constr type="lMarg" refType="primFontSz" fact="0.3"/>
+            <dgm:constr type="rMarg" refType="primFontSz" fact="0.3"/>
+          </dgm:constrLst>
+          <dgm:ruleLst>
+            <dgm:rule type="primFontSz" val="5" fact="NaN" max="NaN"/>
+          </dgm:ruleLst>
+        </dgm:layoutNode>
+      </dgm:if>
+      <dgm:else name="Name5"/>
+    </dgm:choose>
+  </dgm:layoutNode>
+</dgm:layoutDef>
+</file>
+
+<file path=ppt/diagrams/quickStyle1.xml><?xml version="1.0" encoding="utf-8"?>
+<dgm:styleDef xmlns:dgm="http://schemas.openxmlformats.org/drawingml/2006/diagram" xmlns:a="http://schemas.openxmlformats.org/drawingml/2006/main" uniqueId="urn:microsoft.com/office/officeart/2005/8/quickstyle/3d2">
+  <dgm:title val=""/>
+  <dgm:desc val=""/>
+  <dgm:catLst>
+    <dgm:cat type="3D" pri="11200"/>
+  </dgm:catLst>
+  <dgm:scene3d>
+    <a:camera prst="orthographicFront"/>
+    <a:lightRig rig="threePt" dir="t"/>
+  </dgm:scene3d>
+  <dgm:styleLbl name="node0">
+    <dgm:scene3d>
+      <a:camera prst="orthographicFront"/>
+      <a:lightRig rig="threePt" dir="t">
+        <a:rot lat="0" lon="0" rev="7500000"/>
+      </a:lightRig>
+    </dgm:scene3d>
+    <dgm:sp3d prstMaterial="plastic">
+      <a:bevelT w="127000" h="25400" prst="relaxedInset"/>
+    </dgm:sp3d>
+    <dgm:txPr/>
+    <dgm:style>
+      <a:lnRef idx="0">
+        <a:scrgbClr r="0" g="0" b="0"/>
+      </a:lnRef>
+      <a:fillRef idx="3">
+        <a:scrgbClr r="0" g="0" b="0"/>
+      </a:fillRef>
+      <a:effectRef idx="2">
+        <a:scrgbClr r="0" g="0" b="0"/>
+      </a:effectRef>
+      <a:fontRef idx="minor">
+        <a:schemeClr val="lt1"/>
+      </a:fontRef>
+    </dgm:style>
+  </dgm:styleLbl>
+  <dgm:styleLbl name="lnNode1">
+    <dgm:scene3d>
+      <a:camera prst="orthographicFront"/>
+      <a:lightRig rig="threePt" dir="t">
+        <a:rot lat="0" lon="0" rev="7500000"/>
+      </a:lightRig>
+    </dgm:scene3d>
+    <dgm:sp3d prstMaterial="plastic">
+      <a:bevelT w="127000" h="25400" prst="relaxedInset"/>
+    </dgm:sp3d>
+    <dgm:txPr/>
+    <dgm:style>
+      <a:lnRef idx="1">
+        <a:scrgbClr r="0" g="0" b="0"/>
+      </a:lnRef>
+      <a:fillRef idx="3">
+        <a:scrgbClr r="0" g="0" b="0"/>
+      </a:fillRef>
+      <a:effectRef idx="2">
+        <a:scrgbClr r="0" g="0" b="0"/>
+      </a:effectRef>
+      <a:fontRef idx="minor">
+        <a:schemeClr val="lt1"/>
+      </a:fontRef>
+    </dgm:style>
+  </dgm:styleLbl>
+  <dgm:styleLbl name="vennNode1">
+    <dgm:scene3d>
+      <a:camera prst="orthographicFront"/>
+      <a:lightRig rig="threePt" dir="t">
+        <a:rot lat="0" lon="0" rev="7500000"/>
+      </a:lightRig>
+    </dgm:scene3d>
+    <dgm:sp3d prstMaterial="plastic">
+      <a:bevelT w="127000" h="25400" prst="relaxedInset"/>
+    </dgm:sp3d>
+    <dgm:txPr/>
+    <dgm:style>
+      <a:lnRef idx="0">
+        <a:scrgbClr r="0" g="0" b="0"/>
+      </a:lnRef>
+      <a:fillRef idx="3">
+        <a:scrgbClr r="0" g="0" b="0"/>
+      </a:fillRef>
+      <a:effectRef idx="2">
+        <a:scrgbClr r="0" g="0" b="0"/>
+      </a:effectRef>
+      <a:fontRef idx="minor">
+        <a:schemeClr val="tx1"/>
+      </a:fontRef>
+    </dgm:style>
+  </dgm:styleLbl>
+  <dgm:styleLbl name="alingNode1">
+    <dgm:scene3d>
+      <a:camera prst="orthographicFront"/>
+      <a:lightRig rig="threePt" dir="t">
+        <a:rot lat="0" lon="0" rev="7500000"/>
+      </a:lightRig>
+    </dgm:scene3d>
+    <dgm:sp3d prstMaterial="plastic">
+      <a:bevelT w="127000" h="25400" prst="relaxedInset"/>
+    </dgm:sp3d>
+    <dgm:txPr/>
+    <dgm:style>
+      <a:lnRef idx="0">
+        <a:scrgbClr r="0" g="0" b="0"/>
+      </a:lnRef>
+      <a:fillRef idx="3">
+        <a:scrgbClr r="0" g="0" b="0"/>
+      </a:fillRef>
+      <a:effectRef idx="2">
+        <a:scrgbClr r="0" g="0" b="0"/>
+      </a:effectRef>
+      <a:fontRef idx="minor">
+        <a:schemeClr val="lt1"/>
+      </a:fontRef>
+    </dgm:style>
+  </dgm:styleLbl>
+  <dgm:styleLbl name="node1">
+    <dgm:scene3d>
+      <a:camera prst="orthographicFront"/>
+      <a:lightRig rig="threePt" dir="t">
+        <a:rot lat="0" lon="0" rev="7500000"/>
+      </a:lightRig>
+    </dgm:scene3d>
+    <dgm:sp3d prstMaterial="plastic">
+      <a:bevelT w="127000" h="25400" prst="relaxedInset"/>
+    </dgm:sp3d>
+    <dgm:txPr/>
+    <dgm:style>
+      <a:lnRef idx="0">
+        <a:scrgbClr r="0" g="0" b="0"/>
+      </a:lnRef>
+      <a:fillRef idx="3">
+        <a:scrgbClr r="0" g="0" b="0"/>
+      </a:fillRef>
+      <a:effectRef idx="2">
+        <a:scrgbClr r="0" g="0" b="0"/>
+      </a:effectRef>
+      <a:fontRef idx="minor">
+        <a:schemeClr val="lt1"/>
+      </a:fontRef>
+    </dgm:style>
+  </dgm:styleLbl>
+  <dgm:styleLbl name="node2">
+    <dgm:scene3d>
+      <a:camera prst="orthographicFront"/>
+      <a:lightRig rig="threePt" dir="t">
+        <a:rot lat="0" lon="0" rev="7500000"/>
+      </a:lightRig>
+    </dgm:scene3d>
+    <dgm:sp3d prstMaterial="plastic">
+      <a:bevelT w="127000" h="25400" prst="relaxedInset"/>
+    </dgm:sp3d>
+    <dgm:txPr/>
+    <dgm:style>
+      <a:lnRef idx="0">
+        <a:scrgbClr r="0" g="0" b="0"/>
+      </a:lnRef>
+      <a:fillRef idx="3">
+        <a:scrgbClr r="0" g="0" b="0"/>
+      </a:fillRef>
+      <a:effectRef idx="2">
+        <a:scrgbClr r="0" g="0" b="0"/>
+      </a:effectRef>
+      <a:fontRef idx="minor">
+        <a:schemeClr val="lt1"/>
+      </a:fontRef>
+    </dgm:style>
+  </dgm:styleLbl>
+  <dgm:styleLbl name="node3">
+    <dgm:scene3d>
+      <a:camera prst="orthographicFront"/>
+      <a:lightRig rig="threePt" dir="t">
+        <a:rot lat="0" lon="0" rev="7500000"/>
+      </a:lightRig>
+    </dgm:scene3d>
+    <dgm:sp3d prstMaterial="plastic">
+      <a:bevelT w="127000" h="25400" prst="relaxedInset"/>
+    </dgm:sp3d>
+    <dgm:txPr/>
+    <dgm:style>
+      <a:lnRef idx="0">
+        <a:scrgbClr r="0" g="0" b="0"/>
+      </a:lnRef>
+      <a:fillRef idx="3">
+        <a:scrgbClr r="0" g="0" b="0"/>
+      </a:fillRef>
+      <a:effectRef idx="2">
+        <a:scrgbClr r="0" g="0" b="0"/>
+      </a:effectRef>
+      <a:fontRef idx="minor">
+        <a:schemeClr val="lt1"/>
+      </a:fontRef>
+    </dgm:style>
+  </dgm:styleLbl>
+  <dgm:styleLbl name="node4">
+    <dgm:scene3d>
+      <a:camera prst="orthographicFront"/>
+      <a:lightRig rig="threePt" dir="t">
+        <a:rot lat="0" lon="0" rev="7500000"/>
+      </a:lightRig>
+    </dgm:scene3d>
+    <dgm:sp3d prstMaterial="plastic">
+      <a:bevelT w="127000" h="25400" prst="relaxedInset"/>
+    </dgm:sp3d>
+    <dgm:txPr/>
+    <dgm:style>
+      <a:lnRef idx="0">
+        <a:scrgbClr r="0" g="0" b="0"/>
+      </a:lnRef>
+      <a:fillRef idx="3">
+        <a:scrgbClr r="0" g="0" b="0"/>
+      </a:fillRef>
+      <a:effectRef idx="2">
+        <a:scrgbClr r="0" g="0" b="0"/>
+      </a:effectRef>
+      <a:fontRef idx="minor">
+        <a:schemeClr val="lt1"/>
+      </a:fontRef>
+    </dgm:style>
+  </dgm:styleLbl>
+  <dgm:styleLbl name="fgImgPlace1">
+    <dgm:scene3d>
+      <a:camera prst="orthographicFront"/>
+      <a:lightRig rig="threePt" dir="t">
+        <a:rot lat="0" lon="0" rev="7500000"/>
+      </a:lightRig>
+    </dgm:scene3d>
+    <dgm:sp3d z="152400" extrusionH="63500" prstMaterial="matte">
+      <a:bevelT w="50800" h="19050" prst="relaxedInset"/>
+      <a:contourClr>
+        <a:schemeClr val="bg1"/>
+      </a:contourClr>
+    </dgm:sp3d>
+    <dgm:txPr/>
+    <dgm:style>
+      <a:lnRef idx="0">
+        <a:scrgbClr r="0" g="0" b="0"/>
+      </a:lnRef>
+      <a:fillRef idx="1">
+        <a:scrgbClr r="0" g="0" b="0"/>
+      </a:fillRef>
+      <a:effectRef idx="0">
+        <a:scrgbClr r="0" g="0" b="0"/>
+      </a:effectRef>
+      <a:fontRef idx="minor"/>
+    </dgm:style>
+  </dgm:styleLbl>
+  <dgm:styleLbl name="alignImgPlace1">
+    <dgm:scene3d>
+      <a:camera prst="orthographicFront"/>
+      <a:lightRig rig="threePt" dir="t">
+        <a:rot lat="0" lon="0" rev="7500000"/>
+      </a:lightRig>
+    </dgm:scene3d>
+    <dgm:sp3d z="254000" extrusionH="63500" contourW="12700" prstMaterial="matte">
+      <a:contourClr>
+        <a:schemeClr val="lt1"/>
+      </a:contourClr>
+    </dgm:sp3d>
+    <dgm:txPr/>
+    <dgm:style>
+      <a:lnRef idx="0">
+        <a:scrgbClr r="0" g="0" b="0"/>
+      </a:lnRef>
+      <a:fillRef idx="1">
+        <a:scrgbClr r="0" g="0" b="0"/>
+      </a:fillRef>
+      <a:effectRef idx="0">
+        <a:scrgbClr r="0" g="0" b="0"/>
+      </a:effectRef>
+      <a:fontRef idx="minor"/>
+    </dgm:style>
+  </dgm:styleLbl>
+  <dgm:styleLbl name="bgImgPlace1">
+    <dgm:scene3d>
+      <a:camera prst="orthographicFront"/>
+      <a:lightRig rig="threePt" dir="t">
+        <a:rot lat="0" lon="0" rev="7500000"/>
+      </a:lightRig>
+    </dgm:scene3d>
+    <dgm:sp3d z="-152400" extrusionH="63500" contourW="12700" prstMaterial="matte">
+      <a:contourClr>
+        <a:schemeClr val="lt1"/>
+      </a:contourClr>
+    </dgm:sp3d>
+    <dgm:txPr/>
+    <dgm:style>
+      <a:lnRef idx="0">
+        <a:scrgbClr r="0" g="0" b="0"/>
+      </a:lnRef>
+      <a:fillRef idx="1">
+        <a:scrgbClr r="0" g="0" b="0"/>
+      </a:fillRef>
+      <a:effectRef idx="0">
+        <a:scrgbClr r="0" g="0" b="0"/>
+      </a:effectRef>
+      <a:fontRef idx="minor"/>
+    </dgm:style>
+  </dgm:styleLbl>
+  <dgm:styleLbl name="sibTrans2D1">
+    <dgm:scene3d>
+      <a:camera prst="orthographicFront"/>
+      <a:lightRig rig="threePt" dir="t">
+        <a:rot lat="0" lon="0" rev="7500000"/>
+      </a:lightRig>
+    </dgm:scene3d>
+    <dgm:sp3d z="-70000" extrusionH="63500" prstMaterial="matte">
+      <a:bevelT w="25400" h="6350" prst="relaxedInset"/>
+      <a:contourClr>
+        <a:schemeClr val="bg1"/>
+      </a:contourClr>
+    </dgm:sp3d>
+    <dgm:txPr/>
+    <dgm:style>
+      <a:lnRef idx="0">
+        <a:scrgbClr r="0" g="0" b="0"/>
+      </a:lnRef>
+      <a:fillRef idx="1">
+        <a:scrgbClr r="0" g="0" b="0"/>
+      </a:fillRef>
+      <a:effectRef idx="2">
+        <a:scrgbClr r="0" g="0" b="0"/>
+      </a:effectRef>
+      <a:fontRef idx="minor">
+        <a:schemeClr val="lt1"/>
+      </a:fontRef>
+    </dgm:style>
+  </dgm:styleLbl>
+  <dgm:styleLbl name="fgSibTrans2D1">
+    <dgm:scene3d>
+      <a:camera prst="orthographicFront"/>
+      <a:lightRig rig="threePt" dir="t">
+        <a:rot lat="0" lon="0" rev="7500000"/>
+      </a:lightRig>
+    </dgm:scene3d>
+    <dgm:sp3d z="152400" extrusionH="63500" prstMaterial="matte">
+      <a:bevelT w="25400" h="6350" prst="relaxedInset"/>
+      <a:contourClr>
+        <a:schemeClr val="bg1"/>
+      </a:contourClr>
+    </dgm:sp3d>
+    <dgm:txPr/>
+    <dgm:style>
+      <a:lnRef idx="0">
+        <a:scrgbClr r="0" g="0" b="0"/>
+      </a:lnRef>
+      <a:fillRef idx="1">
+        <a:scrgbClr r="0" g="0" b="0"/>
+      </a:fillRef>
+      <a:effectRef idx="2">
+        <a:scrgbClr r="0" g="0" b="0"/>
+      </a:effectRef>
+      <a:fontRef idx="minor">
+        <a:schemeClr val="lt1"/>
+      </a:fontRef>
+    </dgm:style>
+  </dgm:styleLbl>
+  <dgm:styleLbl name="bgSibTrans2D1">
+    <dgm:scene3d>
+      <a:camera prst="orthographicFront"/>
+      <a:lightRig rig="threePt" dir="t">
+        <a:rot lat="0" lon="0" rev="7500000"/>
+      </a:lightRig>
+    </dgm:scene3d>
+    <dgm:sp3d z="-152400" extrusionH="63500" prstMaterial="matte">
+      <a:bevelT w="25400" h="6350" prst="relaxedInset"/>
+      <a:contourClr>
+        <a:schemeClr val="bg1"/>
+      </a:contourClr>
+    </dgm:sp3d>
+    <dgm:txPr/>
+    <dgm:style>
+      <a:lnRef idx="0">
+        <a:scrgbClr r="0" g="0" b="0"/>
+      </a:lnRef>
+      <a:fillRef idx="1">
+        <a:scrgbClr r="0" g="0" b="0"/>
+      </a:fillRef>
+      <a:effectRef idx="2">
+        <a:scrgbClr r="0" g="0" b="0"/>
+      </a:effectRef>
+      <a:fontRef idx="minor">
+        <a:schemeClr val="lt1"/>
+      </a:fontRef>
+    </dgm:style>
+  </dgm:styleLbl>
+  <dgm:styleLbl name="sibTrans1D1">
+    <dgm:scene3d>
+      <a:camera prst="orthographicFront"/>
+      <a:lightRig rig="threePt" dir="t">
+        <a:rot lat="0" lon="0" rev="7500000"/>
+      </a:lightRig>
+    </dgm:scene3d>
+    <dgm:sp3d z="-40000" prstMaterial="matte"/>
+    <dgm:txPr/>
+    <dgm:style>
+      <a:lnRef idx="1">
+        <a:scrgbClr r="0" g="0" b="0"/>
+      </a:lnRef>
+      <a:fillRef idx="0">
+        <a:scrgbClr r="0" g="0" b="0"/>
+      </a:fillRef>
+      <a:effectRef idx="0">
+        <a:scrgbClr r="0" g="0" b="0"/>
+      </a:effectRef>
+      <a:fontRef idx="minor"/>
+    </dgm:style>
+  </dgm:styleLbl>
+  <dgm:styleLbl name="callout">
+    <dgm:scene3d>
+      <a:camera prst="orthographicFront"/>
+      <a:lightRig rig="threePt" dir="t">
+        <a:rot lat="0" lon="0" rev="7500000"/>
+      </a:lightRig>
+    </dgm:scene3d>
+    <dgm:sp3d z="127000" prstMaterial="matte"/>
+    <dgm:txPr/>
+    <dgm:style>
+      <a:lnRef idx="2">
+        <a:scrgbClr r="0" g="0" b="0"/>
+      </a:lnRef>
+      <a:fillRef idx="1">
+        <a:scrgbClr r="0" g="0" b="0"/>
+      </a:fillRef>
+      <a:effectRef idx="0">
+        <a:scrgbClr r="0" g="0" b="0"/>
+      </a:effectRef>
+      <a:fontRef idx="minor"/>
+    </dgm:style>
+  </dgm:styleLbl>
+  <dgm:styleLbl name="asst0">
+    <dgm:scene3d>
+      <a:camera prst="orthographicFront"/>
+      <a:lightRig rig="threePt" dir="t">
+        <a:rot lat="0" lon="0" rev="7500000"/>
+      </a:lightRig>
+    </dgm:scene3d>
+    <dgm:sp3d prstMaterial="plastic">
+      <a:bevelT w="127000" h="25400" prst="relaxedInset"/>
+    </dgm:sp3d>
+    <dgm:txPr/>
+    <dgm:style>
+      <a:lnRef idx="0">
+        <a:scrgbClr r="0" g="0" b="0"/>
+      </a:lnRef>
+      <a:fillRef idx="3">
+        <a:scrgbClr r="0" g="0" b="0"/>
+      </a:fillRef>
+      <a:effectRef idx="2">
+        <a:scrgbClr r="0" g="0" b="0"/>
+      </a:effectRef>
+      <a:fontRef idx="minor">
+        <a:schemeClr val="lt1"/>
+      </a:fontRef>
+    </dgm:style>
+  </dgm:styleLbl>
+  <dgm:styleLbl name="asst1">
+    <dgm:scene3d>
+      <a:camera prst="orthographicFront"/>
+      <a:lightRig rig="threePt" dir="t">
+        <a:rot lat="0" lon="0" rev="7500000"/>
+      </a:lightRig>
+    </dgm:scene3d>
+    <dgm:sp3d prstMaterial="plastic">
+      <a:bevelT w="127000" h="25400" prst="relaxedInset"/>
+    </dgm:sp3d>
+    <dgm:txPr/>
+    <dgm:style>
+      <a:lnRef idx="0">
+        <a:scrgbClr r="0" g="0" b="0"/>
+      </a:lnRef>
+      <a:fillRef idx="3">
+        <a:scrgbClr r="0" g="0" b="0"/>
+      </a:fillRef>
+      <a:effectRef idx="2">
+        <a:scrgbClr r="0" g="0" b="0"/>
+      </a:effectRef>
+      <a:fontRef idx="minor">
+        <a:schemeClr val="lt1"/>
+      </a:fontRef>
+    </dgm:style>
+  </dgm:styleLbl>
+  <dgm:styleLbl name="asst2">
+    <dgm:scene3d>
+      <a:camera prst="orthographicFront"/>
+      <a:lightRig rig="threePt" dir="t">
+        <a:rot lat="0" lon="0" rev="7500000"/>
+      </a:lightRig>
+    </dgm:scene3d>
+    <dgm:sp3d prstMaterial="plastic">
+      <a:bevelT w="127000" h="25400" prst="relaxedInset"/>
+    </dgm:sp3d>
+    <dgm:txPr/>
+    <dgm:style>
+      <a:lnRef idx="0">
+        <a:scrgbClr r="0" g="0" b="0"/>
+      </a:lnRef>
+      <a:fillRef idx="3">
+        <a:scrgbClr r="0" g="0" b="0"/>
+      </a:fillRef>
+      <a:effectRef idx="2">
+        <a:scrgbClr r="0" g="0" b="0"/>
+      </a:effectRef>
+      <a:fontRef idx="minor">
+        <a:schemeClr val="lt1"/>
+      </a:fontRef>
+    </dgm:style>
+  </dgm:styleLbl>
+  <dgm:styleLbl name="asst3">
+    <dgm:scene3d>
+      <a:camera prst="orthographicFront"/>
+      <a:lightRig rig="threePt" dir="t">
+        <a:rot lat="0" lon="0" rev="7500000"/>
+      </a:lightRig>
+    </dgm:scene3d>
+    <dgm:sp3d prstMaterial="plastic">
+      <a:bevelT w="127000" h="25400" prst="relaxedInset"/>
+    </dgm:sp3d>
+    <dgm:txPr/>
+    <dgm:style>
+      <a:lnRef idx="0">
+        <a:scrgbClr r="0" g="0" b="0"/>
+      </a:lnRef>
+      <a:fillRef idx="3">
+        <a:scrgbClr r="0" g="0" b="0"/>
+      </a:fillRef>
+      <a:effectRef idx="2">
+        <a:scrgbClr r="0" g="0" b="0"/>
+      </a:effectRef>
+      <a:fontRef idx="minor">
+        <a:schemeClr val="lt1"/>
+      </a:fontRef>
+    </dgm:style>
+  </dgm:styleLbl>
+  <dgm:styleLbl name="parChTrans2D1">
+    <dgm:scene3d>
+      <a:camera prst="orthographicFront"/>
+      <a:lightRig rig="threePt" dir="t">
+        <a:rot lat="0" lon="0" rev="7500000"/>
+      </a:lightRig>
+    </dgm:scene3d>
+    <dgm:sp3d extrusionH="63500" prstMaterial="matte">
+      <a:bevelT w="50800" h="19050" prst="relaxedInset"/>
+      <a:contourClr>
+        <a:schemeClr val="bg1"/>
+      </a:contourClr>
+    </dgm:sp3d>
+    <dgm:txPr/>
+    <dgm:style>
+      <a:lnRef idx="0">
+        <a:scrgbClr r="0" g="0" b="0"/>
+      </a:lnRef>
+      <a:fillRef idx="1">
+        <a:scrgbClr r="0" g="0" b="0"/>
+      </a:fillRef>
+      <a:effectRef idx="2">
+        <a:scrgbClr r="0" g="0" b="0"/>
+      </a:effectRef>
+      <a:fontRef idx="minor">
+        <a:schemeClr val="lt1"/>
+      </a:fontRef>
+    </dgm:style>
+  </dgm:styleLbl>
+  <dgm:styleLbl name="parChTrans2D2">
+    <dgm:scene3d>
+      <a:camera prst="orthographicFront"/>
+      <a:lightRig rig="threePt" dir="t">
+        <a:rot lat="0" lon="0" rev="7500000"/>
+      </a:lightRig>
+    </dgm:scene3d>
+    <dgm:sp3d extrusionH="63500" prstMaterial="matte">
+      <a:bevelT w="50800" h="19050" prst="relaxedInset"/>
+      <a:contourClr>
+        <a:schemeClr val="bg1"/>
+      </a:contourClr>
+    </dgm:sp3d>
+    <dgm:txPr/>
+    <dgm:style>
+      <a:lnRef idx="0">
+        <a:scrgbClr r="0" g="0" b="0"/>
+      </a:lnRef>
+      <a:fillRef idx="1">
+        <a:scrgbClr r="0" g="0" b="0"/>
+      </a:fillRef>
+      <a:effectRef idx="0">
+        <a:scrgbClr r="0" g="0" b="0"/>
+      </a:effectRef>
+      <a:fontRef idx="minor">
+        <a:schemeClr val="lt1"/>
+      </a:fontRef>
+    </dgm:style>
+  </dgm:styleLbl>
+  <dgm:styleLbl name="parChTrans2D3">
+    <dgm:scene3d>
+      <a:camera prst="orthographicFront"/>
+      <a:lightRig rig="threePt" dir="t">
+        <a:rot lat="0" lon="0" rev="7500000"/>
+      </a:lightRig>
+    </dgm:scene3d>
+    <dgm:sp3d z="60000" prstMaterial="flat">
+      <a:bevelT w="120900" h="88900"/>
+    </dgm:sp3d>
+    <dgm:txPr/>
+    <dgm:style>
+      <a:lnRef idx="0">
+        <a:scrgbClr r="0" g="0" b="0"/>
+      </a:lnRef>
+      <a:fillRef idx="3">
+        <a:scrgbClr r="0" g="0" b="0"/>
+      </a:fillRef>
+      <a:effectRef idx="1">
+        <a:scrgbClr r="0" g="0" b="0"/>
+      </a:effectRef>
+      <a:fontRef idx="minor">
+        <a:schemeClr val="lt1"/>
+      </a:fontRef>
+    </dgm:style>
+  </dgm:styleLbl>
+  <dgm:styleLbl name="parChTrans2D4">
+    <dgm:scene3d>
+      <a:camera prst="orthographicFront"/>
+      <a:lightRig rig="threePt" dir="t">
+        <a:rot lat="0" lon="0" rev="7500000"/>
+      </a:lightRig>
+    </dgm:scene3d>
+    <dgm:sp3d z="60000" prstMaterial="flat">
+      <a:bevelT w="120900" h="88900"/>
+    </dgm:sp3d>
+    <dgm:txPr/>
+    <dgm:style>
+      <a:lnRef idx="0">
+        <a:scrgbClr r="0" g="0" b="0"/>
+      </a:lnRef>
+      <a:fillRef idx="3">
+        <a:scrgbClr r="0" g="0" b="0"/>
+      </a:fillRef>
+      <a:effectRef idx="1">
+        <a:scrgbClr r="0" g="0" b="0"/>
+      </a:effectRef>
+      <a:fontRef idx="minor">
+        <a:schemeClr val="lt1"/>
+      </a:fontRef>
+    </dgm:style>
+  </dgm:styleLbl>
+  <dgm:styleLbl name="parChTrans1D1">
+    <dgm:scene3d>
+      <a:camera prst="orthographicFront"/>
+      <a:lightRig rig="threePt" dir="t">
+        <a:rot lat="0" lon="0" rev="7500000"/>
+      </a:lightRig>
+    </dgm:scene3d>
+    <dgm:sp3d z="-40000" prstMaterial="matte"/>
+    <dgm:txPr/>
+    <dgm:style>
+      <a:lnRef idx="2">
+        <a:scrgbClr r="0" g="0" b="0"/>
+      </a:lnRef>
+      <a:fillRef idx="0">
+        <a:scrgbClr r="0" g="0" b="0"/>
+      </a:fillRef>
+      <a:effectRef idx="0">
+        <a:scrgbClr r="0" g="0" b="0"/>
+      </a:effectRef>
+      <a:fontRef idx="minor"/>
+    </dgm:style>
+  </dgm:styleLbl>
+  <dgm:styleLbl name="parChTrans1D2">
+    <dgm:scene3d>
+      <a:camera prst="orthographicFront"/>
+      <a:lightRig rig="threePt" dir="t">
+        <a:rot lat="0" lon="0" rev="7500000"/>
+      </a:lightRig>
+    </dgm:scene3d>
+    <dgm:sp3d z="-40000" prstMaterial="matte"/>
+    <dgm:txPr/>
+    <dgm:style>
+      <a:lnRef idx="2">
+        <a:scrgbClr r="0" g="0" b="0"/>
+      </a:lnRef>
+      <a:fillRef idx="0">
+        <a:scrgbClr r="0" g="0" b="0"/>
+      </a:fillRef>
+      <a:effectRef idx="0">
+        <a:scrgbClr r="0" g="0" b="0"/>
+      </a:effectRef>
+      <a:fontRef idx="minor"/>
+    </dgm:style>
+  </dgm:styleLbl>
+  <dgm:styleLbl name="parChTrans1D3">
+    <dgm:scene3d>
+      <a:camera prst="orthographicFront"/>
+      <a:lightRig rig="threePt" dir="t">
+        <a:rot lat="0" lon="0" rev="7500000"/>
+      </a:lightRig>
+    </dgm:scene3d>
+    <dgm:sp3d z="-40000" prstMaterial="matte"/>
+    <dgm:txPr/>
+    <dgm:style>
+      <a:lnRef idx="2">
+        <a:scrgbClr r="0" g="0" b="0"/>
+      </a:lnRef>
+      <a:fillRef idx="0">
+        <a:scrgbClr r="0" g="0" b="0"/>
+      </a:fillRef>
+      <a:effectRef idx="0">
+        <a:scrgbClr r="0" g="0" b="0"/>
+      </a:effectRef>
+      <a:fontRef idx="minor"/>
+    </dgm:style>
+  </dgm:styleLbl>
+  <dgm:styleLbl name="parChTrans1D4">
+    <dgm:scene3d>
+      <a:camera prst="orthographicFront"/>
+      <a:lightRig rig="threePt" dir="t">
+        <a:rot lat="0" lon="0" rev="7500000"/>
+      </a:lightRig>
+    </dgm:scene3d>
+    <dgm:sp3d z="-40000" prstMaterial="matte"/>
+    <dgm:txPr/>
+    <dgm:style>
+      <a:lnRef idx="2">
+        <a:scrgbClr r="0" g="0" b="0"/>
+      </a:lnRef>
+      <a:fillRef idx="0">
+        <a:scrgbClr r="0" g="0" b="0"/>
+      </a:fillRef>
+      <a:effectRef idx="0">
+        <a:scrgbClr r="0" g="0" b="0"/>
+      </a:effectRef>
+      <a:fontRef idx="minor"/>
+    </dgm:style>
+  </dgm:styleLbl>
+  <dgm:styleLbl name="fgAcc1">
+    <dgm:scene3d>
+      <a:camera prst="orthographicFront"/>
+      <a:lightRig rig="threePt" dir="t">
+        <a:rot lat="0" lon="0" rev="7500000"/>
+      </a:lightRig>
+    </dgm:scene3d>
+    <dgm:sp3d z="152400" extrusionH="63500" prstMaterial="dkEdge">
+      <a:bevelT w="135400" h="16350" prst="relaxedInset"/>
+      <a:contourClr>
+        <a:schemeClr val="bg1"/>
+      </a:contourClr>
+    </dgm:sp3d>
+    <dgm:txPr/>
+    <dgm:style>
+      <a:lnRef idx="1">
+        <a:scrgbClr r="0" g="0" b="0"/>
+      </a:lnRef>
+      <a:fillRef idx="1">
+        <a:scrgbClr r="0" g="0" b="0"/>
+      </a:fillRef>
+      <a:effectRef idx="2">
+        <a:scrgbClr r="0" g="0" b="0"/>
+      </a:effectRef>
+      <a:fontRef idx="minor"/>
+    </dgm:style>
+  </dgm:styleLbl>
+  <dgm:styleLbl name="conFgAcc1">
+    <dgm:scene3d>
+      <a:camera prst="orthographicFront"/>
+      <a:lightRig rig="threePt" dir="t">
+        <a:rot lat="0" lon="0" rev="7500000"/>
+      </a:lightRig>
+    </dgm:scene3d>
+    <dgm:sp3d z="152400" extrusionH="63500" prstMaterial="dkEdge">
+      <a:bevelT w="135400" h="16350" prst="relaxedInset"/>
+      <a:contourClr>
+        <a:schemeClr val="bg1"/>
+      </a:contourClr>
+    </dgm:sp3d>
+    <dgm:txPr/>
+    <dgm:style>
+      <a:lnRef idx="1">
+        <a:scrgbClr r="0" g="0" b="0"/>
+      </a:lnRef>
+      <a:fillRef idx="1">
+        <a:scrgbClr r="0" g="0" b="0"/>
+      </a:fillRef>
+      <a:effectRef idx="2">
+        <a:scrgbClr r="0" g="0" b="0"/>
+      </a:effectRef>
+      <a:fontRef idx="minor"/>
+    </dgm:style>
+  </dgm:styleLbl>
+  <dgm:styleLbl name="alignAcc1">
+    <dgm:scene3d>
+      <a:camera prst="orthographicFront"/>
+      <a:lightRig rig="threePt" dir="t">
+        <a:rot lat="0" lon="0" rev="7500000"/>
+      </a:lightRig>
+    </dgm:scene3d>
+    <dgm:sp3d extrusionH="190500" prstMaterial="dkEdge">
+      <a:bevelT w="135400" h="16350" prst="relaxedInset"/>
+      <a:contourClr>
+        <a:schemeClr val="bg1"/>
+      </a:contourClr>
+    </dgm:sp3d>
+    <dgm:txPr/>
+    <dgm:style>
+      <a:lnRef idx="1">
+        <a:scrgbClr r="0" g="0" b="0"/>
+      </a:lnRef>
+      <a:fillRef idx="1">
+        <a:scrgbClr r="0" g="0" b="0"/>
+      </a:fillRef>
+      <a:effectRef idx="2">
+        <a:scrgbClr r="0" g="0" b="0"/>
+      </a:effectRef>
+      <a:fontRef idx="minor"/>
+    </dgm:style>
+  </dgm:styleLbl>
+  <dgm:styleLbl name="trAlignAcc1">
+    <dgm:scene3d>
+      <a:camera prst="orthographicFront"/>
+      <a:lightRig rig="threePt" dir="t">
+        <a:rot lat="0" lon="0" rev="7500000"/>
+      </a:lightRig>
+    </dgm:scene3d>
+    <dgm:sp3d prstMaterial="plastic">
+      <a:bevelT w="127000" h="35400"/>
+    </dgm:sp3d>
+    <dgm:txPr/>
+    <dgm:style>
+      <a:lnRef idx="1">
+        <a:scrgbClr r="0" g="0" b="0"/>
+      </a:lnRef>
+      <a:fillRef idx="1">
+        <a:scrgbClr r="0" g="0" b="0"/>
+      </a:fillRef>
+      <a:effectRef idx="2">
+        <a:scrgbClr r="0" g="0" b="0"/>
+      </a:effectRef>
+      <a:fontRef idx="minor">
+        <a:schemeClr val="lt1"/>
+      </a:fontRef>
+    </dgm:style>
+  </dgm:styleLbl>
+  <dgm:styleLbl name="bgAcc1">
+    <dgm:scene3d>
+      <a:camera prst="orthographicFront"/>
+      <a:lightRig rig="threePt" dir="t">
+        <a:rot lat="0" lon="0" rev="7500000"/>
+      </a:lightRig>
+    </dgm:scene3d>
+    <dgm:sp3d z="-152400" extrusionH="63500" prstMaterial="dkEdge">
+      <a:bevelT w="124450" h="16350" prst="relaxedInset"/>
+      <a:contourClr>
+        <a:schemeClr val="bg1"/>
+      </a:contourClr>
+    </dgm:sp3d>
+    <dgm:txPr/>
+    <dgm:style>
+      <a:lnRef idx="1">
+        <a:scrgbClr r="0" g="0" b="0"/>
+      </a:lnRef>
+      <a:fillRef idx="1">
+        <a:scrgbClr r="0" g="0" b="0"/>
+      </a:fillRef>
+      <a:effectRef idx="0">
+        <a:scrgbClr r="0" g="0" b="0"/>
+      </a:effectRef>
+      <a:fontRef idx="minor"/>
+    </dgm:style>
+  </dgm:styleLbl>
+  <dgm:styleLbl name="solidFgAcc1">
+    <dgm:scene3d>
+      <a:camera prst="orthographicFront"/>
+      <a:lightRig rig="threePt" dir="t">
+        <a:rot lat="0" lon="0" rev="7500000"/>
+      </a:lightRig>
+    </dgm:scene3d>
+    <dgm:sp3d z="152400" extrusionH="63500" prstMaterial="dkEdge">
+      <a:bevelT w="120800" h="19050" prst="relaxedInset"/>
+      <a:contourClr>
+        <a:schemeClr val="bg1"/>
+      </a:contourClr>
+    </dgm:sp3d>
+    <dgm:txPr/>
+    <dgm:style>
+      <a:lnRef idx="1">
+        <a:scrgbClr r="0" g="0" b="0"/>
+      </a:lnRef>
+      <a:fillRef idx="1">
+        <a:scrgbClr r="0" g="0" b="0"/>
+      </a:fillRef>
+      <a:effectRef idx="2">
+        <a:scrgbClr r="0" g="0" b="0"/>
+      </a:effectRef>
+      <a:fontRef idx="minor"/>
+    </dgm:style>
+  </dgm:styleLbl>
+  <dgm:styleLbl name="solidAlignAcc1">
+    <dgm:scene3d>
+      <a:camera prst="orthographicFront"/>
+      <a:lightRig rig="threePt" dir="t">
+        <a:rot lat="0" lon="0" rev="7500000"/>
+      </a:lightRig>
+    </dgm:scene3d>
+    <dgm:sp3d extrusionH="190500" prstMaterial="dkEdge">
+      <a:bevelT w="120650" h="38100" prst="relaxedInset"/>
+      <a:contourClr>
+        <a:schemeClr val="bg1"/>
+      </a:contourClr>
+    </dgm:sp3d>
+    <dgm:txPr/>
+    <dgm:style>
+      <a:lnRef idx="1">
+        <a:scrgbClr r="0" g="0" b="0"/>
+      </a:lnRef>
+      <a:fillRef idx="1">
+        <a:scrgbClr r="0" g="0" b="0"/>
+      </a:fillRef>
+      <a:effectRef idx="2">
+        <a:scrgbClr r="0" g="0" b="0"/>
+      </a:effectRef>
+      <a:fontRef idx="minor"/>
+    </dgm:style>
+  </dgm:styleLbl>
+  <dgm:styleLbl name="solidBgAcc1">
+    <dgm:scene3d>
+      <a:camera prst="orthographicFront"/>
+      <a:lightRig rig="threePt" dir="t">
+        <a:rot lat="0" lon="0" rev="7500000"/>
+      </a:lightRig>
+    </dgm:scene3d>
+    <dgm:sp3d z="-152400" extrusionH="63500" prstMaterial="dkEdge">
+      <a:bevelT w="144450" h="36350" prst="relaxedInset"/>
+      <a:contourClr>
+        <a:schemeClr val="bg1"/>
+      </a:contourClr>
+    </dgm:sp3d>
+    <dgm:txPr/>
+    <dgm:style>
+      <a:lnRef idx="1">
+        <a:scrgbClr r="0" g="0" b="0"/>
+      </a:lnRef>
+      <a:fillRef idx="1">
+        <a:scrgbClr r="0" g="0" b="0"/>
+      </a:fillRef>
+      <a:effectRef idx="0">
+        <a:scrgbClr r="0" g="0" b="0"/>
+      </a:effectRef>
+      <a:fontRef idx="minor"/>
+    </dgm:style>
+  </dgm:styleLbl>
+  <dgm:styleLbl name="fgAccFollowNode1">
+    <dgm:scene3d>
+      <a:camera prst="orthographicFront"/>
+      <a:lightRig rig="threePt" dir="t">
+        <a:rot lat="0" lon="0" rev="7500000"/>
+      </a:lightRig>
+    </dgm:scene3d>
+    <dgm:sp3d z="152400" extrusionH="63500" prstMaterial="dkEdge">
+      <a:bevelT w="125400" h="36350" prst="relaxedInset"/>
+      <a:contourClr>
+        <a:schemeClr val="bg1"/>
+      </a:contourClr>
+    </dgm:sp3d>
+    <dgm:txPr/>
+    <dgm:style>
+      <a:lnRef idx="1">
+        <a:scrgbClr r="0" g="0" b="0"/>
+      </a:lnRef>
+      <a:fillRef idx="1">
+        <a:scrgbClr r="0" g="0" b="0"/>
+      </a:fillRef>
+      <a:effectRef idx="0">
+        <a:scrgbClr r="0" g="0" b="0"/>
+      </a:effectRef>
+      <a:fontRef idx="minor"/>
+    </dgm:style>
+  </dgm:styleLbl>
+  <dgm:styleLbl name="alignAccFollowNode1">
+    <dgm:scene3d>
+      <a:camera prst="orthographicFront"/>
+      <a:lightRig rig="threePt" dir="t">
+        <a:rot lat="0" lon="0" rev="7500000"/>
+      </a:lightRig>
+    </dgm:scene3d>
+    <dgm:sp3d extrusionH="190500" prstMaterial="dkEdge">
+      <a:bevelT w="120650" h="38100" prst="relaxedInset"/>
+      <a:bevelB w="120650" h="57150" prst="relaxedInset"/>
+      <a:contourClr>
+        <a:schemeClr val="bg1"/>
+      </a:contourClr>
+    </dgm:sp3d>
+    <dgm:txPr/>
+    <dgm:style>
+      <a:lnRef idx="1">
+        <a:scrgbClr r="0" g="0" b="0"/>
+      </a:lnRef>
+      <a:fillRef idx="1">
+        <a:scrgbClr r="0" g="0" b="0"/>
+      </a:fillRef>
+      <a:effectRef idx="2">
+        <a:scrgbClr r="0" g="0" b="0"/>
+      </a:effectRef>
+      <a:fontRef idx="minor"/>
+    </dgm:style>
+  </dgm:styleLbl>
+  <dgm:styleLbl name="bgAccFollowNode1">
+    <dgm:scene3d>
+      <a:camera prst="orthographicFront"/>
+      <a:lightRig rig="threePt" dir="t">
+        <a:rot lat="0" lon="0" rev="7500000"/>
+      </a:lightRig>
+    </dgm:scene3d>
+    <dgm:sp3d z="-152400" extrusionH="63500" prstMaterial="dkEdge">
+      <a:bevelT w="144450" h="36350" prst="relaxedInset"/>
+      <a:contourClr>
+        <a:schemeClr val="bg1"/>
+      </a:contourClr>
+    </dgm:sp3d>
+    <dgm:txPr/>
+    <dgm:style>
+      <a:lnRef idx="1">
+        <a:scrgbClr r="0" g="0" b="0"/>
+      </a:lnRef>
+      <a:fillRef idx="1">
+        <a:scrgbClr r="0" g="0" b="0"/>
+      </a:fillRef>
+      <a:effectRef idx="2">
+        <a:scrgbClr r="0" g="0" b="0"/>
+      </a:effectRef>
+      <a:fontRef idx="minor"/>
+    </dgm:style>
+  </dgm:styleLbl>
+  <dgm:styleLbl name="fgAcc0">
+    <dgm:scene3d>
+      <a:camera prst="orthographicFront"/>
+      <a:lightRig rig="threePt" dir="t">
+        <a:rot lat="0" lon="0" rev="7500000"/>
+      </a:lightRig>
+    </dgm:scene3d>
+    <dgm:sp3d z="152400" extrusionH="63500" prstMaterial="dkEdge">
+      <a:bevelT w="125400" h="36350" prst="relaxedInset"/>
+      <a:contourClr>
+        <a:schemeClr val="bg1"/>
+      </a:contourClr>
+    </dgm:sp3d>
+    <dgm:txPr/>
+    <dgm:style>
+      <a:lnRef idx="1">
+        <a:scrgbClr r="0" g="0" b="0"/>
+      </a:lnRef>
+      <a:fillRef idx="1">
+        <a:scrgbClr r="0" g="0" b="0"/>
+      </a:fillRef>
+      <a:effectRef idx="2">
+        <a:scrgbClr r="0" g="0" b="0"/>
+      </a:effectRef>
+      <a:fontRef idx="minor"/>
+    </dgm:style>
+  </dgm:styleLbl>
+  <dgm:styleLbl name="fgAcc2">
+    <dgm:scene3d>
+      <a:camera prst="orthographicFront"/>
+      <a:lightRig rig="threePt" dir="t">
+        <a:rot lat="0" lon="0" rev="7500000"/>
+      </a:lightRig>
+    </dgm:scene3d>
+    <dgm:sp3d z="152400" extrusionH="63500" prstMaterial="dkEdge">
+      <a:bevelT w="125400" h="36350" prst="relaxedInset"/>
+      <a:contourClr>
+        <a:schemeClr val="bg1"/>
+      </a:contourClr>
+    </dgm:sp3d>
+    <dgm:txPr/>
+    <dgm:style>
+      <a:lnRef idx="1">
+        <a:scrgbClr r="0" g="0" b="0"/>
+      </a:lnRef>
+      <a:fillRef idx="1">
+        <a:scrgbClr r="0" g="0" b="0"/>
+      </a:fillRef>
+      <a:effectRef idx="2">
+        <a:scrgbClr r="0" g="0" b="0"/>
+      </a:effectRef>
+      <a:fontRef idx="minor"/>
+    </dgm:style>
+  </dgm:styleLbl>
+  <dgm:styleLbl name="fgAcc3">
+    <dgm:scene3d>
+      <a:camera prst="orthographicFront"/>
+      <a:lightRig rig="threePt" dir="t">
+        <a:rot lat="0" lon="0" rev="7500000"/>
+      </a:lightRig>
+    </dgm:scene3d>
+    <dgm:sp3d z="152400" extrusionH="63500" prstMaterial="dkEdge">
+      <a:bevelT w="125400" h="36350" prst="relaxedInset"/>
+      <a:contourClr>
+        <a:schemeClr val="bg1"/>
+      </a:contourClr>
+    </dgm:sp3d>
+    <dgm:txPr/>
+    <dgm:style>
+      <a:lnRef idx="1">
+        <a:scrgbClr r="0" g="0" b="0"/>
+      </a:lnRef>
+      <a:fillRef idx="1">
+        <a:scrgbClr r="0" g="0" b="0"/>
+      </a:fillRef>
+      <a:effectRef idx="2">
+        <a:scrgbClr r="0" g="0" b="0"/>
+      </a:effectRef>
+      <a:fontRef idx="minor"/>
+    </dgm:style>
+  </dgm:styleLbl>
+  <dgm:styleLbl name="fgAcc4">
+    <dgm:scene3d>
+      <a:camera prst="orthographicFront"/>
+      <a:lightRig rig="threePt" dir="t">
+        <a:rot lat="0" lon="0" rev="7500000"/>
+      </a:lightRig>
+    </dgm:scene3d>
+    <dgm:sp3d z="152400" extrusionH="63500" prstMaterial="dkEdge">
+      <a:bevelT w="125400" h="36350" prst="relaxedInset"/>
+      <a:contourClr>
+        <a:schemeClr val="bg1"/>
+      </a:contourClr>
+    </dgm:sp3d>
+    <dgm:txPr/>
+    <dgm:style>
+      <a:lnRef idx="1">
+        <a:scrgbClr r="0" g="0" b="0"/>
+      </a:lnRef>
+      <a:fillRef idx="1">
+        <a:scrgbClr r="0" g="0" b="0"/>
+      </a:fillRef>
+      <a:effectRef idx="2">
+        <a:scrgbClr r="0" g="0" b="0"/>
+      </a:effectRef>
+      <a:fontRef idx="minor"/>
+    </dgm:style>
+  </dgm:styleLbl>
+  <dgm:styleLbl name="bgShp">
+    <dgm:scene3d>
+      <a:camera prst="orthographicFront"/>
+      <a:lightRig rig="threePt" dir="t">
+        <a:rot lat="0" lon="0" rev="7500000"/>
+      </a:lightRig>
+    </dgm:scene3d>
+    <dgm:sp3d z="-152400" extrusionH="63500" prstMaterial="matte">
+      <a:bevelT w="144450" h="6350" prst="relaxedInset"/>
+      <a:contourClr>
+        <a:schemeClr val="bg1"/>
+      </a:contourClr>
+    </dgm:sp3d>
+    <dgm:txPr/>
+    <dgm:style>
+      <a:lnRef idx="0">
+        <a:scrgbClr r="0" g="0" b="0"/>
+      </a:lnRef>
+      <a:fillRef idx="3">
+        <a:scrgbClr r="0" g="0" b="0"/>
+      </a:fillRef>
+      <a:effectRef idx="0">
+        <a:scrgbClr r="0" g="0" b="0"/>
+      </a:effectRef>
+      <a:fontRef idx="minor"/>
+    </dgm:style>
+  </dgm:styleLbl>
+  <dgm:styleLbl name="dkBgShp">
+    <dgm:scene3d>
+      <a:camera prst="orthographicFront"/>
+      <a:lightRig rig="threePt" dir="t">
+        <a:rot lat="0" lon="0" rev="7500000"/>
+      </a:lightRig>
+    </dgm:scene3d>
+    <dgm:sp3d prstMaterial="plastic">
+      <a:bevelT w="127000" h="25400" prst="relaxedInset"/>
+      <a:bevelB w="88900" h="121750" prst="angle"/>
+    </dgm:sp3d>
+    <dgm:txPr/>
+    <dgm:style>
+      <a:lnRef idx="0">
+        <a:scrgbClr r="0" g="0" b="0"/>
+      </a:lnRef>
+      <a:fillRef idx="1">
+        <a:scrgbClr r="0" g="0" b="0"/>
+      </a:fillRef>
+      <a:effectRef idx="2">
+        <a:scrgbClr r="0" g="0" b="0"/>
+      </a:effectRef>
+      <a:fontRef idx="minor">
+        <a:schemeClr val="lt1"/>
+      </a:fontRef>
+    </dgm:style>
+  </dgm:styleLbl>
+  <dgm:styleLbl name="trBgShp">
+    <dgm:scene3d>
+      <a:camera prst="orthographicFront"/>
+      <a:lightRig rig="threePt" dir="t"/>
+    </dgm:scene3d>
+    <dgm:sp3d z="-152400" prstMaterial="matte"/>
+    <dgm:txPr/>
+    <dgm:style>
+      <a:lnRef idx="0">
+        <a:scrgbClr r="0" g="0" b="0"/>
+      </a:lnRef>
+      <a:fillRef idx="1">
+        <a:scrgbClr r="0" g="0" b="0"/>
+      </a:fillRef>
+      <a:effectRef idx="0">
+        <a:scrgbClr r="0" g="0" b="0"/>
+      </a:effectRef>
+      <a:fontRef idx="minor"/>
+    </dgm:style>
+  </dgm:styleLbl>
+  <dgm:styleLbl name="fgShp">
+    <dgm:scene3d>
+      <a:camera prst="orthographicFront"/>
+      <a:lightRig rig="threePt" dir="t">
+        <a:rot lat="0" lon="0" rev="7500000"/>
+      </a:lightRig>
+    </dgm:scene3d>
+    <dgm:sp3d z="152400" extrusionH="63500" prstMaterial="matte">
+      <a:bevelT w="50800" h="19050" prst="relaxedInset"/>
+      <a:contourClr>
+        <a:schemeClr val="bg1"/>
+      </a:contourClr>
+    </dgm:sp3d>
+    <dgm:txPr/>
+    <dgm:style>
+      <a:lnRef idx="0">
+        <a:scrgbClr r="0" g="0" b="0"/>
+      </a:lnRef>
+      <a:fillRef idx="1">
+        <a:scrgbClr r="0" g="0" b="0"/>
+      </a:fillRef>
+      <a:effectRef idx="2">
+        <a:scrgbClr r="0" g="0" b="0"/>
+      </a:effectRef>
+      <a:fontRef idx="minor">
+        <a:schemeClr val="lt1"/>
+      </a:fontRef>
+    </dgm:style>
+  </dgm:styleLbl>
+  <dgm:styleLbl name="revTx">
+    <dgm:scene3d>
+      <a:camera prst="orthographicFront"/>
+      <a:lightRig rig="threePt" dir="t"/>
+    </dgm:scene3d>
+    <dgm:sp3d/>
+    <dgm:txPr/>
+    <dgm:style>
+      <a:lnRef idx="0">
+        <a:scrgbClr r="0" g="0" b="0"/>
+      </a:lnRef>
+      <a:fillRef idx="0">
+        <a:scrgbClr r="0" g="0" b="0"/>
+      </a:fillRef>
+      <a:effectRef idx="0">
+        <a:scrgbClr r="0" g="0" b="0"/>
+      </a:effectRef>
+      <a:fontRef idx="minor"/>
+    </dgm:style>
+  </dgm:styleLbl>
+</dgm:styleDef>
 </file>
 
 <file path=ppt/slideLayouts/slideLayout1.xml><?xml version="1.0" encoding="utf-8"?>
@@ -149,10 +3398,9 @@
           </a:lstStyle>
           <a:p>
             <a:r>
-              <a:rPr lang="en-US" smtClean="0"/>
+              <a:rPr lang="en-US"/>
               <a:t>Click to edit Master title style</a:t>
             </a:r>
-            <a:endParaRPr lang="en-US"/>
           </a:p>
         </p:txBody>
       </p:sp>
@@ -214,10 +3462,9 @@
           </a:lstStyle>
           <a:p>
             <a:r>
-              <a:rPr lang="en-US" smtClean="0"/>
+              <a:rPr lang="en-US"/>
               <a:t>Click to edit Master subtitle style</a:t>
             </a:r>
-            <a:endParaRPr lang="en-US"/>
           </a:p>
         </p:txBody>
       </p:sp>
@@ -238,7 +3485,7 @@
           <a:p>
             <a:fld id="{AC67EBBE-5320-4998-AFCA-122CEC973262}" type="datetimeFigureOut">
               <a:rPr lang="en-US" smtClean="0"/>
-              <a:t>3/24/2018</a:t>
+              <a:t>3/26/2018</a:t>
             </a:fld>
             <a:endParaRPr lang="en-US"/>
           </a:p>
@@ -332,10 +3579,9 @@
           <a:lstStyle/>
           <a:p>
             <a:r>
-              <a:rPr lang="en-US" smtClean="0"/>
+              <a:rPr lang="en-US"/>
               <a:t>Click to edit Master title style</a:t>
             </a:r>
-            <a:endParaRPr lang="en-US"/>
           </a:p>
         </p:txBody>
       </p:sp>
@@ -356,38 +3602,37 @@
           <a:p>
             <a:pPr lvl="0"/>
             <a:r>
-              <a:rPr lang="en-US" smtClean="0"/>
+              <a:rPr lang="en-US"/>
               <a:t>Click to edit Master text styles</a:t>
             </a:r>
           </a:p>
           <a:p>
             <a:pPr lvl="1"/>
             <a:r>
-              <a:rPr lang="en-US" smtClean="0"/>
+              <a:rPr lang="en-US"/>
               <a:t>Second level</a:t>
             </a:r>
           </a:p>
           <a:p>
             <a:pPr lvl="2"/>
             <a:r>
-              <a:rPr lang="en-US" smtClean="0"/>
+              <a:rPr lang="en-US"/>
               <a:t>Third level</a:t>
             </a:r>
           </a:p>
           <a:p>
             <a:pPr lvl="3"/>
             <a:r>
-              <a:rPr lang="en-US" smtClean="0"/>
+              <a:rPr lang="en-US"/>
               <a:t>Fourth level</a:t>
             </a:r>
           </a:p>
           <a:p>
             <a:pPr lvl="4"/>
             <a:r>
-              <a:rPr lang="en-US" smtClean="0"/>
+              <a:rPr lang="en-US"/>
               <a:t>Fifth level</a:t>
             </a:r>
-            <a:endParaRPr lang="en-US"/>
           </a:p>
         </p:txBody>
       </p:sp>
@@ -408,7 +3653,7 @@
           <a:p>
             <a:fld id="{AC67EBBE-5320-4998-AFCA-122CEC973262}" type="datetimeFigureOut">
               <a:rPr lang="en-US" smtClean="0"/>
-              <a:t>3/24/2018</a:t>
+              <a:t>3/26/2018</a:t>
             </a:fld>
             <a:endParaRPr lang="en-US"/>
           </a:p>
@@ -507,10 +3752,9 @@
           <a:lstStyle/>
           <a:p>
             <a:r>
-              <a:rPr lang="en-US" smtClean="0"/>
+              <a:rPr lang="en-US"/>
               <a:t>Click to edit Master title style</a:t>
             </a:r>
-            <a:endParaRPr lang="en-US"/>
           </a:p>
         </p:txBody>
       </p:sp>
@@ -536,38 +3780,37 @@
           <a:p>
             <a:pPr lvl="0"/>
             <a:r>
-              <a:rPr lang="en-US" smtClean="0"/>
+              <a:rPr lang="en-US"/>
               <a:t>Click to edit Master text styles</a:t>
             </a:r>
           </a:p>
           <a:p>
             <a:pPr lvl="1"/>
             <a:r>
-              <a:rPr lang="en-US" smtClean="0"/>
+              <a:rPr lang="en-US"/>
               <a:t>Second level</a:t>
             </a:r>
           </a:p>
           <a:p>
             <a:pPr lvl="2"/>
             <a:r>
-              <a:rPr lang="en-US" smtClean="0"/>
+              <a:rPr lang="en-US"/>
               <a:t>Third level</a:t>
             </a:r>
           </a:p>
           <a:p>
             <a:pPr lvl="3"/>
             <a:r>
-              <a:rPr lang="en-US" smtClean="0"/>
+              <a:rPr lang="en-US"/>
               <a:t>Fourth level</a:t>
             </a:r>
           </a:p>
           <a:p>
             <a:pPr lvl="4"/>
             <a:r>
-              <a:rPr lang="en-US" smtClean="0"/>
+              <a:rPr lang="en-US"/>
               <a:t>Fifth level</a:t>
             </a:r>
-            <a:endParaRPr lang="en-US"/>
           </a:p>
         </p:txBody>
       </p:sp>
@@ -588,7 +3831,7 @@
           <a:p>
             <a:fld id="{AC67EBBE-5320-4998-AFCA-122CEC973262}" type="datetimeFigureOut">
               <a:rPr lang="en-US" smtClean="0"/>
-              <a:t>3/24/2018</a:t>
+              <a:t>3/26/2018</a:t>
             </a:fld>
             <a:endParaRPr lang="en-US"/>
           </a:p>
@@ -682,10 +3925,9 @@
           <a:lstStyle/>
           <a:p>
             <a:r>
-              <a:rPr lang="en-US" smtClean="0"/>
+              <a:rPr lang="en-US"/>
               <a:t>Click to edit Master title style</a:t>
             </a:r>
-            <a:endParaRPr lang="en-US"/>
           </a:p>
         </p:txBody>
       </p:sp>
@@ -706,38 +3948,37 @@
           <a:p>
             <a:pPr lvl="0"/>
             <a:r>
-              <a:rPr lang="en-US" smtClean="0"/>
+              <a:rPr lang="en-US"/>
               <a:t>Click to edit Master text styles</a:t>
             </a:r>
           </a:p>
           <a:p>
             <a:pPr lvl="1"/>
             <a:r>
-              <a:rPr lang="en-US" smtClean="0"/>
+              <a:rPr lang="en-US"/>
               <a:t>Second level</a:t>
             </a:r>
           </a:p>
           <a:p>
             <a:pPr lvl="2"/>
             <a:r>
-              <a:rPr lang="en-US" smtClean="0"/>
+              <a:rPr lang="en-US"/>
               <a:t>Third level</a:t>
             </a:r>
           </a:p>
           <a:p>
             <a:pPr lvl="3"/>
             <a:r>
-              <a:rPr lang="en-US" smtClean="0"/>
+              <a:rPr lang="en-US"/>
               <a:t>Fourth level</a:t>
             </a:r>
           </a:p>
           <a:p>
             <a:pPr lvl="4"/>
             <a:r>
-              <a:rPr lang="en-US" smtClean="0"/>
+              <a:rPr lang="en-US"/>
               <a:t>Fifth level</a:t>
             </a:r>
-            <a:endParaRPr lang="en-US"/>
           </a:p>
         </p:txBody>
       </p:sp>
@@ -758,7 +3999,7 @@
           <a:p>
             <a:fld id="{AC67EBBE-5320-4998-AFCA-122CEC973262}" type="datetimeFigureOut">
               <a:rPr lang="en-US" smtClean="0"/>
-              <a:t>3/24/2018</a:t>
+              <a:t>3/26/2018</a:t>
             </a:fld>
             <a:endParaRPr lang="en-US"/>
           </a:p>
@@ -861,10 +4102,9 @@
           </a:lstStyle>
           <a:p>
             <a:r>
-              <a:rPr lang="en-US" smtClean="0"/>
+              <a:rPr lang="en-US"/>
               <a:t>Click to edit Master title style</a:t>
             </a:r>
-            <a:endParaRPr lang="en-US"/>
           </a:p>
         </p:txBody>
       </p:sp>
@@ -981,7 +4221,7 @@
           <a:p>
             <a:pPr lvl="0"/>
             <a:r>
-              <a:rPr lang="en-US" smtClean="0"/>
+              <a:rPr lang="en-US"/>
               <a:t>Click to edit Master text styles</a:t>
             </a:r>
           </a:p>
@@ -1004,7 +4244,7 @@
           <a:p>
             <a:fld id="{AC67EBBE-5320-4998-AFCA-122CEC973262}" type="datetimeFigureOut">
               <a:rPr lang="en-US" smtClean="0"/>
-              <a:t>3/24/2018</a:t>
+              <a:t>3/26/2018</a:t>
             </a:fld>
             <a:endParaRPr lang="en-US"/>
           </a:p>
@@ -1098,10 +4338,9 @@
           <a:lstStyle/>
           <a:p>
             <a:r>
-              <a:rPr lang="en-US" smtClean="0"/>
+              <a:rPr lang="en-US"/>
               <a:t>Click to edit Master title style</a:t>
             </a:r>
-            <a:endParaRPr lang="en-US"/>
           </a:p>
         </p:txBody>
       </p:sp>
@@ -1127,38 +4366,37 @@
           <a:p>
             <a:pPr lvl="0"/>
             <a:r>
-              <a:rPr lang="en-US" smtClean="0"/>
+              <a:rPr lang="en-US"/>
               <a:t>Click to edit Master text styles</a:t>
             </a:r>
           </a:p>
           <a:p>
             <a:pPr lvl="1"/>
             <a:r>
-              <a:rPr lang="en-US" smtClean="0"/>
+              <a:rPr lang="en-US"/>
               <a:t>Second level</a:t>
             </a:r>
           </a:p>
           <a:p>
             <a:pPr lvl="2"/>
             <a:r>
-              <a:rPr lang="en-US" smtClean="0"/>
+              <a:rPr lang="en-US"/>
               <a:t>Third level</a:t>
             </a:r>
           </a:p>
           <a:p>
             <a:pPr lvl="3"/>
             <a:r>
-              <a:rPr lang="en-US" smtClean="0"/>
+              <a:rPr lang="en-US"/>
               <a:t>Fourth level</a:t>
             </a:r>
           </a:p>
           <a:p>
             <a:pPr lvl="4"/>
             <a:r>
-              <a:rPr lang="en-US" smtClean="0"/>
+              <a:rPr lang="en-US"/>
               <a:t>Fifth level</a:t>
             </a:r>
-            <a:endParaRPr lang="en-US"/>
           </a:p>
         </p:txBody>
       </p:sp>
@@ -1184,38 +4422,37 @@
           <a:p>
             <a:pPr lvl="0"/>
             <a:r>
-              <a:rPr lang="en-US" smtClean="0"/>
+              <a:rPr lang="en-US"/>
               <a:t>Click to edit Master text styles</a:t>
             </a:r>
           </a:p>
           <a:p>
             <a:pPr lvl="1"/>
             <a:r>
-              <a:rPr lang="en-US" smtClean="0"/>
+              <a:rPr lang="en-US"/>
               <a:t>Second level</a:t>
             </a:r>
           </a:p>
           <a:p>
             <a:pPr lvl="2"/>
             <a:r>
-              <a:rPr lang="en-US" smtClean="0"/>
+              <a:rPr lang="en-US"/>
               <a:t>Third level</a:t>
             </a:r>
           </a:p>
           <a:p>
             <a:pPr lvl="3"/>
             <a:r>
-              <a:rPr lang="en-US" smtClean="0"/>
+              <a:rPr lang="en-US"/>
               <a:t>Fourth level</a:t>
             </a:r>
           </a:p>
           <a:p>
             <a:pPr lvl="4"/>
             <a:r>
-              <a:rPr lang="en-US" smtClean="0"/>
+              <a:rPr lang="en-US"/>
               <a:t>Fifth level</a:t>
             </a:r>
-            <a:endParaRPr lang="en-US"/>
           </a:p>
         </p:txBody>
       </p:sp>
@@ -1236,7 +4473,7 @@
           <a:p>
             <a:fld id="{AC67EBBE-5320-4998-AFCA-122CEC973262}" type="datetimeFigureOut">
               <a:rPr lang="en-US" smtClean="0"/>
-              <a:t>3/24/2018</a:t>
+              <a:t>3/26/2018</a:t>
             </a:fld>
             <a:endParaRPr lang="en-US"/>
           </a:p>
@@ -1335,10 +4572,9 @@
           <a:lstStyle/>
           <a:p>
             <a:r>
-              <a:rPr lang="en-US" smtClean="0"/>
+              <a:rPr lang="en-US"/>
               <a:t>Click to edit Master title style</a:t>
             </a:r>
-            <a:endParaRPr lang="en-US"/>
           </a:p>
         </p:txBody>
       </p:sp>
@@ -1401,7 +4637,7 @@
           <a:p>
             <a:pPr lvl="0"/>
             <a:r>
-              <a:rPr lang="en-US" smtClean="0"/>
+              <a:rPr lang="en-US"/>
               <a:t>Click to edit Master text styles</a:t>
             </a:r>
           </a:p>
@@ -1429,38 +4665,37 @@
           <a:p>
             <a:pPr lvl="0"/>
             <a:r>
-              <a:rPr lang="en-US" smtClean="0"/>
+              <a:rPr lang="en-US"/>
               <a:t>Click to edit Master text styles</a:t>
             </a:r>
           </a:p>
           <a:p>
             <a:pPr lvl="1"/>
             <a:r>
-              <a:rPr lang="en-US" smtClean="0"/>
+              <a:rPr lang="en-US"/>
               <a:t>Second level</a:t>
             </a:r>
           </a:p>
           <a:p>
             <a:pPr lvl="2"/>
             <a:r>
-              <a:rPr lang="en-US" smtClean="0"/>
+              <a:rPr lang="en-US"/>
               <a:t>Third level</a:t>
             </a:r>
           </a:p>
           <a:p>
             <a:pPr lvl="3"/>
             <a:r>
-              <a:rPr lang="en-US" smtClean="0"/>
+              <a:rPr lang="en-US"/>
               <a:t>Fourth level</a:t>
             </a:r>
           </a:p>
           <a:p>
             <a:pPr lvl="4"/>
             <a:r>
-              <a:rPr lang="en-US" smtClean="0"/>
+              <a:rPr lang="en-US"/>
               <a:t>Fifth level</a:t>
             </a:r>
-            <a:endParaRPr lang="en-US"/>
           </a:p>
         </p:txBody>
       </p:sp>
@@ -1523,7 +4758,7 @@
           <a:p>
             <a:pPr lvl="0"/>
             <a:r>
-              <a:rPr lang="en-US" smtClean="0"/>
+              <a:rPr lang="en-US"/>
               <a:t>Click to edit Master text styles</a:t>
             </a:r>
           </a:p>
@@ -1551,38 +4786,37 @@
           <a:p>
             <a:pPr lvl="0"/>
             <a:r>
-              <a:rPr lang="en-US" smtClean="0"/>
+              <a:rPr lang="en-US"/>
               <a:t>Click to edit Master text styles</a:t>
             </a:r>
           </a:p>
           <a:p>
             <a:pPr lvl="1"/>
             <a:r>
-              <a:rPr lang="en-US" smtClean="0"/>
+              <a:rPr lang="en-US"/>
               <a:t>Second level</a:t>
             </a:r>
           </a:p>
           <a:p>
             <a:pPr lvl="2"/>
             <a:r>
-              <a:rPr lang="en-US" smtClean="0"/>
+              <a:rPr lang="en-US"/>
               <a:t>Third level</a:t>
             </a:r>
           </a:p>
           <a:p>
             <a:pPr lvl="3"/>
             <a:r>
-              <a:rPr lang="en-US" smtClean="0"/>
+              <a:rPr lang="en-US"/>
               <a:t>Fourth level</a:t>
             </a:r>
           </a:p>
           <a:p>
             <a:pPr lvl="4"/>
             <a:r>
-              <a:rPr lang="en-US" smtClean="0"/>
+              <a:rPr lang="en-US"/>
               <a:t>Fifth level</a:t>
             </a:r>
-            <a:endParaRPr lang="en-US"/>
           </a:p>
         </p:txBody>
       </p:sp>
@@ -1603,7 +4837,7 @@
           <a:p>
             <a:fld id="{AC67EBBE-5320-4998-AFCA-122CEC973262}" type="datetimeFigureOut">
               <a:rPr lang="en-US" smtClean="0"/>
-              <a:t>3/24/2018</a:t>
+              <a:t>3/26/2018</a:t>
             </a:fld>
             <a:endParaRPr lang="en-US"/>
           </a:p>
@@ -1697,10 +4931,9 @@
           <a:lstStyle/>
           <a:p>
             <a:r>
-              <a:rPr lang="en-US" smtClean="0"/>
+              <a:rPr lang="en-US"/>
               <a:t>Click to edit Master title style</a:t>
             </a:r>
-            <a:endParaRPr lang="en-US"/>
           </a:p>
         </p:txBody>
       </p:sp>
@@ -1721,7 +4954,7 @@
           <a:p>
             <a:fld id="{AC67EBBE-5320-4998-AFCA-122CEC973262}" type="datetimeFigureOut">
               <a:rPr lang="en-US" smtClean="0"/>
-              <a:t>3/24/2018</a:t>
+              <a:t>3/26/2018</a:t>
             </a:fld>
             <a:endParaRPr lang="en-US"/>
           </a:p>
@@ -1816,7 +5049,7 @@
           <a:p>
             <a:fld id="{AC67EBBE-5320-4998-AFCA-122CEC973262}" type="datetimeFigureOut">
               <a:rPr lang="en-US" smtClean="0"/>
-              <a:t>3/24/2018</a:t>
+              <a:t>3/26/2018</a:t>
             </a:fld>
             <a:endParaRPr lang="en-US"/>
           </a:p>
@@ -1919,10 +5152,9 @@
           </a:lstStyle>
           <a:p>
             <a:r>
-              <a:rPr lang="en-US" smtClean="0"/>
+              <a:rPr lang="en-US"/>
               <a:t>Click to edit Master title style</a:t>
             </a:r>
-            <a:endParaRPr lang="en-US"/>
           </a:p>
         </p:txBody>
       </p:sp>
@@ -1976,38 +5208,37 @@
           <a:p>
             <a:pPr lvl="0"/>
             <a:r>
-              <a:rPr lang="en-US" smtClean="0"/>
+              <a:rPr lang="en-US"/>
               <a:t>Click to edit Master text styles</a:t>
             </a:r>
           </a:p>
           <a:p>
             <a:pPr lvl="1"/>
             <a:r>
-              <a:rPr lang="en-US" smtClean="0"/>
+              <a:rPr lang="en-US"/>
               <a:t>Second level</a:t>
             </a:r>
           </a:p>
           <a:p>
             <a:pPr lvl="2"/>
             <a:r>
-              <a:rPr lang="en-US" smtClean="0"/>
+              <a:rPr lang="en-US"/>
               <a:t>Third level</a:t>
             </a:r>
           </a:p>
           <a:p>
             <a:pPr lvl="3"/>
             <a:r>
-              <a:rPr lang="en-US" smtClean="0"/>
+              <a:rPr lang="en-US"/>
               <a:t>Fourth level</a:t>
             </a:r>
           </a:p>
           <a:p>
             <a:pPr lvl="4"/>
             <a:r>
-              <a:rPr lang="en-US" smtClean="0"/>
+              <a:rPr lang="en-US"/>
               <a:t>Fifth level</a:t>
             </a:r>
-            <a:endParaRPr lang="en-US"/>
           </a:p>
         </p:txBody>
       </p:sp>
@@ -2070,7 +5301,7 @@
           <a:p>
             <a:pPr lvl="0"/>
             <a:r>
-              <a:rPr lang="en-US" smtClean="0"/>
+              <a:rPr lang="en-US"/>
               <a:t>Click to edit Master text styles</a:t>
             </a:r>
           </a:p>
@@ -2093,7 +5324,7 @@
           <a:p>
             <a:fld id="{AC67EBBE-5320-4998-AFCA-122CEC973262}" type="datetimeFigureOut">
               <a:rPr lang="en-US" smtClean="0"/>
-              <a:t>3/24/2018</a:t>
+              <a:t>3/26/2018</a:t>
             </a:fld>
             <a:endParaRPr lang="en-US"/>
           </a:p>
@@ -2196,10 +5427,9 @@
           </a:lstStyle>
           <a:p>
             <a:r>
-              <a:rPr lang="en-US" smtClean="0"/>
+              <a:rPr lang="en-US"/>
               <a:t>Click to edit Master title style</a:t>
             </a:r>
-            <a:endParaRPr lang="en-US"/>
           </a:p>
         </p:txBody>
       </p:sp>
@@ -2323,7 +5553,7 @@
           <a:p>
             <a:pPr lvl="0"/>
             <a:r>
-              <a:rPr lang="en-US" smtClean="0"/>
+              <a:rPr lang="en-US"/>
               <a:t>Click to edit Master text styles</a:t>
             </a:r>
           </a:p>
@@ -2346,7 +5576,7 @@
           <a:p>
             <a:fld id="{AC67EBBE-5320-4998-AFCA-122CEC973262}" type="datetimeFigureOut">
               <a:rPr lang="en-US" smtClean="0"/>
-              <a:t>3/24/2018</a:t>
+              <a:t>3/26/2018</a:t>
             </a:fld>
             <a:endParaRPr lang="en-US"/>
           </a:p>
@@ -2455,10 +5685,9 @@
           <a:lstStyle/>
           <a:p>
             <a:r>
-              <a:rPr lang="en-US" smtClean="0"/>
+              <a:rPr lang="en-US"/>
               <a:t>Click to edit Master title style</a:t>
             </a:r>
-            <a:endParaRPr lang="en-US"/>
           </a:p>
         </p:txBody>
       </p:sp>
@@ -2489,38 +5718,37 @@
           <a:p>
             <a:pPr lvl="0"/>
             <a:r>
-              <a:rPr lang="en-US" smtClean="0"/>
+              <a:rPr lang="en-US"/>
               <a:t>Click to edit Master text styles</a:t>
             </a:r>
           </a:p>
           <a:p>
             <a:pPr lvl="1"/>
             <a:r>
-              <a:rPr lang="en-US" smtClean="0"/>
+              <a:rPr lang="en-US"/>
               <a:t>Second level</a:t>
             </a:r>
           </a:p>
           <a:p>
             <a:pPr lvl="2"/>
             <a:r>
-              <a:rPr lang="en-US" smtClean="0"/>
+              <a:rPr lang="en-US"/>
               <a:t>Third level</a:t>
             </a:r>
           </a:p>
           <a:p>
             <a:pPr lvl="3"/>
             <a:r>
-              <a:rPr lang="en-US" smtClean="0"/>
+              <a:rPr lang="en-US"/>
               <a:t>Fourth level</a:t>
             </a:r>
           </a:p>
           <a:p>
             <a:pPr lvl="4"/>
             <a:r>
-              <a:rPr lang="en-US" smtClean="0"/>
+              <a:rPr lang="en-US"/>
               <a:t>Fifth level</a:t>
             </a:r>
-            <a:endParaRPr lang="en-US"/>
           </a:p>
         </p:txBody>
       </p:sp>
@@ -2559,7 +5787,7 @@
           <a:p>
             <a:fld id="{AC67EBBE-5320-4998-AFCA-122CEC973262}" type="datetimeFigureOut">
               <a:rPr lang="en-US" smtClean="0"/>
-              <a:t>3/24/2018</a:t>
+              <a:t>3/26/2018</a:t>
             </a:fld>
             <a:endParaRPr lang="en-US"/>
           </a:p>
@@ -2966,6 +6194,460 @@
       </p:grpSpPr>
       <p:sp>
         <p:nvSpPr>
+          <p:cNvPr id="107" name="Content Placeholder 2"/>
+          <p:cNvSpPr txBox="1">
+            <a:spLocks/>
+          </p:cNvSpPr>
+          <p:nvPr/>
+        </p:nvSpPr>
+        <p:spPr>
+          <a:xfrm>
+            <a:off x="0" y="1687"/>
+            <a:ext cx="12192000" cy="1385633"/>
+          </a:xfrm>
+          <a:prstGeom prst="rect">
+            <a:avLst/>
+          </a:prstGeom>
+          <a:solidFill>
+            <a:schemeClr val="tx1"/>
+          </a:solidFill>
+        </p:spPr>
+        <p:txBody>
+          <a:bodyPr vert="horz" lIns="91440" tIns="45720" rIns="91440" bIns="45720" rtlCol="0" anchor="ctr">
+            <a:normAutofit/>
+          </a:bodyPr>
+          <a:lstStyle>
+            <a:lvl1pPr marL="0" indent="0" algn="l" defTabSz="914400" rtl="0" eaLnBrk="1" latinLnBrk="0" hangingPunct="1">
+              <a:lnSpc>
+                <a:spcPct val="90000"/>
+              </a:lnSpc>
+              <a:spcBef>
+                <a:spcPts val="1000"/>
+              </a:spcBef>
+              <a:buFont typeface="Arial" panose="020B0604020202020204" pitchFamily="34" charset="0"/>
+              <a:buNone/>
+              <a:defRPr sz="2400" b="1" kern="1200" cap="all" baseline="0">
+                <a:solidFill>
+                  <a:schemeClr val="accent1"/>
+                </a:solidFill>
+                <a:latin typeface="Arial" panose="020B0604020202020204" pitchFamily="34" charset="0"/>
+                <a:ea typeface="+mn-ea"/>
+                <a:cs typeface="Arial" panose="020B0604020202020204" pitchFamily="34" charset="0"/>
+              </a:defRPr>
+            </a:lvl1pPr>
+            <a:lvl2pPr marL="685800" indent="-228600" algn="l" defTabSz="914400" rtl="0" eaLnBrk="1" latinLnBrk="0" hangingPunct="1">
+              <a:lnSpc>
+                <a:spcPct val="90000"/>
+              </a:lnSpc>
+              <a:spcBef>
+                <a:spcPts val="500"/>
+              </a:spcBef>
+              <a:buFont typeface="Arial" panose="020B0604020202020204" pitchFamily="34" charset="0"/>
+              <a:buChar char="•"/>
+              <a:defRPr sz="2400" kern="1200">
+                <a:solidFill>
+                  <a:schemeClr val="tx1"/>
+                </a:solidFill>
+                <a:latin typeface="Arial" panose="020B0604020202020204" pitchFamily="34" charset="0"/>
+                <a:ea typeface="+mn-ea"/>
+                <a:cs typeface="Arial" panose="020B0604020202020204" pitchFamily="34" charset="0"/>
+              </a:defRPr>
+            </a:lvl2pPr>
+            <a:lvl3pPr marL="1143000" indent="-228600" algn="l" defTabSz="914400" rtl="0" eaLnBrk="1" latinLnBrk="0" hangingPunct="1">
+              <a:lnSpc>
+                <a:spcPct val="90000"/>
+              </a:lnSpc>
+              <a:spcBef>
+                <a:spcPts val="500"/>
+              </a:spcBef>
+              <a:buFont typeface="Arial" panose="020B0604020202020204" pitchFamily="34" charset="0"/>
+              <a:buChar char="•"/>
+              <a:defRPr sz="2000" kern="1200">
+                <a:solidFill>
+                  <a:schemeClr val="tx1"/>
+                </a:solidFill>
+                <a:latin typeface="Arial" panose="020B0604020202020204" pitchFamily="34" charset="0"/>
+                <a:ea typeface="+mn-ea"/>
+                <a:cs typeface="Arial" panose="020B0604020202020204" pitchFamily="34" charset="0"/>
+              </a:defRPr>
+            </a:lvl3pPr>
+            <a:lvl4pPr marL="1600200" indent="-228600" algn="l" defTabSz="914400" rtl="0" eaLnBrk="1" latinLnBrk="0" hangingPunct="1">
+              <a:lnSpc>
+                <a:spcPct val="90000"/>
+              </a:lnSpc>
+              <a:spcBef>
+                <a:spcPts val="500"/>
+              </a:spcBef>
+              <a:buFont typeface="Arial" panose="020B0604020202020204" pitchFamily="34" charset="0"/>
+              <a:buChar char="•"/>
+              <a:defRPr sz="1800" kern="1200">
+                <a:solidFill>
+                  <a:schemeClr val="tx1"/>
+                </a:solidFill>
+                <a:latin typeface="Arial" panose="020B0604020202020204" pitchFamily="34" charset="0"/>
+                <a:ea typeface="+mn-ea"/>
+                <a:cs typeface="Arial" panose="020B0604020202020204" pitchFamily="34" charset="0"/>
+              </a:defRPr>
+            </a:lvl4pPr>
+            <a:lvl5pPr marL="2057400" indent="-228600" algn="l" defTabSz="914400" rtl="0" eaLnBrk="1" latinLnBrk="0" hangingPunct="1">
+              <a:lnSpc>
+                <a:spcPct val="90000"/>
+              </a:lnSpc>
+              <a:spcBef>
+                <a:spcPts val="500"/>
+              </a:spcBef>
+              <a:buFont typeface="Arial" panose="020B0604020202020204" pitchFamily="34" charset="0"/>
+              <a:buChar char="•"/>
+              <a:defRPr sz="1800" kern="1200">
+                <a:solidFill>
+                  <a:schemeClr val="tx1"/>
+                </a:solidFill>
+                <a:latin typeface="Arial" panose="020B0604020202020204" pitchFamily="34" charset="0"/>
+                <a:ea typeface="+mn-ea"/>
+                <a:cs typeface="Arial" panose="020B0604020202020204" pitchFamily="34" charset="0"/>
+              </a:defRPr>
+            </a:lvl5pPr>
+            <a:lvl6pPr marL="2514600" indent="-228600" algn="l" defTabSz="914400" rtl="0" eaLnBrk="1" latinLnBrk="0" hangingPunct="1">
+              <a:lnSpc>
+                <a:spcPct val="90000"/>
+              </a:lnSpc>
+              <a:spcBef>
+                <a:spcPts val="500"/>
+              </a:spcBef>
+              <a:buFont typeface="Arial" panose="020B0604020202020204" pitchFamily="34" charset="0"/>
+              <a:buChar char="•"/>
+              <a:defRPr sz="1800" kern="1200">
+                <a:solidFill>
+                  <a:schemeClr val="tx1"/>
+                </a:solidFill>
+                <a:latin typeface="+mn-lt"/>
+                <a:ea typeface="+mn-ea"/>
+                <a:cs typeface="+mn-cs"/>
+              </a:defRPr>
+            </a:lvl6pPr>
+            <a:lvl7pPr marL="2971800" indent="-228600" algn="l" defTabSz="914400" rtl="0" eaLnBrk="1" latinLnBrk="0" hangingPunct="1">
+              <a:lnSpc>
+                <a:spcPct val="90000"/>
+              </a:lnSpc>
+              <a:spcBef>
+                <a:spcPts val="500"/>
+              </a:spcBef>
+              <a:buFont typeface="Arial" panose="020B0604020202020204" pitchFamily="34" charset="0"/>
+              <a:buChar char="•"/>
+              <a:defRPr sz="1800" kern="1200">
+                <a:solidFill>
+                  <a:schemeClr val="tx1"/>
+                </a:solidFill>
+                <a:latin typeface="+mn-lt"/>
+                <a:ea typeface="+mn-ea"/>
+                <a:cs typeface="+mn-cs"/>
+              </a:defRPr>
+            </a:lvl7pPr>
+            <a:lvl8pPr marL="3429000" indent="-228600" algn="l" defTabSz="914400" rtl="0" eaLnBrk="1" latinLnBrk="0" hangingPunct="1">
+              <a:lnSpc>
+                <a:spcPct val="90000"/>
+              </a:lnSpc>
+              <a:spcBef>
+                <a:spcPts val="500"/>
+              </a:spcBef>
+              <a:buFont typeface="Arial" panose="020B0604020202020204" pitchFamily="34" charset="0"/>
+              <a:buChar char="•"/>
+              <a:defRPr sz="1800" kern="1200">
+                <a:solidFill>
+                  <a:schemeClr val="tx1"/>
+                </a:solidFill>
+                <a:latin typeface="+mn-lt"/>
+                <a:ea typeface="+mn-ea"/>
+                <a:cs typeface="+mn-cs"/>
+              </a:defRPr>
+            </a:lvl8pPr>
+            <a:lvl9pPr marL="3886200" indent="-228600" algn="l" defTabSz="914400" rtl="0" eaLnBrk="1" latinLnBrk="0" hangingPunct="1">
+              <a:lnSpc>
+                <a:spcPct val="90000"/>
+              </a:lnSpc>
+              <a:spcBef>
+                <a:spcPts val="500"/>
+              </a:spcBef>
+              <a:buFont typeface="Arial" panose="020B0604020202020204" pitchFamily="34" charset="0"/>
+              <a:buChar char="•"/>
+              <a:defRPr sz="1800" kern="1200">
+                <a:solidFill>
+                  <a:schemeClr val="tx1"/>
+                </a:solidFill>
+                <a:latin typeface="+mn-lt"/>
+                <a:ea typeface="+mn-ea"/>
+                <a:cs typeface="+mn-cs"/>
+              </a:defRPr>
+            </a:lvl9pPr>
+          </a:lstStyle>
+          <a:p>
+            <a:pPr marL="0" marR="0" lvl="0" indent="0" algn="l" defTabSz="914400" rtl="0" eaLnBrk="1" fontAlgn="auto" latinLnBrk="0" hangingPunct="1">
+              <a:lnSpc>
+                <a:spcPct val="90000"/>
+              </a:lnSpc>
+              <a:spcBef>
+                <a:spcPts val="1000"/>
+              </a:spcBef>
+              <a:spcAft>
+                <a:spcPts val="0"/>
+              </a:spcAft>
+              <a:buClrTx/>
+              <a:buSzTx/>
+              <a:buFont typeface="Arial" panose="020B0604020202020204" pitchFamily="34" charset="0"/>
+              <a:buNone/>
+              <a:tabLst/>
+              <a:defRPr/>
+            </a:pPr>
+            <a:r>
+              <a:rPr lang="en-US" sz="3200" noProof="0" dirty="0" smtClean="0">
+                <a:solidFill>
+                  <a:schemeClr val="bg1"/>
+                </a:solidFill>
+              </a:rPr>
+              <a:t>Team Members</a:t>
+            </a:r>
+            <a:endParaRPr kumimoji="0" lang="en-US" sz="3200" b="1" i="0" u="none" strike="noStrike" kern="1200" cap="all" spc="0" normalizeH="0" baseline="0" noProof="0" dirty="0">
+              <a:ln>
+                <a:noFill/>
+              </a:ln>
+              <a:solidFill>
+                <a:schemeClr val="bg1"/>
+              </a:solidFill>
+              <a:effectLst/>
+              <a:uLnTx/>
+              <a:uFillTx/>
+            </a:endParaRPr>
+          </a:p>
+        </p:txBody>
+      </p:sp>
+      <p:graphicFrame>
+        <p:nvGraphicFramePr>
+          <p:cNvPr id="9" name="Diagram 8"/>
+          <p:cNvGraphicFramePr/>
+          <p:nvPr>
+            <p:extLst>
+              <p:ext uri="{D42A27DB-BD31-4B8C-83A1-F6EECF244321}">
+                <p14:modId xmlns:p14="http://schemas.microsoft.com/office/powerpoint/2010/main" val="3559301077"/>
+              </p:ext>
+            </p:extLst>
+          </p:nvPr>
+        </p:nvGraphicFramePr>
+        <p:xfrm>
+          <a:off x="0" y="1387320"/>
+          <a:ext cx="12192000" cy="5470680"/>
+        </p:xfrm>
+        <a:graphic>
+          <a:graphicData uri="http://schemas.openxmlformats.org/drawingml/2006/diagram">
+            <dgm:relIds xmlns:dgm="http://schemas.openxmlformats.org/drawingml/2006/diagram" xmlns:r="http://schemas.openxmlformats.org/officeDocument/2006/relationships" r:dm="rId2" r:lo="rId3" r:qs="rId4" r:cs="rId5"/>
+          </a:graphicData>
+        </a:graphic>
+      </p:graphicFrame>
+    </p:spTree>
+    <p:extLst>
+      <p:ext uri="{BB962C8B-B14F-4D97-AF65-F5344CB8AC3E}">
+        <p14:creationId xmlns:p14="http://schemas.microsoft.com/office/powerpoint/2010/main" val="3497768786"/>
+      </p:ext>
+    </p:extLst>
+  </p:cSld>
+  <p:clrMapOvr>
+    <a:masterClrMapping/>
+  </p:clrMapOvr>
+  <p:timing>
+    <p:tnLst>
+      <p:par>
+        <p:cTn id="1" dur="indefinite" restart="never" nodeType="tmRoot"/>
+      </p:par>
+    </p:tnLst>
+  </p:timing>
+</p:sld>
+</file>
+
+<file path=ppt/slides/slide2.xml><?xml version="1.0" encoding="utf-8"?>
+<p:sld xmlns:a="http://schemas.openxmlformats.org/drawingml/2006/main" xmlns:r="http://schemas.openxmlformats.org/officeDocument/2006/relationships" xmlns:p="http://schemas.openxmlformats.org/presentationml/2006/main">
+  <p:cSld>
+    <p:spTree>
+      <p:nvGrpSpPr>
+        <p:cNvPr id="1" name=""/>
+        <p:cNvGrpSpPr/>
+        <p:nvPr/>
+      </p:nvGrpSpPr>
+      <p:grpSpPr>
+        <a:xfrm>
+          <a:off x="0" y="0"/>
+          <a:ext cx="0" cy="0"/>
+          <a:chOff x="0" y="0"/>
+          <a:chExt cx="0" cy="0"/>
+        </a:xfrm>
+      </p:grpSpPr>
+      <p:pic>
+        <p:nvPicPr>
+          <p:cNvPr id="54" name="Picture 53"/>
+          <p:cNvPicPr>
+            <a:picLocks noChangeAspect="1"/>
+          </p:cNvPicPr>
+          <p:nvPr/>
+        </p:nvPicPr>
+        <p:blipFill>
+          <a:blip r:embed="rId2"/>
+          <a:stretch>
+            <a:fillRect/>
+          </a:stretch>
+        </p:blipFill>
+        <p:spPr>
+          <a:xfrm>
+            <a:off x="8902035" y="3733408"/>
+            <a:ext cx="2933423" cy="2501162"/>
+          </a:xfrm>
+          <a:prstGeom prst="rect">
+            <a:avLst/>
+          </a:prstGeom>
+        </p:spPr>
+      </p:pic>
+      <p:cxnSp>
+        <p:nvCxnSpPr>
+          <p:cNvPr id="42" name="Straight Arrow Connector 41"/>
+          <p:cNvCxnSpPr/>
+          <p:nvPr/>
+        </p:nvCxnSpPr>
+        <p:spPr>
+          <a:xfrm>
+            <a:off x="1962433" y="3894686"/>
+            <a:ext cx="862614" cy="0"/>
+          </a:xfrm>
+          <a:prstGeom prst="straightConnector1">
+            <a:avLst/>
+          </a:prstGeom>
+          <a:ln>
+            <a:solidFill>
+              <a:schemeClr val="accent2"/>
+            </a:solidFill>
+            <a:tailEnd type="triangle"/>
+          </a:ln>
+        </p:spPr>
+        <p:style>
+          <a:lnRef idx="1">
+            <a:schemeClr val="accent1"/>
+          </a:lnRef>
+          <a:fillRef idx="0">
+            <a:schemeClr val="accent1"/>
+          </a:fillRef>
+          <a:effectRef idx="0">
+            <a:schemeClr val="accent1"/>
+          </a:effectRef>
+          <a:fontRef idx="minor">
+            <a:schemeClr val="tx1"/>
+          </a:fontRef>
+        </p:style>
+      </p:cxnSp>
+      <p:cxnSp>
+        <p:nvCxnSpPr>
+          <p:cNvPr id="26" name="Elbow Connector 25"/>
+          <p:cNvCxnSpPr/>
+          <p:nvPr/>
+        </p:nvCxnSpPr>
+        <p:spPr>
+          <a:xfrm>
+            <a:off x="1028090" y="3388867"/>
+            <a:ext cx="591968" cy="492809"/>
+          </a:xfrm>
+          <a:prstGeom prst="bentConnector3">
+            <a:avLst>
+              <a:gd name="adj1" fmla="val 50000"/>
+            </a:avLst>
+          </a:prstGeom>
+          <a:ln>
+            <a:tailEnd type="triangle"/>
+          </a:ln>
+        </p:spPr>
+        <p:style>
+          <a:lnRef idx="1">
+            <a:schemeClr val="accent2"/>
+          </a:lnRef>
+          <a:fillRef idx="0">
+            <a:schemeClr val="accent2"/>
+          </a:fillRef>
+          <a:effectRef idx="0">
+            <a:schemeClr val="accent2"/>
+          </a:effectRef>
+          <a:fontRef idx="minor">
+            <a:schemeClr val="tx1"/>
+          </a:fontRef>
+        </p:style>
+      </p:cxnSp>
+      <p:cxnSp>
+        <p:nvCxnSpPr>
+          <p:cNvPr id="223" name="Straight Connector 222"/>
+          <p:cNvCxnSpPr/>
+          <p:nvPr/>
+        </p:nvCxnSpPr>
+        <p:spPr>
+          <a:xfrm>
+            <a:off x="579147" y="3871128"/>
+            <a:ext cx="751946" cy="16183"/>
+          </a:xfrm>
+          <a:prstGeom prst="line">
+            <a:avLst/>
+          </a:prstGeom>
+          <a:ln>
+            <a:solidFill>
+              <a:schemeClr val="accent2"/>
+            </a:solidFill>
+          </a:ln>
+        </p:spPr>
+        <p:style>
+          <a:lnRef idx="1">
+            <a:schemeClr val="accent1"/>
+          </a:lnRef>
+          <a:fillRef idx="0">
+            <a:schemeClr val="accent1"/>
+          </a:fillRef>
+          <a:effectRef idx="0">
+            <a:schemeClr val="accent1"/>
+          </a:effectRef>
+          <a:fontRef idx="minor">
+            <a:schemeClr val="tx1"/>
+          </a:fontRef>
+        </p:style>
+      </p:cxnSp>
+      <p:cxnSp>
+        <p:nvCxnSpPr>
+          <p:cNvPr id="226" name="Elbow Connector 225"/>
+          <p:cNvCxnSpPr/>
+          <p:nvPr/>
+        </p:nvCxnSpPr>
+        <p:spPr>
+          <a:xfrm rot="5400000" flipH="1" flipV="1">
+            <a:off x="690221" y="3915321"/>
+            <a:ext cx="709179" cy="579192"/>
+          </a:xfrm>
+          <a:prstGeom prst="bentConnector3">
+            <a:avLst>
+              <a:gd name="adj1" fmla="val -564"/>
+            </a:avLst>
+          </a:prstGeom>
+          <a:ln>
+            <a:solidFill>
+              <a:schemeClr val="accent2"/>
+            </a:solidFill>
+          </a:ln>
+        </p:spPr>
+        <p:style>
+          <a:lnRef idx="1">
+            <a:schemeClr val="accent1"/>
+          </a:lnRef>
+          <a:fillRef idx="0">
+            <a:schemeClr val="accent1"/>
+          </a:fillRef>
+          <a:effectRef idx="0">
+            <a:schemeClr val="accent1"/>
+          </a:effectRef>
+          <a:fontRef idx="minor">
+            <a:schemeClr val="tx1"/>
+          </a:fontRef>
+        </p:style>
+      </p:cxnSp>
+      <p:sp>
+        <p:nvSpPr>
           <p:cNvPr id="109" name="Rectangle 108">
             <a:extLst>
               <a:ext uri="{FF2B5EF4-FFF2-40B4-BE49-F238E27FC236}">
@@ -2978,7 +6660,7 @@
         </p:nvSpPr>
         <p:spPr>
           <a:xfrm rot="5400000">
-            <a:off x="-318021" y="3517218"/>
+            <a:off x="-699761" y="3517218"/>
             <a:ext cx="2575108" cy="1033544"/>
           </a:xfrm>
           <a:prstGeom prst="rect">
@@ -3241,7 +6923,7 @@
               <a:defRPr/>
             </a:pPr>
             <a:r>
-              <a:rPr kumimoji="0" lang="en-US" sz="3200" b="1" i="0" u="none" strike="noStrike" kern="1200" cap="all" spc="0" normalizeH="0" baseline="0" noProof="0" dirty="0" smtClean="0">
+              <a:rPr kumimoji="0" lang="en-US" sz="3200" b="1" i="0" u="none" strike="noStrike" kern="1200" cap="all" spc="0" normalizeH="0" baseline="0" noProof="0" dirty="0">
                 <a:ln>
                   <a:noFill/>
                 </a:ln>
@@ -3255,7 +6937,7 @@
               <a:t>Living</a:t>
             </a:r>
             <a:r>
-              <a:rPr kumimoji="0" lang="en-US" sz="3200" b="1" i="0" u="none" strike="noStrike" kern="1200" cap="all" spc="0" normalizeH="0" noProof="0" dirty="0" smtClean="0">
+              <a:rPr kumimoji="0" lang="en-US" sz="3200" b="1" i="0" u="none" strike="noStrike" kern="1200" cap="all" spc="0" normalizeH="0" noProof="0" dirty="0">
                 <a:ln>
                   <a:noFill/>
                 </a:ln>
@@ -3288,7 +6970,7 @@
               <a:defRPr/>
             </a:pPr>
             <a:r>
-              <a:rPr lang="en-US" sz="3200" noProof="0" dirty="0" smtClean="0">
+              <a:rPr lang="en-US" sz="3200" noProof="0" dirty="0">
                 <a:solidFill>
                   <a:schemeClr val="bg1"/>
                 </a:solidFill>
@@ -3323,7 +7005,7 @@
         </p:nvSpPr>
         <p:spPr>
           <a:xfrm>
-            <a:off x="572375" y="2902692"/>
+            <a:off x="190635" y="2902692"/>
             <a:ext cx="798295" cy="514790"/>
           </a:xfrm>
           <a:prstGeom prst="can">
@@ -3361,7 +7043,7 @@
               <a:defRPr/>
             </a:pPr>
             <a:r>
-              <a:rPr kumimoji="0" lang="en-US" sz="900" b="0" i="0" u="none" strike="noStrike" kern="0" cap="none" spc="0" normalizeH="0" baseline="0" noProof="0" dirty="0" smtClean="0">
+              <a:rPr kumimoji="0" lang="en-US" sz="900" b="0" i="0" u="none" strike="noStrike" kern="0" cap="none" spc="0" normalizeH="0" baseline="0" noProof="0" dirty="0">
                 <a:ln>
                   <a:noFill/>
                 </a:ln>
@@ -3377,20 +7059,6 @@
               </a:rPr>
               <a:t>REALTOR.COM</a:t>
             </a:r>
-            <a:endParaRPr kumimoji="0" lang="en-US" sz="900" b="0" i="0" u="none" strike="noStrike" kern="0" cap="none" spc="0" normalizeH="0" baseline="0" noProof="0" dirty="0">
-              <a:ln>
-                <a:noFill/>
-              </a:ln>
-              <a:solidFill>
-                <a:srgbClr val="F2F2F2"/>
-              </a:solidFill>
-              <a:effectLst/>
-              <a:uLnTx/>
-              <a:uFillTx/>
-              <a:latin typeface="Arial" panose="020B0604020202020204"/>
-              <a:ea typeface="+mn-ea"/>
-              <a:cs typeface="+mn-cs"/>
-            </a:endParaRPr>
           </a:p>
         </p:txBody>
       </p:sp>
@@ -3408,7 +7076,7 @@
         </p:nvSpPr>
         <p:spPr>
           <a:xfrm>
-            <a:off x="494236" y="3434548"/>
+            <a:off x="112496" y="3434548"/>
             <a:ext cx="915594" cy="200055"/>
           </a:xfrm>
           <a:prstGeom prst="rect">
@@ -3440,7 +7108,7 @@
               <a:defRPr/>
             </a:pPr>
             <a:r>
-              <a:rPr lang="en-US" sz="700" kern="0" noProof="0" dirty="0" smtClean="0">
+              <a:rPr lang="en-US" sz="700" kern="0" noProof="0" dirty="0">
                 <a:solidFill>
                   <a:srgbClr val="FFFF00"/>
                 </a:solidFill>
@@ -3477,7 +7145,7 @@
         </p:nvSpPr>
         <p:spPr>
           <a:xfrm>
-            <a:off x="389323" y="2452964"/>
+            <a:off x="7583" y="2452964"/>
             <a:ext cx="1247395" cy="261610"/>
           </a:xfrm>
           <a:prstGeom prst="rect">
@@ -3495,7 +7163,7 @@
               <a:defRPr/>
             </a:pPr>
             <a:r>
-              <a:rPr lang="en-US" sz="1100" b="1" dirty="0" smtClean="0">
+              <a:rPr lang="en-US" sz="1100" b="1" dirty="0">
                 <a:solidFill>
                   <a:srgbClr val="FF671F"/>
                 </a:solidFill>
@@ -3503,176 +7171,9 @@
               </a:rPr>
               <a:t>SOURCE DATA</a:t>
             </a:r>
-            <a:endParaRPr lang="en-US" sz="1100" b="1" dirty="0">
-              <a:solidFill>
-                <a:srgbClr val="FF671F"/>
-              </a:solidFill>
-              <a:latin typeface="Arial" panose="020B0604020202020204"/>
-            </a:endParaRPr>
           </a:p>
         </p:txBody>
       </p:sp>
-      <p:grpSp>
-        <p:nvGrpSpPr>
-          <p:cNvPr id="190" name="Group 189">
-            <a:extLst>
-              <a:ext uri="{FF2B5EF4-FFF2-40B4-BE49-F238E27FC236}">
-                <a16:creationId xmlns:a16="http://schemas.microsoft.com/office/drawing/2014/main" xmlns="" id="{2AA8D21A-7BE1-9049-B6DA-968B46AAE098}"/>
-              </a:ext>
-            </a:extLst>
-          </p:cNvPr>
-          <p:cNvGrpSpPr/>
-          <p:nvPr/>
-        </p:nvGrpSpPr>
-        <p:grpSpPr>
-          <a:xfrm>
-            <a:off x="1065861" y="5626059"/>
-            <a:ext cx="184514" cy="311237"/>
-            <a:chOff x="5930855" y="-329385"/>
-            <a:chExt cx="184514" cy="311237"/>
-          </a:xfrm>
-        </p:grpSpPr>
-        <p:sp>
-          <p:nvSpPr>
-            <p:cNvPr id="191" name="Triangle 251">
-              <a:extLst>
-                <a:ext uri="{FF2B5EF4-FFF2-40B4-BE49-F238E27FC236}">
-                  <a16:creationId xmlns:a16="http://schemas.microsoft.com/office/drawing/2014/main" xmlns="" id="{F0BF1712-3208-584D-AB00-C247AFCD66ED}"/>
-                </a:ext>
-              </a:extLst>
-            </p:cNvPr>
-            <p:cNvSpPr/>
-            <p:nvPr/>
-          </p:nvSpPr>
-          <p:spPr>
-            <a:xfrm rot="10632072">
-              <a:off x="5944808" y="-219316"/>
-              <a:ext cx="170561" cy="201168"/>
-            </a:xfrm>
-            <a:prstGeom prst="triangle">
-              <a:avLst/>
-            </a:prstGeom>
-            <a:solidFill>
-              <a:srgbClr val="FFFFFF"/>
-            </a:solidFill>
-            <a:ln w="12700" cap="flat" cmpd="sng" algn="ctr">
-              <a:solidFill>
-                <a:srgbClr val="FFFFFF"/>
-              </a:solidFill>
-              <a:prstDash val="solid"/>
-              <a:miter lim="800000"/>
-            </a:ln>
-            <a:effectLst/>
-          </p:spPr>
-          <p:txBody>
-            <a:bodyPr rtlCol="0" anchor="ctr"/>
-            <a:lstStyle/>
-            <a:p>
-              <a:pPr marL="0" marR="0" lvl="0" indent="0" algn="ctr" defTabSz="914400" eaLnBrk="1" fontAlgn="auto" latinLnBrk="0" hangingPunct="1">
-                <a:lnSpc>
-                  <a:spcPct val="100000"/>
-                </a:lnSpc>
-                <a:spcBef>
-                  <a:spcPts val="0"/>
-                </a:spcBef>
-                <a:spcAft>
-                  <a:spcPts val="0"/>
-                </a:spcAft>
-                <a:buClrTx/>
-                <a:buSzTx/>
-                <a:buFontTx/>
-                <a:buNone/>
-                <a:tabLst/>
-                <a:defRPr/>
-              </a:pPr>
-              <a:endParaRPr kumimoji="0" lang="en-US" sz="1800" b="0" i="0" u="none" strike="noStrike" kern="0" cap="none" spc="0" normalizeH="0" baseline="0" noProof="0">
-                <a:ln>
-                  <a:noFill/>
-                </a:ln>
-                <a:solidFill>
-                  <a:srgbClr val="F2F2F2"/>
-                </a:solidFill>
-                <a:effectLst/>
-                <a:uLnTx/>
-                <a:uFillTx/>
-                <a:latin typeface="Arial" panose="020B0604020202020204"/>
-                <a:ea typeface="+mn-ea"/>
-                <a:cs typeface="+mn-cs"/>
-              </a:endParaRPr>
-            </a:p>
-          </p:txBody>
-        </p:sp>
-        <p:sp>
-          <p:nvSpPr>
-            <p:cNvPr id="192" name="Oval 191">
-              <a:extLst>
-                <a:ext uri="{FF2B5EF4-FFF2-40B4-BE49-F238E27FC236}">
-                  <a16:creationId xmlns:a16="http://schemas.microsoft.com/office/drawing/2014/main" xmlns="" id="{5ED9066D-0796-5F41-87F5-F0789946B787}"/>
-                </a:ext>
-              </a:extLst>
-            </p:cNvPr>
-            <p:cNvSpPr/>
-            <p:nvPr/>
-          </p:nvSpPr>
-          <p:spPr>
-            <a:xfrm>
-              <a:off x="5930855" y="-329385"/>
-              <a:ext cx="170561" cy="103405"/>
-            </a:xfrm>
-            <a:prstGeom prst="ellipse">
-              <a:avLst/>
-            </a:prstGeom>
-            <a:solidFill>
-              <a:srgbClr val="FFFFFF"/>
-            </a:solidFill>
-            <a:ln w="12700" cap="flat" cmpd="sng" algn="ctr">
-              <a:solidFill>
-                <a:srgbClr val="FFFFFF"/>
-              </a:solidFill>
-              <a:prstDash val="solid"/>
-              <a:miter lim="800000"/>
-            </a:ln>
-            <a:effectLst/>
-          </p:spPr>
-          <p:txBody>
-            <a:bodyPr rtlCol="0" anchor="ctr"/>
-            <a:lstStyle/>
-            <a:p>
-              <a:pPr marL="0" marR="0" lvl="0" indent="0" algn="ctr" defTabSz="914400" eaLnBrk="1" fontAlgn="auto" latinLnBrk="0" hangingPunct="1">
-                <a:lnSpc>
-                  <a:spcPct val="100000"/>
-                </a:lnSpc>
-                <a:spcBef>
-                  <a:spcPts val="0"/>
-                </a:spcBef>
-                <a:spcAft>
-                  <a:spcPts val="0"/>
-                </a:spcAft>
-                <a:buClrTx/>
-                <a:buSzTx/>
-                <a:buFontTx/>
-                <a:buNone/>
-                <a:tabLst/>
-                <a:defRPr/>
-              </a:pPr>
-              <a:endParaRPr kumimoji="0" lang="en-US" sz="1800" b="0" i="0" u="none" strike="noStrike" kern="0" cap="none" spc="0" normalizeH="0" baseline="0" noProof="0">
-                <a:ln>
-                  <a:noFill/>
-                </a:ln>
-                <a:solidFill>
-                  <a:srgbClr val="F2F2F2"/>
-                </a:solidFill>
-                <a:effectLst/>
-                <a:uLnTx/>
-                <a:uFillTx/>
-                <a:latin typeface="Arial" panose="020B0604020202020204"/>
-                <a:ea typeface="+mn-ea"/>
-                <a:cs typeface="+mn-cs"/>
-              </a:endParaRPr>
-            </a:p>
-          </p:txBody>
-        </p:sp>
-      </p:grpSp>
       <p:sp>
         <p:nvSpPr>
           <p:cNvPr id="210" name="Can 209">
@@ -3687,7 +7188,7 @@
         </p:nvSpPr>
         <p:spPr>
           <a:xfrm>
-            <a:off x="561271" y="4436679"/>
+            <a:off x="179531" y="4436679"/>
             <a:ext cx="798295" cy="393339"/>
           </a:xfrm>
           <a:prstGeom prst="can">
@@ -3725,7 +7226,7 @@
               <a:defRPr/>
             </a:pPr>
             <a:r>
-              <a:rPr lang="en-US" sz="900" kern="0" dirty="0" smtClean="0">
+              <a:rPr lang="en-US" sz="900" kern="0" dirty="0">
                 <a:solidFill>
                   <a:srgbClr val="F2F2F2"/>
                 </a:solidFill>
@@ -3764,7 +7265,7 @@
         </p:nvSpPr>
         <p:spPr>
           <a:xfrm>
-            <a:off x="513725" y="4155332"/>
+            <a:off x="131985" y="4155332"/>
             <a:ext cx="915594" cy="200055"/>
           </a:xfrm>
           <a:prstGeom prst="rect">
@@ -3796,7 +7297,7 @@
               <a:defRPr/>
             </a:pPr>
             <a:r>
-              <a:rPr lang="en-US" sz="700" kern="0" noProof="0" dirty="0" smtClean="0">
+              <a:rPr lang="en-US" sz="700" kern="0" noProof="0" dirty="0">
                 <a:solidFill>
                   <a:srgbClr val="FFFF00"/>
                 </a:solidFill>
@@ -3833,7 +7334,7 @@
         </p:nvSpPr>
         <p:spPr>
           <a:xfrm>
-            <a:off x="566933" y="3765481"/>
+            <a:off x="185193" y="3765481"/>
             <a:ext cx="798295" cy="393339"/>
           </a:xfrm>
           <a:prstGeom prst="can">
@@ -3871,7 +7372,7 @@
               <a:defRPr/>
             </a:pPr>
             <a:r>
-              <a:rPr lang="en-US" sz="900" kern="0" dirty="0" smtClean="0">
+              <a:rPr lang="en-US" sz="900" kern="0" dirty="0">
                 <a:solidFill>
                   <a:srgbClr val="F2F2F2"/>
                 </a:solidFill>
@@ -3880,7 +7381,7 @@
               <a:t>DICE</a:t>
             </a:r>
             <a:r>
-              <a:rPr kumimoji="0" lang="en-US" sz="900" b="0" i="0" u="none" strike="noStrike" kern="0" cap="none" spc="0" normalizeH="0" baseline="0" noProof="0" dirty="0" smtClean="0">
+              <a:rPr kumimoji="0" lang="en-US" sz="900" b="0" i="0" u="none" strike="noStrike" kern="0" cap="none" spc="0" normalizeH="0" baseline="0" noProof="0" dirty="0">
                 <a:ln>
                   <a:noFill/>
                 </a:ln>
@@ -3896,20 +7397,6 @@
               </a:rPr>
               <a:t>.COM</a:t>
             </a:r>
-            <a:endParaRPr kumimoji="0" lang="en-US" sz="900" b="0" i="0" u="none" strike="noStrike" kern="0" cap="none" spc="0" normalizeH="0" baseline="0" noProof="0" dirty="0">
-              <a:ln>
-                <a:noFill/>
-              </a:ln>
-              <a:solidFill>
-                <a:srgbClr val="F2F2F2"/>
-              </a:solidFill>
-              <a:effectLst/>
-              <a:uLnTx/>
-              <a:uFillTx/>
-              <a:latin typeface="Arial" panose="020B0604020202020204"/>
-              <a:ea typeface="+mn-ea"/>
-              <a:cs typeface="+mn-cs"/>
-            </a:endParaRPr>
           </a:p>
         </p:txBody>
       </p:sp>
@@ -3927,7 +7414,7 @@
         </p:nvSpPr>
         <p:spPr>
           <a:xfrm>
-            <a:off x="506015" y="4904928"/>
+            <a:off x="124275" y="4904928"/>
             <a:ext cx="915594" cy="307777"/>
           </a:xfrm>
           <a:prstGeom prst="rect">
@@ -3959,7 +7446,7 @@
               <a:defRPr/>
             </a:pPr>
             <a:r>
-              <a:rPr lang="en-US" sz="700" kern="0" noProof="0" dirty="0" smtClean="0">
+              <a:rPr lang="en-US" sz="700" kern="0" noProof="0" dirty="0">
                 <a:solidFill>
                   <a:srgbClr val="FFFF00"/>
                 </a:solidFill>
@@ -3982,267 +7469,123 @@
           </a:p>
         </p:txBody>
       </p:sp>
-      <p:cxnSp>
-        <p:nvCxnSpPr>
-          <p:cNvPr id="215" name="Elbow Connector 214"/>
-          <p:cNvCxnSpPr/>
-          <p:nvPr/>
-        </p:nvCxnSpPr>
-        <p:spPr>
-          <a:xfrm>
-            <a:off x="1502006" y="3180876"/>
-            <a:ext cx="1003905" cy="773370"/>
-          </a:xfrm>
-          <a:prstGeom prst="bentConnector3">
-            <a:avLst>
-              <a:gd name="adj1" fmla="val 50000"/>
-            </a:avLst>
-          </a:prstGeom>
-          <a:ln>
-            <a:solidFill>
-              <a:schemeClr val="accent2"/>
-            </a:solidFill>
-            <a:tailEnd type="triangle"/>
-          </a:ln>
-        </p:spPr>
-        <p:style>
-          <a:lnRef idx="1">
-            <a:schemeClr val="accent1"/>
-          </a:lnRef>
-          <a:fillRef idx="0">
-            <a:schemeClr val="accent1"/>
-          </a:fillRef>
-          <a:effectRef idx="0">
-            <a:schemeClr val="accent1"/>
-          </a:effectRef>
-          <a:fontRef idx="minor">
-            <a:schemeClr val="tx1"/>
-          </a:fontRef>
-        </p:style>
-      </p:cxnSp>
-      <p:cxnSp>
-        <p:nvCxnSpPr>
-          <p:cNvPr id="223" name="Straight Connector 222"/>
-          <p:cNvCxnSpPr/>
-          <p:nvPr/>
-        </p:nvCxnSpPr>
-        <p:spPr>
-          <a:xfrm>
-            <a:off x="1396457" y="3944557"/>
-            <a:ext cx="1109454" cy="14875"/>
-          </a:xfrm>
-          <a:prstGeom prst="line">
-            <a:avLst/>
-          </a:prstGeom>
-          <a:ln>
-            <a:solidFill>
-              <a:schemeClr val="accent2"/>
-            </a:solidFill>
-          </a:ln>
-        </p:spPr>
-        <p:style>
-          <a:lnRef idx="1">
-            <a:schemeClr val="accent1"/>
-          </a:lnRef>
-          <a:fillRef idx="0">
-            <a:schemeClr val="accent1"/>
-          </a:fillRef>
-          <a:effectRef idx="0">
-            <a:schemeClr val="accent1"/>
-          </a:effectRef>
-          <a:fontRef idx="minor">
-            <a:schemeClr val="tx1"/>
-          </a:fontRef>
-        </p:style>
-      </p:cxnSp>
-      <p:cxnSp>
-        <p:nvCxnSpPr>
-          <p:cNvPr id="226" name="Elbow Connector 225"/>
-          <p:cNvCxnSpPr/>
-          <p:nvPr/>
-        </p:nvCxnSpPr>
-        <p:spPr>
-          <a:xfrm rot="5400000" flipH="1" flipV="1">
-            <a:off x="1377495" y="4022397"/>
-            <a:ext cx="690613" cy="586963"/>
-          </a:xfrm>
-          <a:prstGeom prst="bentConnector3">
-            <a:avLst>
-              <a:gd name="adj1" fmla="val -134"/>
-            </a:avLst>
-          </a:prstGeom>
-          <a:ln>
-            <a:solidFill>
-              <a:schemeClr val="accent2"/>
-            </a:solidFill>
-          </a:ln>
-        </p:spPr>
-        <p:style>
-          <a:lnRef idx="1">
-            <a:schemeClr val="accent1"/>
-          </a:lnRef>
-          <a:fillRef idx="0">
-            <a:schemeClr val="accent1"/>
-          </a:fillRef>
-          <a:effectRef idx="0">
-            <a:schemeClr val="accent1"/>
-          </a:effectRef>
-          <a:fontRef idx="minor">
-            <a:schemeClr val="tx1"/>
-          </a:fontRef>
-        </p:style>
-      </p:cxnSp>
-      <p:grpSp>
-        <p:nvGrpSpPr>
-          <p:cNvPr id="93" name="Group 92">
+      <p:sp>
+        <p:nvSpPr>
+          <p:cNvPr id="94" name="Rectangle 93">
             <a:extLst>
               <a:ext uri="{FF2B5EF4-FFF2-40B4-BE49-F238E27FC236}">
-                <a16:creationId xmlns:a16="http://schemas.microsoft.com/office/drawing/2014/main" xmlns="" id="{5E6E0E34-4B08-1B41-A9A3-FCC264FB1AC1}"/>
+                <a16:creationId xmlns:a16="http://schemas.microsoft.com/office/drawing/2014/main" xmlns="" id="{C4603F42-00FA-A64A-B730-EF7F8361F8A3}"/>
               </a:ext>
             </a:extLst>
           </p:cNvPr>
-          <p:cNvGrpSpPr/>
+          <p:cNvSpPr/>
           <p:nvPr/>
-        </p:nvGrpSpPr>
-        <p:grpSpPr>
+        </p:nvSpPr>
+        <p:spPr>
+          <a:xfrm rot="5400000">
+            <a:off x="1625803" y="3640287"/>
+            <a:ext cx="505924" cy="488513"/>
+          </a:xfrm>
+          <a:prstGeom prst="rect">
+            <a:avLst/>
+          </a:prstGeom>
+          <a:solidFill>
+            <a:srgbClr val="47A253"/>
+          </a:solidFill>
+          <a:ln w="19050" cap="flat" cmpd="sng" algn="ctr">
+            <a:solidFill>
+              <a:srgbClr val="F2F2F2"/>
+            </a:solidFill>
+            <a:prstDash val="solid"/>
+            <a:miter lim="800000"/>
+          </a:ln>
+          <a:effectLst/>
+        </p:spPr>
+        <p:txBody>
+          <a:bodyPr rtlCol="0" anchor="ctr"/>
+          <a:lstStyle/>
+          <a:p>
+            <a:pPr marL="0" marR="0" lvl="0" indent="0" algn="ctr" defTabSz="914400" eaLnBrk="1" fontAlgn="auto" latinLnBrk="0" hangingPunct="1">
+              <a:lnSpc>
+                <a:spcPct val="100000"/>
+              </a:lnSpc>
+              <a:spcBef>
+                <a:spcPts val="0"/>
+              </a:spcBef>
+              <a:spcAft>
+                <a:spcPts val="0"/>
+              </a:spcAft>
+              <a:buClrTx/>
+              <a:buSzTx/>
+              <a:buFontTx/>
+              <a:buNone/>
+              <a:tabLst/>
+              <a:defRPr/>
+            </a:pPr>
+            <a:endParaRPr kumimoji="0" lang="en-US" sz="1100" b="1" i="0" u="none" strike="noStrike" kern="0" cap="none" spc="0" normalizeH="0" baseline="0" noProof="0" dirty="0">
+              <a:ln>
+                <a:noFill/>
+              </a:ln>
+              <a:solidFill>
+                <a:srgbClr val="000000"/>
+              </a:solidFill>
+              <a:effectLst/>
+              <a:uLnTx/>
+              <a:uFillTx/>
+              <a:latin typeface="Arial" panose="020B0604020202020204"/>
+              <a:ea typeface="+mn-ea"/>
+              <a:cs typeface="+mn-cs"/>
+            </a:endParaRPr>
+          </a:p>
+        </p:txBody>
+      </p:sp>
+      <p:sp>
+        <p:nvSpPr>
+          <p:cNvPr id="95" name="TextBox 94">
+            <a:extLst>
+              <a:ext uri="{FF2B5EF4-FFF2-40B4-BE49-F238E27FC236}">
+                <a16:creationId xmlns:a16="http://schemas.microsoft.com/office/drawing/2014/main" xmlns="" id="{B36CBBE0-3D01-1D41-94B2-F3CFF5628A0D}"/>
+              </a:ext>
+            </a:extLst>
+          </p:cNvPr>
+          <p:cNvSpPr txBox="1"/>
+          <p:nvPr/>
+        </p:nvSpPr>
+        <p:spPr>
           <a:xfrm>
-            <a:off x="2462864" y="3634603"/>
-            <a:ext cx="756879" cy="590297"/>
-            <a:chOff x="5903887" y="5837808"/>
-            <a:chExt cx="1503517" cy="590297"/>
+            <a:off x="1488786" y="3697008"/>
+            <a:ext cx="756879" cy="369332"/>
           </a:xfrm>
-        </p:grpSpPr>
-        <p:sp>
-          <p:nvSpPr>
-            <p:cNvPr id="94" name="Rectangle 93">
-              <a:extLst>
-                <a:ext uri="{FF2B5EF4-FFF2-40B4-BE49-F238E27FC236}">
-                  <a16:creationId xmlns:a16="http://schemas.microsoft.com/office/drawing/2014/main" xmlns="" id="{C4603F42-00FA-A64A-B730-EF7F8361F8A3}"/>
-                </a:ext>
-              </a:extLst>
-            </p:cNvPr>
-            <p:cNvSpPr/>
-            <p:nvPr/>
-          </p:nvSpPr>
-          <p:spPr>
-            <a:xfrm rot="5400000">
-              <a:off x="6342321" y="5516076"/>
-              <a:ext cx="590297" cy="1233762"/>
-            </a:xfrm>
-            <a:prstGeom prst="rect">
-              <a:avLst/>
-            </a:prstGeom>
-            <a:solidFill>
-              <a:srgbClr val="47A253"/>
-            </a:solidFill>
-            <a:ln w="19050" cap="flat" cmpd="sng" algn="ctr">
-              <a:solidFill>
-                <a:srgbClr val="F2F2F2"/>
-              </a:solidFill>
-              <a:prstDash val="solid"/>
-              <a:miter lim="800000"/>
-            </a:ln>
-            <a:effectLst/>
-          </p:spPr>
-          <p:txBody>
-            <a:bodyPr rtlCol="0" anchor="ctr"/>
-            <a:lstStyle/>
-            <a:p>
-              <a:pPr marL="0" marR="0" lvl="0" indent="0" algn="ctr" defTabSz="914400" eaLnBrk="1" fontAlgn="auto" latinLnBrk="0" hangingPunct="1">
-                <a:lnSpc>
-                  <a:spcPct val="100000"/>
-                </a:lnSpc>
-                <a:spcBef>
-                  <a:spcPts val="0"/>
-                </a:spcBef>
-                <a:spcAft>
-                  <a:spcPts val="0"/>
-                </a:spcAft>
-                <a:buClrTx/>
-                <a:buSzTx/>
-                <a:buFontTx/>
-                <a:buNone/>
-                <a:tabLst/>
-                <a:defRPr/>
-              </a:pPr>
-              <a:endParaRPr kumimoji="0" lang="en-US" sz="1100" b="1" i="0" u="none" strike="noStrike" kern="0" cap="none" spc="0" normalizeH="0" baseline="0" noProof="0" dirty="0">
-                <a:ln>
-                  <a:noFill/>
-                </a:ln>
-                <a:solidFill>
-                  <a:srgbClr val="000000"/>
-                </a:solidFill>
-                <a:effectLst/>
-                <a:uLnTx/>
-                <a:uFillTx/>
-                <a:latin typeface="Arial" panose="020B0604020202020204"/>
-                <a:ea typeface="+mn-ea"/>
-                <a:cs typeface="+mn-cs"/>
-              </a:endParaRPr>
-            </a:p>
-          </p:txBody>
-        </p:sp>
-        <p:sp>
-          <p:nvSpPr>
-            <p:cNvPr id="95" name="TextBox 94">
-              <a:extLst>
-                <a:ext uri="{FF2B5EF4-FFF2-40B4-BE49-F238E27FC236}">
-                  <a16:creationId xmlns:a16="http://schemas.microsoft.com/office/drawing/2014/main" xmlns="" id="{B36CBBE0-3D01-1D41-94B2-F3CFF5628A0D}"/>
-                </a:ext>
-              </a:extLst>
-            </p:cNvPr>
-            <p:cNvSpPr txBox="1"/>
-            <p:nvPr/>
-          </p:nvSpPr>
-          <p:spPr>
-            <a:xfrm>
-              <a:off x="5903887" y="5948291"/>
-              <a:ext cx="1503517" cy="369332"/>
-            </a:xfrm>
-            <a:prstGeom prst="rect">
-              <a:avLst/>
-            </a:prstGeom>
-            <a:noFill/>
-          </p:spPr>
-          <p:txBody>
-            <a:bodyPr wrap="square" rtlCol="0">
-              <a:spAutoFit/>
-            </a:bodyPr>
-            <a:lstStyle/>
-            <a:p>
-              <a:pPr marL="0" marR="0" lvl="0" indent="0" algn="ctr" defTabSz="914400" eaLnBrk="1" fontAlgn="auto" latinLnBrk="0" hangingPunct="1">
-                <a:lnSpc>
-                  <a:spcPct val="100000"/>
-                </a:lnSpc>
-                <a:spcBef>
-                  <a:spcPts val="0"/>
-                </a:spcBef>
-                <a:spcAft>
-                  <a:spcPts val="0"/>
-                </a:spcAft>
-                <a:buClrTx/>
-                <a:buSzTx/>
-                <a:buFontTx/>
-                <a:buNone/>
-                <a:tabLst/>
-                <a:defRPr/>
-              </a:pPr>
-              <a:r>
-                <a:rPr kumimoji="0" lang="en-US" sz="900" b="1" i="0" u="none" strike="noStrike" kern="0" cap="none" spc="0" normalizeH="0" baseline="0" noProof="0" dirty="0" smtClean="0">
-                  <a:ln>
-                    <a:noFill/>
-                  </a:ln>
-                  <a:solidFill>
-                    <a:srgbClr val="FFFFFF"/>
-                  </a:solidFill>
-                  <a:effectLst/>
-                  <a:uLnTx/>
-                  <a:uFillTx/>
-                  <a:latin typeface="Arial" panose="020B0604020202020204"/>
-                </a:rPr>
-                <a:t>CSV FILES</a:t>
-              </a:r>
-              <a:endParaRPr kumimoji="0" lang="en-US" sz="900" b="1" i="0" u="none" strike="noStrike" kern="0" cap="none" spc="0" normalizeH="0" baseline="0" noProof="0" dirty="0">
+          <a:prstGeom prst="rect">
+            <a:avLst/>
+          </a:prstGeom>
+          <a:noFill/>
+        </p:spPr>
+        <p:txBody>
+          <a:bodyPr wrap="square" rtlCol="0">
+            <a:spAutoFit/>
+          </a:bodyPr>
+          <a:lstStyle/>
+          <a:p>
+            <a:pPr marL="0" marR="0" lvl="0" indent="0" algn="ctr" defTabSz="914400" eaLnBrk="1" fontAlgn="auto" latinLnBrk="0" hangingPunct="1">
+              <a:lnSpc>
+                <a:spcPct val="100000"/>
+              </a:lnSpc>
+              <a:spcBef>
+                <a:spcPts val="0"/>
+              </a:spcBef>
+              <a:spcAft>
+                <a:spcPts val="0"/>
+              </a:spcAft>
+              <a:buClrTx/>
+              <a:buSzTx/>
+              <a:buFontTx/>
+              <a:buNone/>
+              <a:tabLst/>
+              <a:defRPr/>
+            </a:pPr>
+            <a:r>
+              <a:rPr kumimoji="0" lang="en-US" sz="900" b="1" i="0" u="none" strike="noStrike" kern="0" cap="none" spc="0" normalizeH="0" baseline="0" noProof="0" dirty="0">
                 <a:ln>
                   <a:noFill/>
                 </a:ln>
@@ -4253,11 +7596,12 @@
                 <a:uLnTx/>
                 <a:uFillTx/>
                 <a:latin typeface="Arial" panose="020B0604020202020204"/>
-              </a:endParaRPr>
-            </a:p>
-          </p:txBody>
-        </p:sp>
-      </p:grpSp>
+              </a:rPr>
+              <a:t>CSV FILES</a:t>
+            </a:r>
+          </a:p>
+        </p:txBody>
+      </p:sp>
       <p:pic>
         <p:nvPicPr>
           <p:cNvPr id="3" name="Picture 2"/>
@@ -4267,14 +7611,14 @@
           <p:nvPr/>
         </p:nvPicPr>
         <p:blipFill>
-          <a:blip r:embed="rId2"/>
+          <a:blip r:embed="rId3"/>
           <a:stretch>
             <a:fillRect/>
           </a:stretch>
         </p:blipFill>
         <p:spPr>
           <a:xfrm>
-            <a:off x="4090220" y="4522576"/>
+            <a:off x="4592250" y="4522576"/>
             <a:ext cx="3476260" cy="776026"/>
           </a:xfrm>
           <a:prstGeom prst="rect">
@@ -4295,7 +7639,7 @@
         </p:nvCxnSpPr>
         <p:spPr>
           <a:xfrm>
-            <a:off x="3115843" y="3960740"/>
+            <a:off x="3617873" y="3889020"/>
             <a:ext cx="974377" cy="940017"/>
           </a:xfrm>
           <a:prstGeom prst="bentConnector3">
@@ -4328,18 +7672,18 @@
       <p:cxnSp>
         <p:nvCxnSpPr>
           <p:cNvPr id="103" name="Elbow Connector 102"/>
-          <p:cNvCxnSpPr/>
+          <p:cNvCxnSpPr>
+            <a:endCxn id="11" idx="1"/>
+          </p:cNvCxnSpPr>
           <p:nvPr/>
         </p:nvCxnSpPr>
         <p:spPr>
           <a:xfrm rot="5400000" flipH="1" flipV="1">
-            <a:off x="3092817" y="3336257"/>
-            <a:ext cx="901276" cy="364369"/>
+            <a:off x="3679767" y="3212009"/>
+            <a:ext cx="940605" cy="573539"/>
           </a:xfrm>
-          <a:prstGeom prst="bentConnector3">
-            <a:avLst>
-              <a:gd name="adj1" fmla="val 102364"/>
-            </a:avLst>
+          <a:prstGeom prst="bentConnector2">
+            <a:avLst/>
           </a:prstGeom>
           <a:ln>
             <a:solidFill>
@@ -4372,15 +7716,15 @@
           <p:nvPr/>
         </p:nvPicPr>
         <p:blipFill>
-          <a:blip r:embed="rId3"/>
+          <a:blip r:embed="rId4"/>
           <a:stretch>
             <a:fillRect/>
           </a:stretch>
         </p:blipFill>
         <p:spPr>
           <a:xfrm>
-            <a:off x="3630613" y="2668083"/>
-            <a:ext cx="1354344" cy="720784"/>
+            <a:off x="4436839" y="2668083"/>
+            <a:ext cx="1050147" cy="720784"/>
           </a:xfrm>
           <a:prstGeom prst="rect">
             <a:avLst/>
@@ -4406,7 +7750,7 @@
           </a:xfrm>
           <a:prstGeom prst="bentConnector3">
             <a:avLst>
-              <a:gd name="adj1" fmla="val 50000"/>
+              <a:gd name="adj1" fmla="val 65063"/>
             </a:avLst>
           </a:prstGeom>
           <a:ln>
@@ -4441,8 +7785,8 @@
         </p:nvCxnSpPr>
         <p:spPr>
           <a:xfrm>
-            <a:off x="4984957" y="3028475"/>
-            <a:ext cx="825908" cy="0"/>
+            <a:off x="5486986" y="3028475"/>
+            <a:ext cx="1021968" cy="0"/>
           </a:xfrm>
           <a:prstGeom prst="straightConnector1">
             <a:avLst/>
@@ -4469,45 +7813,21 @@
           </a:fontRef>
         </p:style>
       </p:cxnSp>
-      <p:pic>
-        <p:nvPicPr>
-          <p:cNvPr id="19" name="Picture 18"/>
-          <p:cNvPicPr>
-            <a:picLocks noChangeAspect="1"/>
-          </p:cNvPicPr>
-          <p:nvPr/>
-        </p:nvPicPr>
-        <p:blipFill>
-          <a:blip r:embed="rId4"/>
-          <a:stretch>
-            <a:fillRect/>
-          </a:stretch>
-        </p:blipFill>
-        <p:spPr>
-          <a:xfrm>
-            <a:off x="5810865" y="2668083"/>
-            <a:ext cx="1759884" cy="749399"/>
-          </a:xfrm>
-          <a:prstGeom prst="rect">
-            <a:avLst/>
-          </a:prstGeom>
-        </p:spPr>
-      </p:pic>
       <p:cxnSp>
         <p:nvCxnSpPr>
           <p:cNvPr id="134" name="Elbow Connector 133"/>
-          <p:cNvCxnSpPr/>
+          <p:cNvCxnSpPr>
+            <a:stCxn id="3" idx="3"/>
+          </p:cNvCxnSpPr>
           <p:nvPr/>
         </p:nvCxnSpPr>
         <p:spPr>
-          <a:xfrm rot="5400000" flipH="1" flipV="1">
-            <a:off x="7378565" y="4147347"/>
-            <a:ext cx="945497" cy="569669"/>
+          <a:xfrm flipV="1">
+            <a:off x="8068510" y="3959434"/>
+            <a:ext cx="255898" cy="951155"/>
           </a:xfrm>
-          <a:prstGeom prst="bentConnector3">
-            <a:avLst>
-              <a:gd name="adj1" fmla="val 85"/>
-            </a:avLst>
+          <a:prstGeom prst="bentConnector2">
+            <a:avLst/>
           </a:prstGeom>
           <a:ln>
             <a:solidFill>
@@ -4530,35 +7850,6 @@
           </a:fontRef>
         </p:style>
       </p:cxnSp>
-      <p:pic>
-        <p:nvPicPr>
-          <p:cNvPr id="26" name="Picture 25"/>
-          <p:cNvPicPr>
-            <a:picLocks noChangeAspect="1"/>
-          </p:cNvPicPr>
-          <p:nvPr/>
-        </p:nvPicPr>
-        <p:blipFill>
-          <a:blip r:embed="rId5"/>
-          <a:stretch>
-            <a:fillRect/>
-          </a:stretch>
-        </p:blipFill>
-        <p:spPr>
-          <a:xfrm>
-            <a:off x="8746080" y="2891859"/>
-            <a:ext cx="2934643" cy="2633869"/>
-          </a:xfrm>
-          <a:prstGeom prst="rect">
-            <a:avLst/>
-          </a:prstGeom>
-          <a:ln>
-            <a:solidFill>
-              <a:schemeClr val="accent2"/>
-            </a:solidFill>
-          </a:ln>
-        </p:spPr>
-      </p:pic>
       <p:sp>
         <p:nvSpPr>
           <p:cNvPr id="136" name="Oval 135">
@@ -4573,7 +7864,7 @@
         </p:nvSpPr>
         <p:spPr>
           <a:xfrm>
-            <a:off x="892124" y="2238222"/>
+            <a:off x="510384" y="2238222"/>
             <a:ext cx="182880" cy="182880"/>
           </a:xfrm>
           <a:prstGeom prst="ellipse">
@@ -4646,7 +7937,7 @@
         </p:nvSpPr>
         <p:spPr>
           <a:xfrm>
-            <a:off x="2728513" y="3201612"/>
+            <a:off x="1814184" y="3096849"/>
             <a:ext cx="182880" cy="182880"/>
           </a:xfrm>
           <a:prstGeom prst="ellipse">
@@ -4719,153 +8010,7 @@
         </p:nvSpPr>
         <p:spPr>
           <a:xfrm>
-            <a:off x="4216345" y="2428523"/>
-            <a:ext cx="182880" cy="182880"/>
-          </a:xfrm>
-          <a:prstGeom prst="ellipse">
-            <a:avLst/>
-          </a:prstGeom>
-          <a:solidFill>
-            <a:srgbClr val="FF671F"/>
-          </a:solidFill>
-          <a:ln w="19050" cap="flat" cmpd="sng" algn="ctr">
-            <a:solidFill>
-              <a:srgbClr val="F2F2F2"/>
-            </a:solidFill>
-            <a:prstDash val="solid"/>
-            <a:miter lim="800000"/>
-          </a:ln>
-          <a:effectLst/>
-        </p:spPr>
-        <p:txBody>
-          <a:bodyPr rtlCol="0" anchor="ctr"/>
-          <a:lstStyle/>
-          <a:p>
-            <a:pPr marL="0" marR="0" lvl="0" indent="0" algn="ctr" defTabSz="914400" eaLnBrk="1" fontAlgn="auto" latinLnBrk="0" hangingPunct="1">
-              <a:lnSpc>
-                <a:spcPct val="100000"/>
-              </a:lnSpc>
-              <a:spcBef>
-                <a:spcPts val="0"/>
-              </a:spcBef>
-              <a:spcAft>
-                <a:spcPts val="0"/>
-              </a:spcAft>
-              <a:buClrTx/>
-              <a:buSzTx/>
-              <a:buFontTx/>
-              <a:buNone/>
-              <a:tabLst/>
-              <a:defRPr/>
-            </a:pPr>
-            <a:r>
-              <a:rPr kumimoji="0" lang="en-US" sz="1050" b="1" i="0" u="none" strike="noStrike" kern="0" cap="none" spc="0" normalizeH="0" baseline="0" noProof="0" dirty="0">
-                <a:ln>
-                  <a:noFill/>
-                </a:ln>
-                <a:solidFill>
-                  <a:srgbClr val="FFFFFF"/>
-                </a:solidFill>
-                <a:effectLst/>
-                <a:uLnTx/>
-                <a:uFillTx/>
-                <a:latin typeface="Arial" panose="020B0604020202020204"/>
-                <a:ea typeface="+mn-ea"/>
-                <a:cs typeface="+mn-cs"/>
-              </a:rPr>
-              <a:t>3</a:t>
-            </a:r>
-          </a:p>
-        </p:txBody>
-      </p:sp>
-      <p:sp>
-        <p:nvSpPr>
-          <p:cNvPr id="139" name="Oval 138">
-            <a:extLst>
-              <a:ext uri="{FF2B5EF4-FFF2-40B4-BE49-F238E27FC236}">
-                <a16:creationId xmlns:a16="http://schemas.microsoft.com/office/drawing/2014/main" xmlns="" id="{08CBC122-A697-FF4B-BDF0-57D9FD685313}"/>
-              </a:ext>
-            </a:extLst>
-          </p:cNvPr>
-          <p:cNvSpPr/>
-          <p:nvPr/>
-        </p:nvSpPr>
-        <p:spPr>
-          <a:xfrm>
-            <a:off x="6481212" y="2424192"/>
-            <a:ext cx="182880" cy="182880"/>
-          </a:xfrm>
-          <a:prstGeom prst="ellipse">
-            <a:avLst/>
-          </a:prstGeom>
-          <a:solidFill>
-            <a:srgbClr val="FF671F"/>
-          </a:solidFill>
-          <a:ln w="19050" cap="flat" cmpd="sng" algn="ctr">
-            <a:solidFill>
-              <a:srgbClr val="F2F2F2"/>
-            </a:solidFill>
-            <a:prstDash val="solid"/>
-            <a:miter lim="800000"/>
-          </a:ln>
-          <a:effectLst/>
-        </p:spPr>
-        <p:txBody>
-          <a:bodyPr rtlCol="0" anchor="ctr"/>
-          <a:lstStyle/>
-          <a:p>
-            <a:pPr marL="0" marR="0" lvl="0" indent="0" algn="ctr" defTabSz="914400" eaLnBrk="1" fontAlgn="auto" latinLnBrk="0" hangingPunct="1">
-              <a:lnSpc>
-                <a:spcPct val="100000"/>
-              </a:lnSpc>
-              <a:spcBef>
-                <a:spcPts val="0"/>
-              </a:spcBef>
-              <a:spcAft>
-                <a:spcPts val="0"/>
-              </a:spcAft>
-              <a:buClrTx/>
-              <a:buSzTx/>
-              <a:buFontTx/>
-              <a:buNone/>
-              <a:tabLst/>
-              <a:defRPr/>
-            </a:pPr>
-            <a:r>
-              <a:rPr kumimoji="0" lang="en-US" sz="1050" b="1" i="0" u="none" strike="noStrike" kern="0" cap="none" spc="0" normalizeH="0" baseline="0" noProof="0" dirty="0">
-                <a:ln>
-                  <a:noFill/>
-                </a:ln>
-                <a:solidFill>
-                  <a:srgbClr val="FFFFFF"/>
-                </a:solidFill>
-                <a:effectLst/>
-                <a:uLnTx/>
-                <a:uFillTx/>
-                <a:latin typeface="Arial" panose="020B0604020202020204"/>
-                <a:ea typeface="+mn-ea"/>
-                <a:cs typeface="+mn-cs"/>
-              </a:rPr>
-              <a:t>4</a:t>
-            </a:r>
-          </a:p>
-        </p:txBody>
-      </p:sp>
-      <p:sp>
-        <p:nvSpPr>
-          <p:cNvPr id="142" name="Oval 141">
-            <a:extLst>
-              <a:ext uri="{FF2B5EF4-FFF2-40B4-BE49-F238E27FC236}">
-                <a16:creationId xmlns:a16="http://schemas.microsoft.com/office/drawing/2014/main" xmlns="" id="{08CBC122-A697-FF4B-BDF0-57D9FD685313}"/>
-              </a:ext>
-            </a:extLst>
-          </p:cNvPr>
-          <p:cNvSpPr/>
-          <p:nvPr/>
-        </p:nvSpPr>
-        <p:spPr>
-          <a:xfrm>
-            <a:off x="6111592" y="4315878"/>
+            <a:off x="4718375" y="2428523"/>
             <a:ext cx="182880" cy="182880"/>
           </a:xfrm>
           <a:prstGeom prst="ellipse">
@@ -4940,7 +8085,7 @@
       </p:sp>
       <p:sp>
         <p:nvSpPr>
-          <p:cNvPr id="143" name="Oval 142">
+          <p:cNvPr id="139" name="Oval 138">
             <a:extLst>
               <a:ext uri="{FF2B5EF4-FFF2-40B4-BE49-F238E27FC236}">
                 <a16:creationId xmlns:a16="http://schemas.microsoft.com/office/drawing/2014/main" xmlns="" id="{08CBC122-A697-FF4B-BDF0-57D9FD685313}"/>
@@ -4952,7 +8097,7 @@
         </p:nvSpPr>
         <p:spPr>
           <a:xfrm>
-            <a:off x="10030520" y="2447369"/>
+            <a:off x="7066773" y="2389997"/>
             <a:ext cx="182880" cy="182880"/>
           </a:xfrm>
           <a:prstGeom prst="ellipse">
@@ -5027,6 +8172,180 @@
       </p:sp>
       <p:sp>
         <p:nvSpPr>
+          <p:cNvPr id="142" name="Oval 141">
+            <a:extLst>
+              <a:ext uri="{FF2B5EF4-FFF2-40B4-BE49-F238E27FC236}">
+                <a16:creationId xmlns:a16="http://schemas.microsoft.com/office/drawing/2014/main" xmlns="" id="{08CBC122-A697-FF4B-BDF0-57D9FD685313}"/>
+              </a:ext>
+            </a:extLst>
+          </p:cNvPr>
+          <p:cNvSpPr/>
+          <p:nvPr/>
+        </p:nvSpPr>
+        <p:spPr>
+          <a:xfrm>
+            <a:off x="6613622" y="4315878"/>
+            <a:ext cx="182880" cy="182880"/>
+          </a:xfrm>
+          <a:prstGeom prst="ellipse">
+            <a:avLst/>
+          </a:prstGeom>
+          <a:solidFill>
+            <a:srgbClr val="FF671F"/>
+          </a:solidFill>
+          <a:ln w="19050" cap="flat" cmpd="sng" algn="ctr">
+            <a:solidFill>
+              <a:srgbClr val="F2F2F2"/>
+            </a:solidFill>
+            <a:prstDash val="solid"/>
+            <a:miter lim="800000"/>
+          </a:ln>
+          <a:effectLst/>
+        </p:spPr>
+        <p:txBody>
+          <a:bodyPr rtlCol="0" anchor="ctr"/>
+          <a:lstStyle/>
+          <a:p>
+            <a:pPr marL="0" marR="0" lvl="0" indent="0" algn="ctr" defTabSz="914400" eaLnBrk="1" fontAlgn="auto" latinLnBrk="0" hangingPunct="1">
+              <a:lnSpc>
+                <a:spcPct val="100000"/>
+              </a:lnSpc>
+              <a:spcBef>
+                <a:spcPts val="0"/>
+              </a:spcBef>
+              <a:spcAft>
+                <a:spcPts val="0"/>
+              </a:spcAft>
+              <a:buClrTx/>
+              <a:buSzTx/>
+              <a:buFontTx/>
+              <a:buNone/>
+              <a:tabLst/>
+              <a:defRPr/>
+            </a:pPr>
+            <a:r>
+              <a:rPr kumimoji="0" lang="en-US" sz="1050" b="1" i="0" u="none" strike="noStrike" kern="0" cap="none" spc="0" normalizeH="0" baseline="0" noProof="0" dirty="0" smtClean="0">
+                <a:ln>
+                  <a:noFill/>
+                </a:ln>
+                <a:solidFill>
+                  <a:srgbClr val="FFFFFF"/>
+                </a:solidFill>
+                <a:effectLst/>
+                <a:uLnTx/>
+                <a:uFillTx/>
+                <a:latin typeface="Arial" panose="020B0604020202020204"/>
+                <a:ea typeface="+mn-ea"/>
+                <a:cs typeface="+mn-cs"/>
+              </a:rPr>
+              <a:t>4</a:t>
+            </a:r>
+            <a:endParaRPr kumimoji="0" lang="en-US" sz="1050" b="1" i="0" u="none" strike="noStrike" kern="0" cap="none" spc="0" normalizeH="0" baseline="0" noProof="0" dirty="0">
+              <a:ln>
+                <a:noFill/>
+              </a:ln>
+              <a:solidFill>
+                <a:srgbClr val="FFFFFF"/>
+              </a:solidFill>
+              <a:effectLst/>
+              <a:uLnTx/>
+              <a:uFillTx/>
+              <a:latin typeface="Arial" panose="020B0604020202020204"/>
+              <a:ea typeface="+mn-ea"/>
+              <a:cs typeface="+mn-cs"/>
+            </a:endParaRPr>
+          </a:p>
+        </p:txBody>
+      </p:sp>
+      <p:sp>
+        <p:nvSpPr>
+          <p:cNvPr id="143" name="Oval 142">
+            <a:extLst>
+              <a:ext uri="{FF2B5EF4-FFF2-40B4-BE49-F238E27FC236}">
+                <a16:creationId xmlns:a16="http://schemas.microsoft.com/office/drawing/2014/main" xmlns="" id="{08CBC122-A697-FF4B-BDF0-57D9FD685313}"/>
+              </a:ext>
+            </a:extLst>
+          </p:cNvPr>
+          <p:cNvSpPr/>
+          <p:nvPr/>
+        </p:nvSpPr>
+        <p:spPr>
+          <a:xfrm>
+            <a:off x="10128177" y="1472593"/>
+            <a:ext cx="182880" cy="182880"/>
+          </a:xfrm>
+          <a:prstGeom prst="ellipse">
+            <a:avLst/>
+          </a:prstGeom>
+          <a:solidFill>
+            <a:srgbClr val="FF671F"/>
+          </a:solidFill>
+          <a:ln w="19050" cap="flat" cmpd="sng" algn="ctr">
+            <a:solidFill>
+              <a:srgbClr val="F2F2F2"/>
+            </a:solidFill>
+            <a:prstDash val="solid"/>
+            <a:miter lim="800000"/>
+          </a:ln>
+          <a:effectLst/>
+        </p:spPr>
+        <p:txBody>
+          <a:bodyPr rtlCol="0" anchor="ctr"/>
+          <a:lstStyle/>
+          <a:p>
+            <a:pPr marL="0" marR="0" lvl="0" indent="0" algn="ctr" defTabSz="914400" eaLnBrk="1" fontAlgn="auto" latinLnBrk="0" hangingPunct="1">
+              <a:lnSpc>
+                <a:spcPct val="100000"/>
+              </a:lnSpc>
+              <a:spcBef>
+                <a:spcPts val="0"/>
+              </a:spcBef>
+              <a:spcAft>
+                <a:spcPts val="0"/>
+              </a:spcAft>
+              <a:buClrTx/>
+              <a:buSzTx/>
+              <a:buFontTx/>
+              <a:buNone/>
+              <a:tabLst/>
+              <a:defRPr/>
+            </a:pPr>
+            <a:r>
+              <a:rPr kumimoji="0" lang="en-US" sz="1050" b="1" i="0" u="none" strike="noStrike" kern="0" cap="none" spc="0" normalizeH="0" baseline="0" noProof="0" dirty="0" smtClean="0">
+                <a:ln>
+                  <a:noFill/>
+                </a:ln>
+                <a:solidFill>
+                  <a:srgbClr val="FFFFFF"/>
+                </a:solidFill>
+                <a:effectLst/>
+                <a:uLnTx/>
+                <a:uFillTx/>
+                <a:latin typeface="Arial" panose="020B0604020202020204"/>
+                <a:ea typeface="+mn-ea"/>
+                <a:cs typeface="+mn-cs"/>
+              </a:rPr>
+              <a:t>7</a:t>
+            </a:r>
+            <a:endParaRPr kumimoji="0" lang="en-US" sz="1050" b="1" i="0" u="none" strike="noStrike" kern="0" cap="none" spc="0" normalizeH="0" baseline="0" noProof="0" dirty="0">
+              <a:ln>
+                <a:noFill/>
+              </a:ln>
+              <a:solidFill>
+                <a:srgbClr val="FFFFFF"/>
+              </a:solidFill>
+              <a:effectLst/>
+              <a:uLnTx/>
+              <a:uFillTx/>
+              <a:latin typeface="Arial" panose="020B0604020202020204"/>
+              <a:ea typeface="+mn-ea"/>
+              <a:cs typeface="+mn-cs"/>
+            </a:endParaRPr>
+          </a:p>
+        </p:txBody>
+      </p:sp>
+      <p:sp>
+        <p:nvSpPr>
           <p:cNvPr id="146" name="TextBox 145">
             <a:extLst>
               <a:ext uri="{FF2B5EF4-FFF2-40B4-BE49-F238E27FC236}">
@@ -5039,8 +8358,8 @@
         </p:nvSpPr>
         <p:spPr>
           <a:xfrm>
-            <a:off x="2144976" y="3384492"/>
-            <a:ext cx="1247395" cy="261610"/>
+            <a:off x="1376425" y="3269308"/>
+            <a:ext cx="1062551" cy="261610"/>
           </a:xfrm>
           <a:prstGeom prst="rect">
             <a:avLst/>
@@ -5057,7 +8376,7 @@
               <a:defRPr/>
             </a:pPr>
             <a:r>
-              <a:rPr lang="en-US" sz="1100" b="1" dirty="0" smtClean="0">
+              <a:rPr lang="en-US" sz="1100" b="1" dirty="0">
                 <a:solidFill>
                   <a:srgbClr val="FF671F"/>
                 </a:solidFill>
@@ -5065,12 +8384,6 @@
               </a:rPr>
               <a:t>DATA PREP.</a:t>
             </a:r>
-            <a:endParaRPr lang="en-US" sz="1100" b="1" dirty="0">
-              <a:solidFill>
-                <a:srgbClr val="FF671F"/>
-              </a:solidFill>
-              <a:latin typeface="Arial" panose="020B0604020202020204"/>
-            </a:endParaRPr>
           </a:p>
         </p:txBody>
       </p:sp>
@@ -5088,7 +8401,7 @@
         </p:nvSpPr>
         <p:spPr>
           <a:xfrm>
-            <a:off x="9498262" y="2630249"/>
+            <a:off x="9595919" y="1681966"/>
             <a:ext cx="1247395" cy="261610"/>
           </a:xfrm>
           <a:prstGeom prst="rect">
@@ -5106,20 +8419,14 @@
               <a:defRPr/>
             </a:pPr>
             <a:r>
-              <a:rPr lang="en-US" sz="1100" b="1" dirty="0" smtClean="0">
+              <a:rPr lang="en-US" sz="1100" b="1" dirty="0">
                 <a:solidFill>
                   <a:srgbClr val="FF671F"/>
                 </a:solidFill>
                 <a:latin typeface="Arial" panose="020B0604020202020204"/>
               </a:rPr>
-              <a:t>DATA PREP.</a:t>
+              <a:t>DASHBOARD.</a:t>
             </a:r>
-            <a:endParaRPr lang="en-US" sz="1100" b="1" dirty="0">
-              <a:solidFill>
-                <a:srgbClr val="FF671F"/>
-              </a:solidFill>
-              <a:latin typeface="Arial" panose="020B0604020202020204"/>
-            </a:endParaRPr>
           </a:p>
         </p:txBody>
       </p:sp>
@@ -5137,7 +8444,7 @@
         </p:nvSpPr>
         <p:spPr>
           <a:xfrm>
-            <a:off x="4984957" y="2095472"/>
+            <a:off x="5486987" y="2095472"/>
             <a:ext cx="1470766" cy="261610"/>
           </a:xfrm>
           <a:prstGeom prst="rect">
@@ -5155,7 +8462,7 @@
               <a:defRPr/>
             </a:pPr>
             <a:r>
-              <a:rPr lang="en-US" sz="1100" b="1" dirty="0" smtClean="0">
+              <a:rPr lang="en-US" sz="1100" b="1" dirty="0">
                 <a:solidFill>
                   <a:srgbClr val="FF671F"/>
                 </a:solidFill>
@@ -5163,25 +8470,79 @@
               </a:rPr>
               <a:t>DEVELOPMENT.</a:t>
             </a:r>
-            <a:endParaRPr lang="en-US" sz="1100" b="1" dirty="0">
-              <a:solidFill>
-                <a:srgbClr val="FF671F"/>
-              </a:solidFill>
-              <a:latin typeface="Arial" panose="020B0604020202020204"/>
-            </a:endParaRPr>
           </a:p>
         </p:txBody>
       </p:sp>
       <p:sp>
         <p:nvSpPr>
-          <p:cNvPr id="33" name="TextBox 32"/>
+          <p:cNvPr id="4" name="Rectangle: Rounded Corners 3">
+            <a:extLst>
+              <a:ext uri="{FF2B5EF4-FFF2-40B4-BE49-F238E27FC236}">
+                <a16:creationId xmlns:a16="http://schemas.microsoft.com/office/drawing/2014/main" xmlns="" id="{B912AA89-EBBD-43A8-AAEF-4389D4ED766C}"/>
+              </a:ext>
+            </a:extLst>
+          </p:cNvPr>
+          <p:cNvSpPr/>
+          <p:nvPr/>
+        </p:nvSpPr>
+        <p:spPr>
+          <a:xfrm>
+            <a:off x="8751622" y="2011132"/>
+            <a:ext cx="3304020" cy="4261331"/>
+          </a:xfrm>
+          <a:prstGeom prst="roundRect">
+            <a:avLst>
+              <a:gd name="adj" fmla="val 1402"/>
+            </a:avLst>
+          </a:prstGeom>
+          <a:noFill/>
+          <a:ln>
+            <a:solidFill>
+              <a:schemeClr val="accent2"/>
+            </a:solidFill>
+          </a:ln>
+        </p:spPr>
+        <p:style>
+          <a:lnRef idx="2">
+            <a:schemeClr val="accent1">
+              <a:shade val="50000"/>
+            </a:schemeClr>
+          </a:lnRef>
+          <a:fillRef idx="1">
+            <a:schemeClr val="accent1"/>
+          </a:fillRef>
+          <a:effectRef idx="0">
+            <a:schemeClr val="accent1"/>
+          </a:effectRef>
+          <a:fontRef idx="minor">
+            <a:schemeClr val="lt1"/>
+          </a:fontRef>
+        </p:style>
+        <p:txBody>
+          <a:bodyPr rtlCol="0" anchor="ctr"/>
+          <a:lstStyle/>
+          <a:p>
+            <a:pPr algn="ctr"/>
+            <a:endParaRPr lang="en-US"/>
+          </a:p>
+        </p:txBody>
+      </p:sp>
+      <p:sp>
+        <p:nvSpPr>
+          <p:cNvPr id="43" name="TextBox 42">
+            <a:extLst>
+              <a:ext uri="{FF2B5EF4-FFF2-40B4-BE49-F238E27FC236}">
+                <a16:creationId xmlns:a16="http://schemas.microsoft.com/office/drawing/2014/main" xmlns="" id="{586C585E-951C-4060-BB2A-E906EE453D2F}"/>
+              </a:ext>
+            </a:extLst>
+          </p:cNvPr>
           <p:cNvSpPr txBox="1"/>
           <p:nvPr/>
         </p:nvSpPr>
         <p:spPr>
           <a:xfrm>
-            <a:off x="4369849" y="2377104"/>
-            <a:ext cx="956772" cy="369332"/>
+            <a:off x="8596211" y="3707471"/>
+            <a:ext cx="1247395" cy="261610"/>
           </a:xfrm>
           <a:prstGeom prst="rect">
             <a:avLst/>
@@ -5194,41 +8555,37 @@
           </a:bodyPr>
           <a:lstStyle/>
           <a:p>
-            <a:pPr algn="ctr"/>
+            <a:pPr algn="ctr">
+              <a:defRPr/>
+            </a:pPr>
             <a:r>
-              <a:rPr lang="en-US" dirty="0" smtClean="0">
+              <a:rPr lang="en-US" sz="1100" b="1" dirty="0">
                 <a:solidFill>
-                  <a:srgbClr val="FF0000"/>
+                  <a:srgbClr val="FF671F"/>
                 </a:solidFill>
+                <a:latin typeface="Arial" panose="020B0604020202020204"/>
               </a:rPr>
-              <a:t>--WIP</a:t>
+              <a:t>Housing.</a:t>
             </a:r>
-            <a:r>
-              <a:rPr lang="en-US" dirty="0" smtClean="0">
-                <a:solidFill>
-                  <a:srgbClr val="FF0000"/>
-                </a:solidFill>
-              </a:rPr>
-              <a:t>--</a:t>
-            </a:r>
-            <a:endParaRPr lang="en-US" dirty="0">
-              <a:solidFill>
-                <a:srgbClr val="FF0000"/>
-              </a:solidFill>
-            </a:endParaRPr>
           </a:p>
         </p:txBody>
       </p:sp>
       <p:sp>
         <p:nvSpPr>
-          <p:cNvPr id="188" name="TextBox 187"/>
+          <p:cNvPr id="44" name="TextBox 43">
+            <a:extLst>
+              <a:ext uri="{FF2B5EF4-FFF2-40B4-BE49-F238E27FC236}">
+                <a16:creationId xmlns:a16="http://schemas.microsoft.com/office/drawing/2014/main" xmlns="" id="{F8419DD9-073D-4EC8-897F-92AB66F3D4EA}"/>
+              </a:ext>
+            </a:extLst>
+          </p:cNvPr>
           <p:cNvSpPr txBox="1"/>
           <p:nvPr/>
         </p:nvSpPr>
         <p:spPr>
           <a:xfrm>
-            <a:off x="7042926" y="2362984"/>
-            <a:ext cx="956772" cy="369332"/>
+            <a:off x="10074458" y="3728070"/>
+            <a:ext cx="1247395" cy="261610"/>
           </a:xfrm>
           <a:prstGeom prst="rect">
             <a:avLst/>
@@ -5241,41 +8598,37 @@
           </a:bodyPr>
           <a:lstStyle/>
           <a:p>
-            <a:pPr algn="ctr"/>
+            <a:pPr algn="ctr">
+              <a:defRPr/>
+            </a:pPr>
             <a:r>
-              <a:rPr lang="en-US" dirty="0" smtClean="0">
+              <a:rPr lang="en-US" sz="1100" b="1" dirty="0">
                 <a:solidFill>
-                  <a:srgbClr val="FF0000"/>
+                  <a:srgbClr val="FF671F"/>
                 </a:solidFill>
+                <a:latin typeface="Arial" panose="020B0604020202020204"/>
               </a:rPr>
-              <a:t>--WIP</a:t>
+              <a:t>Jobs.</a:t>
             </a:r>
-            <a:r>
-              <a:rPr lang="en-US" dirty="0" smtClean="0">
-                <a:solidFill>
-                  <a:srgbClr val="FF0000"/>
-                </a:solidFill>
-              </a:rPr>
-              <a:t>--</a:t>
-            </a:r>
-            <a:endParaRPr lang="en-US" dirty="0">
-              <a:solidFill>
-                <a:srgbClr val="FF0000"/>
-              </a:solidFill>
-            </a:endParaRPr>
           </a:p>
         </p:txBody>
       </p:sp>
       <p:sp>
         <p:nvSpPr>
-          <p:cNvPr id="206" name="TextBox 205"/>
+          <p:cNvPr id="45" name="TextBox 44">
+            <a:extLst>
+              <a:ext uri="{FF2B5EF4-FFF2-40B4-BE49-F238E27FC236}">
+                <a16:creationId xmlns:a16="http://schemas.microsoft.com/office/drawing/2014/main" xmlns="" id="{E2B089BC-92A4-433A-A36B-D380DE25750B}"/>
+              </a:ext>
+            </a:extLst>
+          </p:cNvPr>
           <p:cNvSpPr txBox="1"/>
           <p:nvPr/>
         </p:nvSpPr>
         <p:spPr>
           <a:xfrm>
-            <a:off x="10655635" y="3987150"/>
-            <a:ext cx="956772" cy="369332"/>
+            <a:off x="9595918" y="2111279"/>
+            <a:ext cx="1247395" cy="261610"/>
           </a:xfrm>
           <a:prstGeom prst="rect">
             <a:avLst/>
@@ -5288,24 +8641,291 @@
           </a:bodyPr>
           <a:lstStyle/>
           <a:p>
+            <a:pPr algn="ctr">
+              <a:defRPr/>
+            </a:pPr>
+            <a:r>
+              <a:rPr lang="en-US" sz="1100" b="1" dirty="0">
+                <a:solidFill>
+                  <a:srgbClr val="FF671F"/>
+                </a:solidFill>
+                <a:latin typeface="Arial" panose="020B0604020202020204"/>
+              </a:rPr>
+              <a:t>Bar Chart</a:t>
+            </a:r>
+          </a:p>
+        </p:txBody>
+      </p:sp>
+      <p:sp>
+        <p:nvSpPr>
+          <p:cNvPr id="51" name="Oval 50">
+            <a:extLst>
+              <a:ext uri="{FF2B5EF4-FFF2-40B4-BE49-F238E27FC236}">
+                <a16:creationId xmlns:a16="http://schemas.microsoft.com/office/drawing/2014/main" xmlns="" id="{F9C91A40-D25D-824A-937C-072181E57607}"/>
+              </a:ext>
+            </a:extLst>
+          </p:cNvPr>
+          <p:cNvSpPr/>
+          <p:nvPr/>
+        </p:nvSpPr>
+        <p:spPr>
+          <a:xfrm>
+            <a:off x="3102903" y="3096849"/>
+            <a:ext cx="182880" cy="182880"/>
+          </a:xfrm>
+          <a:prstGeom prst="ellipse">
+            <a:avLst/>
+          </a:prstGeom>
+          <a:solidFill>
+            <a:srgbClr val="FF671F"/>
+          </a:solidFill>
+          <a:ln w="19050" cap="flat" cmpd="sng" algn="ctr">
+            <a:solidFill>
+              <a:srgbClr val="F2F2F2"/>
+            </a:solidFill>
+            <a:prstDash val="solid"/>
+            <a:miter lim="800000"/>
+          </a:ln>
+          <a:effectLst/>
+        </p:spPr>
+        <p:txBody>
+          <a:bodyPr rtlCol="0" anchor="ctr"/>
+          <a:lstStyle/>
+          <a:p>
+            <a:pPr marL="0" marR="0" lvl="0" indent="0" algn="ctr" defTabSz="914400" eaLnBrk="1" fontAlgn="auto" latinLnBrk="0" hangingPunct="1">
+              <a:lnSpc>
+                <a:spcPct val="100000"/>
+              </a:lnSpc>
+              <a:spcBef>
+                <a:spcPts val="0"/>
+              </a:spcBef>
+              <a:spcAft>
+                <a:spcPts val="0"/>
+              </a:spcAft>
+              <a:buClrTx/>
+              <a:buSzTx/>
+              <a:buFontTx/>
+              <a:buNone/>
+              <a:tabLst/>
+              <a:defRPr/>
+            </a:pPr>
+            <a:r>
+              <a:rPr kumimoji="0" lang="en-US" sz="1050" b="1" i="0" u="none" strike="noStrike" kern="0" cap="none" spc="0" normalizeH="0" baseline="0" noProof="0" dirty="0" smtClean="0">
+                <a:ln>
+                  <a:noFill/>
+                </a:ln>
+                <a:solidFill>
+                  <a:srgbClr val="FFFFFF"/>
+                </a:solidFill>
+                <a:effectLst/>
+                <a:uLnTx/>
+                <a:uFillTx/>
+                <a:latin typeface="Arial" panose="020B0604020202020204"/>
+                <a:ea typeface="+mn-ea"/>
+                <a:cs typeface="+mn-cs"/>
+              </a:rPr>
+              <a:t>3</a:t>
+            </a:r>
+            <a:endParaRPr kumimoji="0" lang="en-US" sz="1050" b="1" i="0" u="none" strike="noStrike" kern="0" cap="none" spc="0" normalizeH="0" baseline="0" noProof="0" dirty="0">
+              <a:ln>
+                <a:noFill/>
+              </a:ln>
+              <a:solidFill>
+                <a:srgbClr val="FFFFFF"/>
+              </a:solidFill>
+              <a:effectLst/>
+              <a:uLnTx/>
+              <a:uFillTx/>
+              <a:latin typeface="Arial" panose="020B0604020202020204"/>
+              <a:ea typeface="+mn-ea"/>
+              <a:cs typeface="+mn-cs"/>
+            </a:endParaRPr>
+          </a:p>
+        </p:txBody>
+      </p:sp>
+      <p:pic>
+        <p:nvPicPr>
+          <p:cNvPr id="10" name="Picture 9"/>
+          <p:cNvPicPr>
+            <a:picLocks noChangeAspect="1"/>
+          </p:cNvPicPr>
+          <p:nvPr/>
+        </p:nvPicPr>
+        <p:blipFill>
+          <a:blip r:embed="rId5"/>
+          <a:stretch>
+            <a:fillRect/>
+          </a:stretch>
+        </p:blipFill>
+        <p:spPr>
+          <a:xfrm>
+            <a:off x="2862789" y="3482451"/>
+            <a:ext cx="737499" cy="824469"/>
+          </a:xfrm>
+          <a:prstGeom prst="rect">
+            <a:avLst/>
+          </a:prstGeom>
+        </p:spPr>
+      </p:pic>
+      <p:pic>
+        <p:nvPicPr>
+          <p:cNvPr id="27" name="Picture 26"/>
+          <p:cNvPicPr>
+            <a:picLocks noChangeAspect="1"/>
+          </p:cNvPicPr>
+          <p:nvPr/>
+        </p:nvPicPr>
+        <p:blipFill>
+          <a:blip r:embed="rId6"/>
+          <a:stretch>
+            <a:fillRect/>
+          </a:stretch>
+        </p:blipFill>
+        <p:spPr>
+          <a:xfrm>
+            <a:off x="6517459" y="2584786"/>
+            <a:ext cx="1281508" cy="970346"/>
+          </a:xfrm>
+          <a:prstGeom prst="rect">
+            <a:avLst/>
+          </a:prstGeom>
+          <a:ln>
+            <a:solidFill>
+              <a:schemeClr val="accent2"/>
+            </a:solidFill>
+          </a:ln>
+        </p:spPr>
+      </p:pic>
+      <p:sp>
+        <p:nvSpPr>
+          <p:cNvPr id="86" name="TextBox 85">
+            <a:extLst>
+              <a:ext uri="{FF2B5EF4-FFF2-40B4-BE49-F238E27FC236}">
+                <a16:creationId xmlns:a16="http://schemas.microsoft.com/office/drawing/2014/main" xmlns="" id="{1409DB7B-A052-4F4C-B1CE-A04E46BB3E35}"/>
+              </a:ext>
+            </a:extLst>
+          </p:cNvPr>
+          <p:cNvSpPr txBox="1"/>
+          <p:nvPr/>
+        </p:nvSpPr>
+        <p:spPr>
+          <a:xfrm>
+            <a:off x="2731533" y="3269308"/>
+            <a:ext cx="1062551" cy="261610"/>
+          </a:xfrm>
+          <a:prstGeom prst="rect">
+            <a:avLst/>
+          </a:prstGeom>
+          <a:noFill/>
+        </p:spPr>
+        <p:txBody>
+          <a:bodyPr wrap="square" rtlCol="0">
+            <a:spAutoFit/>
+          </a:bodyPr>
+          <a:lstStyle/>
+          <a:p>
+            <a:pPr algn="ctr">
+              <a:defRPr/>
+            </a:pPr>
+            <a:r>
+              <a:rPr lang="en-US" sz="1100" b="1" dirty="0" smtClean="0">
+                <a:solidFill>
+                  <a:srgbClr val="FF671F"/>
+                </a:solidFill>
+                <a:latin typeface="Arial" panose="020B0604020202020204"/>
+              </a:rPr>
+              <a:t>DATABASE.</a:t>
+            </a:r>
+            <a:endParaRPr lang="en-US" sz="1100" b="1" dirty="0">
+              <a:solidFill>
+                <a:srgbClr val="FF671F"/>
+              </a:solidFill>
+              <a:latin typeface="Arial" panose="020B0604020202020204"/>
+            </a:endParaRPr>
+          </a:p>
+        </p:txBody>
+      </p:sp>
+      <p:sp>
+        <p:nvSpPr>
+          <p:cNvPr id="90" name="TextBox 89">
+            <a:extLst>
+              <a:ext uri="{FF2B5EF4-FFF2-40B4-BE49-F238E27FC236}">
+                <a16:creationId xmlns:a16="http://schemas.microsoft.com/office/drawing/2014/main" xmlns="" id="{586C585E-951C-4060-BB2A-E906EE453D2F}"/>
+              </a:ext>
+            </a:extLst>
+          </p:cNvPr>
+          <p:cNvSpPr txBox="1"/>
+          <p:nvPr/>
+        </p:nvSpPr>
+        <p:spPr>
+          <a:xfrm>
+            <a:off x="9745048" y="5090249"/>
+            <a:ext cx="1247395" cy="261610"/>
+          </a:xfrm>
+          <a:prstGeom prst="rect">
+            <a:avLst/>
+          </a:prstGeom>
+          <a:noFill/>
+        </p:spPr>
+        <p:txBody>
+          <a:bodyPr wrap="square" rtlCol="0">
+            <a:spAutoFit/>
+          </a:bodyPr>
+          <a:lstStyle/>
+          <a:p>
+            <a:pPr algn="ctr">
+              <a:defRPr/>
+            </a:pPr>
+            <a:r>
+              <a:rPr lang="en-US" sz="1100" b="1" dirty="0" smtClean="0">
+                <a:solidFill>
+                  <a:srgbClr val="FF671F"/>
+                </a:solidFill>
+                <a:latin typeface="Arial" panose="020B0604020202020204"/>
+              </a:rPr>
+              <a:t>Cost of Living</a:t>
+            </a:r>
+            <a:endParaRPr lang="en-US" sz="1100" b="1" dirty="0">
+              <a:solidFill>
+                <a:srgbClr val="FF671F"/>
+              </a:solidFill>
+              <a:latin typeface="Arial" panose="020B0604020202020204"/>
+            </a:endParaRPr>
+          </a:p>
+        </p:txBody>
+      </p:sp>
+      <p:sp>
+        <p:nvSpPr>
+          <p:cNvPr id="55" name="TextBox 54"/>
+          <p:cNvSpPr txBox="1"/>
+          <p:nvPr/>
+        </p:nvSpPr>
+        <p:spPr>
+          <a:xfrm>
+            <a:off x="9062947" y="2684387"/>
+            <a:ext cx="2313338" cy="369332"/>
+          </a:xfrm>
+          <a:prstGeom prst="rect">
+            <a:avLst/>
+          </a:prstGeom>
+          <a:noFill/>
+        </p:spPr>
+        <p:txBody>
+          <a:bodyPr wrap="square" rtlCol="0">
+            <a:spAutoFit/>
+          </a:bodyPr>
+          <a:lstStyle/>
+          <a:p>
             <a:pPr algn="ctr"/>
             <a:r>
-              <a:rPr lang="en-US" dirty="0" smtClean="0">
+              <a:rPr lang="en-US" b="1" i="1" dirty="0" smtClean="0">
                 <a:solidFill>
                   <a:srgbClr val="FF0000"/>
                 </a:solidFill>
               </a:rPr>
-              <a:t>--WIP</a:t>
+              <a:t>WORK IN PROGRESS</a:t>
             </a:r>
-            <a:r>
-              <a:rPr lang="en-US" dirty="0" smtClean="0">
-                <a:solidFill>
-                  <a:srgbClr val="FF0000"/>
-                </a:solidFill>
-              </a:rPr>
-              <a:t>--</a:t>
-            </a:r>
-            <a:endParaRPr lang="en-US" dirty="0">
+            <a:endParaRPr lang="en-US" b="1" i="1" dirty="0">
               <a:solidFill>
                 <a:srgbClr val="FF0000"/>
               </a:solidFill>
